--- a/非受控文档/过程文档/UML概述/UML概述（新）.pptx
+++ b/非受控文档/过程文档/UML概述/UML概述（新）.pptx
@@ -5,85 +5,85 @@
     <p:sldMasterId id="2147483648" r:id="rId1"/>
   </p:sldMasterIdLst>
   <p:notesMasterIdLst>
-    <p:notesMasterId r:id="rId79"/>
+    <p:notesMasterId r:id="rId78"/>
   </p:notesMasterIdLst>
   <p:sldIdLst>
-    <p:sldId id="256" r:id="rId3"/>
-    <p:sldId id="257" r:id="rId4"/>
-    <p:sldId id="258" r:id="rId5"/>
-    <p:sldId id="259" r:id="rId6"/>
-    <p:sldId id="305" r:id="rId7"/>
-    <p:sldId id="306" r:id="rId8"/>
-    <p:sldId id="307" r:id="rId9"/>
-    <p:sldId id="308" r:id="rId10"/>
-    <p:sldId id="309" r:id="rId11"/>
-    <p:sldId id="276" r:id="rId12"/>
-    <p:sldId id="298" r:id="rId13"/>
-    <p:sldId id="315" r:id="rId14"/>
-    <p:sldId id="310" r:id="rId15"/>
-    <p:sldId id="299" r:id="rId16"/>
-    <p:sldId id="278" r:id="rId17"/>
-    <p:sldId id="386" r:id="rId18"/>
-    <p:sldId id="300" r:id="rId19"/>
-    <p:sldId id="322" r:id="rId20"/>
-    <p:sldId id="324" r:id="rId21"/>
-    <p:sldId id="325" r:id="rId22"/>
-    <p:sldId id="326" r:id="rId23"/>
-    <p:sldId id="321" r:id="rId24"/>
-    <p:sldId id="327" r:id="rId25"/>
-    <p:sldId id="328" r:id="rId26"/>
-    <p:sldId id="329" r:id="rId27"/>
-    <p:sldId id="330" r:id="rId28"/>
-    <p:sldId id="301" r:id="rId29"/>
-    <p:sldId id="311" r:id="rId30"/>
-    <p:sldId id="344" r:id="rId31"/>
-    <p:sldId id="342" r:id="rId32"/>
-    <p:sldId id="343" r:id="rId33"/>
-    <p:sldId id="345" r:id="rId34"/>
-    <p:sldId id="302" r:id="rId35"/>
-    <p:sldId id="312" r:id="rId36"/>
-    <p:sldId id="346" r:id="rId37"/>
-    <p:sldId id="347" r:id="rId38"/>
-    <p:sldId id="348" r:id="rId39"/>
-    <p:sldId id="349" r:id="rId40"/>
-    <p:sldId id="350" r:id="rId41"/>
-    <p:sldId id="351" r:id="rId42"/>
-    <p:sldId id="352" r:id="rId43"/>
-    <p:sldId id="353" r:id="rId44"/>
-    <p:sldId id="377" r:id="rId45"/>
-    <p:sldId id="374" r:id="rId46"/>
-    <p:sldId id="376" r:id="rId47"/>
-    <p:sldId id="378" r:id="rId48"/>
-    <p:sldId id="379" r:id="rId49"/>
-    <p:sldId id="380" r:id="rId50"/>
-    <p:sldId id="381" r:id="rId51"/>
-    <p:sldId id="382" r:id="rId52"/>
-    <p:sldId id="383" r:id="rId53"/>
-    <p:sldId id="384" r:id="rId54"/>
-    <p:sldId id="303" r:id="rId55"/>
-    <p:sldId id="385" r:id="rId56"/>
-    <p:sldId id="313" r:id="rId57"/>
-    <p:sldId id="359" r:id="rId58"/>
-    <p:sldId id="360" r:id="rId59"/>
-    <p:sldId id="361" r:id="rId60"/>
-    <p:sldId id="362" r:id="rId61"/>
-    <p:sldId id="363" r:id="rId62"/>
-    <p:sldId id="304" r:id="rId63"/>
-    <p:sldId id="314" r:id="rId64"/>
-    <p:sldId id="366" r:id="rId65"/>
-    <p:sldId id="367" r:id="rId66"/>
-    <p:sldId id="436" r:id="rId67"/>
-    <p:sldId id="437" r:id="rId68"/>
-    <p:sldId id="438" r:id="rId69"/>
-    <p:sldId id="439" r:id="rId70"/>
-    <p:sldId id="440" r:id="rId71"/>
-    <p:sldId id="442" r:id="rId72"/>
-    <p:sldId id="443" r:id="rId73"/>
-    <p:sldId id="444" r:id="rId74"/>
-    <p:sldId id="445" r:id="rId75"/>
-    <p:sldId id="446" r:id="rId76"/>
-    <p:sldId id="447" r:id="rId77"/>
-    <p:sldId id="279" r:id="rId78"/>
+    <p:sldId id="256" r:id="rId2"/>
+    <p:sldId id="257" r:id="rId3"/>
+    <p:sldId id="258" r:id="rId4"/>
+    <p:sldId id="259" r:id="rId5"/>
+    <p:sldId id="305" r:id="rId6"/>
+    <p:sldId id="306" r:id="rId7"/>
+    <p:sldId id="307" r:id="rId8"/>
+    <p:sldId id="308" r:id="rId9"/>
+    <p:sldId id="309" r:id="rId10"/>
+    <p:sldId id="276" r:id="rId11"/>
+    <p:sldId id="298" r:id="rId12"/>
+    <p:sldId id="315" r:id="rId13"/>
+    <p:sldId id="310" r:id="rId14"/>
+    <p:sldId id="299" r:id="rId15"/>
+    <p:sldId id="278" r:id="rId16"/>
+    <p:sldId id="386" r:id="rId17"/>
+    <p:sldId id="300" r:id="rId18"/>
+    <p:sldId id="322" r:id="rId19"/>
+    <p:sldId id="324" r:id="rId20"/>
+    <p:sldId id="325" r:id="rId21"/>
+    <p:sldId id="326" r:id="rId22"/>
+    <p:sldId id="321" r:id="rId23"/>
+    <p:sldId id="327" r:id="rId24"/>
+    <p:sldId id="328" r:id="rId25"/>
+    <p:sldId id="329" r:id="rId26"/>
+    <p:sldId id="330" r:id="rId27"/>
+    <p:sldId id="301" r:id="rId28"/>
+    <p:sldId id="311" r:id="rId29"/>
+    <p:sldId id="344" r:id="rId30"/>
+    <p:sldId id="342" r:id="rId31"/>
+    <p:sldId id="343" r:id="rId32"/>
+    <p:sldId id="345" r:id="rId33"/>
+    <p:sldId id="302" r:id="rId34"/>
+    <p:sldId id="312" r:id="rId35"/>
+    <p:sldId id="346" r:id="rId36"/>
+    <p:sldId id="347" r:id="rId37"/>
+    <p:sldId id="348" r:id="rId38"/>
+    <p:sldId id="349" r:id="rId39"/>
+    <p:sldId id="350" r:id="rId40"/>
+    <p:sldId id="351" r:id="rId41"/>
+    <p:sldId id="352" r:id="rId42"/>
+    <p:sldId id="353" r:id="rId43"/>
+    <p:sldId id="377" r:id="rId44"/>
+    <p:sldId id="374" r:id="rId45"/>
+    <p:sldId id="376" r:id="rId46"/>
+    <p:sldId id="378" r:id="rId47"/>
+    <p:sldId id="379" r:id="rId48"/>
+    <p:sldId id="380" r:id="rId49"/>
+    <p:sldId id="381" r:id="rId50"/>
+    <p:sldId id="382" r:id="rId51"/>
+    <p:sldId id="383" r:id="rId52"/>
+    <p:sldId id="384" r:id="rId53"/>
+    <p:sldId id="303" r:id="rId54"/>
+    <p:sldId id="385" r:id="rId55"/>
+    <p:sldId id="313" r:id="rId56"/>
+    <p:sldId id="359" r:id="rId57"/>
+    <p:sldId id="360" r:id="rId58"/>
+    <p:sldId id="361" r:id="rId59"/>
+    <p:sldId id="362" r:id="rId60"/>
+    <p:sldId id="363" r:id="rId61"/>
+    <p:sldId id="304" r:id="rId62"/>
+    <p:sldId id="314" r:id="rId63"/>
+    <p:sldId id="366" r:id="rId64"/>
+    <p:sldId id="367" r:id="rId65"/>
+    <p:sldId id="436" r:id="rId66"/>
+    <p:sldId id="437" r:id="rId67"/>
+    <p:sldId id="438" r:id="rId68"/>
+    <p:sldId id="439" r:id="rId69"/>
+    <p:sldId id="440" r:id="rId70"/>
+    <p:sldId id="442" r:id="rId71"/>
+    <p:sldId id="443" r:id="rId72"/>
+    <p:sldId id="444" r:id="rId73"/>
+    <p:sldId id="445" r:id="rId74"/>
+    <p:sldId id="446" r:id="rId75"/>
+    <p:sldId id="447" r:id="rId76"/>
+    <p:sldId id="279" r:id="rId77"/>
   </p:sldIdLst>
   <p:sldSz cx="12192000" cy="6858000"/>
   <p:notesSz cx="6858000" cy="9144000"/>
@@ -182,6 +182,22 @@
       </a:defRPr>
     </a:lvl9pPr>
   </p:defaultTextStyle>
+  <p:extLst>
+    <p:ext uri="{EFAFB233-063F-42B5-8137-9DF3F51BA10A}">
+      <p15:sldGuideLst xmlns:p15="http://schemas.microsoft.com/office/powerpoint/2012/main">
+        <p15:guide id="1" orient="horz" pos="2131">
+          <p15:clr>
+            <a:srgbClr val="A4A3A4"/>
+          </p15:clr>
+        </p15:guide>
+        <p15:guide id="2" pos="3840">
+          <p15:clr>
+            <a:srgbClr val="A4A3A4"/>
+          </p15:clr>
+        </p15:guide>
+      </p15:sldGuideLst>
+    </p:ext>
+  </p:extLst>
 </p:presentation>
 </file>
 
@@ -267,6 +283,7 @@
           <a:p>
             <a:fld id="{959EEDEB-74DD-4590-ADB0-3BDFBC7AA6C1}" type="datetimeFigureOut">
               <a:rPr lang="zh-CN" altLang="en-US" smtClean="0"/>
+              <a:t>2018/10/14</a:t>
             </a:fld>
             <a:endParaRPr lang="zh-CN" altLang="en-US"/>
           </a:p>
@@ -330,42 +347,37 @@
           <a:p>
             <a:pPr lvl="0"/>
             <a:r>
-              <a:rPr lang="zh-CN" altLang="en-US" smtClean="0"/>
+              <a:rPr lang="zh-CN" altLang="en-US"/>
               <a:t>单击此处编辑母版文本样式</a:t>
             </a:r>
-            <a:endParaRPr lang="zh-CN" altLang="en-US" smtClean="0"/>
           </a:p>
           <a:p>
             <a:pPr lvl="1"/>
             <a:r>
-              <a:rPr lang="zh-CN" altLang="en-US" smtClean="0"/>
+              <a:rPr lang="zh-CN" altLang="en-US"/>
               <a:t>第二级</a:t>
             </a:r>
-            <a:endParaRPr lang="zh-CN" altLang="en-US" smtClean="0"/>
           </a:p>
           <a:p>
             <a:pPr lvl="2"/>
             <a:r>
-              <a:rPr lang="zh-CN" altLang="en-US" smtClean="0"/>
+              <a:rPr lang="zh-CN" altLang="en-US"/>
               <a:t>第三级</a:t>
             </a:r>
-            <a:endParaRPr lang="zh-CN" altLang="en-US" smtClean="0"/>
           </a:p>
           <a:p>
             <a:pPr lvl="3"/>
             <a:r>
-              <a:rPr lang="zh-CN" altLang="en-US" smtClean="0"/>
+              <a:rPr lang="zh-CN" altLang="en-US"/>
               <a:t>第四级</a:t>
             </a:r>
-            <a:endParaRPr lang="zh-CN" altLang="en-US" smtClean="0"/>
           </a:p>
           <a:p>
             <a:pPr lvl="4"/>
             <a:r>
-              <a:rPr lang="zh-CN" altLang="en-US" smtClean="0"/>
+              <a:rPr lang="zh-CN" altLang="en-US"/>
               <a:t>第五级</a:t>
             </a:r>
-            <a:endParaRPr lang="zh-CN" altLang="en-US"/>
           </a:p>
         </p:txBody>
       </p:sp>
@@ -429,6 +441,7 @@
           <a:p>
             <a:fld id="{195043DD-9C8A-432D-8FD9-15B0804A3EB1}" type="slidenum">
               <a:rPr lang="zh-CN" altLang="en-US" smtClean="0"/>
+              <a:t>‹#›</a:t>
             </a:fld>
             <a:endParaRPr lang="zh-CN" altLang="en-US"/>
           </a:p>
@@ -574,10 +587,9 @@
           </a:lstStyle>
           <a:p>
             <a:r>
-              <a:rPr lang="zh-CN" altLang="en-US" smtClean="0"/>
+              <a:rPr lang="zh-CN" altLang="en-US"/>
               <a:t>单击此处编辑母版标题样式</a:t>
             </a:r>
-            <a:endParaRPr lang="zh-CN" altLang="en-US"/>
           </a:p>
         </p:txBody>
       </p:sp>
@@ -639,10 +651,9 @@
           </a:lstStyle>
           <a:p>
             <a:r>
-              <a:rPr lang="zh-CN" altLang="en-US" smtClean="0"/>
+              <a:rPr lang="zh-CN" altLang="en-US"/>
               <a:t>单击此处编辑母版副标题样式</a:t>
             </a:r>
-            <a:endParaRPr lang="zh-CN" altLang="en-US"/>
           </a:p>
         </p:txBody>
       </p:sp>
@@ -663,6 +674,7 @@
           <a:p>
             <a:fld id="{698485DF-3FAB-45E9-A642-7745AB3E3AFD}" type="datetimeFigureOut">
               <a:rPr lang="zh-CN" altLang="en-US" smtClean="0"/>
+              <a:t>2018/10/14</a:t>
             </a:fld>
             <a:endParaRPr lang="zh-CN" altLang="en-US"/>
           </a:p>
@@ -704,6 +716,7 @@
           <a:p>
             <a:fld id="{9C0BAE56-5081-45C8-9882-C35F39B69EBE}" type="slidenum">
               <a:rPr lang="zh-CN" altLang="en-US" smtClean="0"/>
+              <a:t>‹#›</a:t>
             </a:fld>
             <a:endParaRPr lang="zh-CN" altLang="en-US"/>
           </a:p>
@@ -750,10 +763,9 @@
           <a:lstStyle/>
           <a:p>
             <a:r>
-              <a:rPr lang="zh-CN" altLang="en-US" smtClean="0"/>
+              <a:rPr lang="zh-CN" altLang="en-US"/>
               <a:t>单击此处编辑母版标题样式</a:t>
             </a:r>
-            <a:endParaRPr lang="zh-CN" altLang="en-US"/>
           </a:p>
         </p:txBody>
       </p:sp>
@@ -774,42 +786,37 @@
           <a:p>
             <a:pPr lvl="0"/>
             <a:r>
-              <a:rPr lang="zh-CN" altLang="en-US" smtClean="0"/>
+              <a:rPr lang="zh-CN" altLang="en-US"/>
               <a:t>单击此处编辑母版文本样式</a:t>
             </a:r>
-            <a:endParaRPr lang="zh-CN" altLang="en-US" smtClean="0"/>
           </a:p>
           <a:p>
             <a:pPr lvl="1"/>
             <a:r>
-              <a:rPr lang="zh-CN" altLang="en-US" smtClean="0"/>
+              <a:rPr lang="zh-CN" altLang="en-US"/>
               <a:t>第二级</a:t>
             </a:r>
-            <a:endParaRPr lang="zh-CN" altLang="en-US" smtClean="0"/>
           </a:p>
           <a:p>
             <a:pPr lvl="2"/>
             <a:r>
-              <a:rPr lang="zh-CN" altLang="en-US" smtClean="0"/>
+              <a:rPr lang="zh-CN" altLang="en-US"/>
               <a:t>第三级</a:t>
             </a:r>
-            <a:endParaRPr lang="zh-CN" altLang="en-US" smtClean="0"/>
           </a:p>
           <a:p>
             <a:pPr lvl="3"/>
             <a:r>
-              <a:rPr lang="zh-CN" altLang="en-US" smtClean="0"/>
+              <a:rPr lang="zh-CN" altLang="en-US"/>
               <a:t>第四级</a:t>
             </a:r>
-            <a:endParaRPr lang="zh-CN" altLang="en-US" smtClean="0"/>
           </a:p>
           <a:p>
             <a:pPr lvl="4"/>
             <a:r>
-              <a:rPr lang="zh-CN" altLang="en-US" smtClean="0"/>
+              <a:rPr lang="zh-CN" altLang="en-US"/>
               <a:t>第五级</a:t>
             </a:r>
-            <a:endParaRPr lang="zh-CN" altLang="en-US"/>
           </a:p>
         </p:txBody>
       </p:sp>
@@ -830,6 +837,7 @@
           <a:p>
             <a:fld id="{698485DF-3FAB-45E9-A642-7745AB3E3AFD}" type="datetimeFigureOut">
               <a:rPr lang="zh-CN" altLang="en-US" smtClean="0"/>
+              <a:t>2018/10/14</a:t>
             </a:fld>
             <a:endParaRPr lang="zh-CN" altLang="en-US"/>
           </a:p>
@@ -871,6 +879,7 @@
           <a:p>
             <a:fld id="{9C0BAE56-5081-45C8-9882-C35F39B69EBE}" type="slidenum">
               <a:rPr lang="zh-CN" altLang="en-US" smtClean="0"/>
+              <a:t>‹#›</a:t>
             </a:fld>
             <a:endParaRPr lang="zh-CN" altLang="en-US"/>
           </a:p>
@@ -922,10 +931,9 @@
           <a:lstStyle/>
           <a:p>
             <a:r>
-              <a:rPr lang="zh-CN" altLang="en-US" smtClean="0"/>
+              <a:rPr lang="zh-CN" altLang="en-US"/>
               <a:t>单击此处编辑母版标题样式</a:t>
             </a:r>
-            <a:endParaRPr lang="zh-CN" altLang="en-US"/>
           </a:p>
         </p:txBody>
       </p:sp>
@@ -951,42 +959,37 @@
           <a:p>
             <a:pPr lvl="0"/>
             <a:r>
-              <a:rPr lang="zh-CN" altLang="en-US" smtClean="0"/>
+              <a:rPr lang="zh-CN" altLang="en-US"/>
               <a:t>单击此处编辑母版文本样式</a:t>
             </a:r>
-            <a:endParaRPr lang="zh-CN" altLang="en-US" smtClean="0"/>
           </a:p>
           <a:p>
             <a:pPr lvl="1"/>
             <a:r>
-              <a:rPr lang="zh-CN" altLang="en-US" smtClean="0"/>
+              <a:rPr lang="zh-CN" altLang="en-US"/>
               <a:t>第二级</a:t>
             </a:r>
-            <a:endParaRPr lang="zh-CN" altLang="en-US" smtClean="0"/>
           </a:p>
           <a:p>
             <a:pPr lvl="2"/>
             <a:r>
-              <a:rPr lang="zh-CN" altLang="en-US" smtClean="0"/>
+              <a:rPr lang="zh-CN" altLang="en-US"/>
               <a:t>第三级</a:t>
             </a:r>
-            <a:endParaRPr lang="zh-CN" altLang="en-US" smtClean="0"/>
           </a:p>
           <a:p>
             <a:pPr lvl="3"/>
             <a:r>
-              <a:rPr lang="zh-CN" altLang="en-US" smtClean="0"/>
+              <a:rPr lang="zh-CN" altLang="en-US"/>
               <a:t>第四级</a:t>
             </a:r>
-            <a:endParaRPr lang="zh-CN" altLang="en-US" smtClean="0"/>
           </a:p>
           <a:p>
             <a:pPr lvl="4"/>
             <a:r>
-              <a:rPr lang="zh-CN" altLang="en-US" smtClean="0"/>
+              <a:rPr lang="zh-CN" altLang="en-US"/>
               <a:t>第五级</a:t>
             </a:r>
-            <a:endParaRPr lang="zh-CN" altLang="en-US"/>
           </a:p>
         </p:txBody>
       </p:sp>
@@ -1007,6 +1010,7 @@
           <a:p>
             <a:fld id="{698485DF-3FAB-45E9-A642-7745AB3E3AFD}" type="datetimeFigureOut">
               <a:rPr lang="zh-CN" altLang="en-US" smtClean="0"/>
+              <a:t>2018/10/14</a:t>
             </a:fld>
             <a:endParaRPr lang="zh-CN" altLang="en-US"/>
           </a:p>
@@ -1048,6 +1052,7 @@
           <a:p>
             <a:fld id="{9C0BAE56-5081-45C8-9882-C35F39B69EBE}" type="slidenum">
               <a:rPr lang="zh-CN" altLang="en-US" smtClean="0"/>
+              <a:t>‹#›</a:t>
             </a:fld>
             <a:endParaRPr lang="zh-CN" altLang="en-US"/>
           </a:p>
@@ -1094,10 +1099,9 @@
           <a:lstStyle/>
           <a:p>
             <a:r>
-              <a:rPr lang="zh-CN" altLang="en-US" smtClean="0"/>
+              <a:rPr lang="zh-CN" altLang="en-US"/>
               <a:t>单击此处编辑母版标题样式</a:t>
             </a:r>
-            <a:endParaRPr lang="zh-CN" altLang="en-US"/>
           </a:p>
         </p:txBody>
       </p:sp>
@@ -1118,6 +1122,7 @@
           <a:p>
             <a:fld id="{698485DF-3FAB-45E9-A642-7745AB3E3AFD}" type="datetimeFigureOut">
               <a:rPr lang="zh-CN" altLang="en-US" smtClean="0"/>
+              <a:t>2018/10/14</a:t>
             </a:fld>
             <a:endParaRPr lang="zh-CN" altLang="en-US"/>
           </a:p>
@@ -1159,6 +1164,7 @@
           <a:p>
             <a:fld id="{9C0BAE56-5081-45C8-9882-C35F39B69EBE}" type="slidenum">
               <a:rPr lang="zh-CN" altLang="en-US" smtClean="0"/>
+              <a:t>‹#›</a:t>
             </a:fld>
             <a:endParaRPr lang="zh-CN" altLang="en-US"/>
           </a:p>
@@ -1202,7 +1208,7 @@
               <a:defRPr/>
             </a:pPr>
             <a:r>
-              <a:rPr kumimoji="0" lang="en-US" altLang="zh-CN" sz="100" b="0" i="0" u="none" strike="noStrike" kern="0" cap="none" spc="0" normalizeH="0" baseline="0" noProof="0" dirty="0" smtClean="0">
+              <a:rPr kumimoji="0" lang="en-US" altLang="zh-CN" sz="100" b="0" i="0" u="none" strike="noStrike" kern="0" cap="none" spc="0" normalizeH="0" baseline="0" noProof="0" dirty="0">
                 <a:ln>
                   <a:noFill/>
                 </a:ln>
@@ -1216,7 +1222,7 @@
               <a:t>PPT</a:t>
             </a:r>
             <a:r>
-              <a:rPr kumimoji="0" lang="zh-CN" altLang="en-US" sz="100" b="0" i="0" u="none" strike="noStrike" kern="0" cap="none" spc="0" normalizeH="0" baseline="0" noProof="0" dirty="0" smtClean="0">
+              <a:rPr kumimoji="0" lang="zh-CN" altLang="en-US" sz="100" b="0" i="0" u="none" strike="noStrike" kern="0" cap="none" spc="0" normalizeH="0" baseline="0" noProof="0" dirty="0">
                 <a:ln>
                   <a:noFill/>
                 </a:ln>
@@ -1230,7 +1236,7 @@
               <a:t>模板下载：</a:t>
             </a:r>
             <a:r>
-              <a:rPr kumimoji="0" lang="en-US" altLang="zh-CN" sz="100" b="0" i="0" u="none" strike="noStrike" kern="0" cap="none" spc="0" normalizeH="0" baseline="0" noProof="0" dirty="0" smtClean="0">
+              <a:rPr kumimoji="0" lang="en-US" altLang="zh-CN" sz="100" b="0" i="0" u="none" strike="noStrike" kern="0" cap="none" spc="0" normalizeH="0" baseline="0" noProof="0" dirty="0">
                 <a:ln>
                   <a:noFill/>
                 </a:ln>
@@ -1244,7 +1250,7 @@
               <a:t>www.1ppt.com/moban/     </a:t>
             </a:r>
             <a:r>
-              <a:rPr kumimoji="0" lang="zh-CN" altLang="en-US" sz="100" b="0" i="0" u="none" strike="noStrike" kern="0" cap="none" spc="0" normalizeH="0" baseline="0" noProof="0" dirty="0" smtClean="0">
+              <a:rPr kumimoji="0" lang="zh-CN" altLang="en-US" sz="100" b="0" i="0" u="none" strike="noStrike" kern="0" cap="none" spc="0" normalizeH="0" baseline="0" noProof="0" dirty="0">
                 <a:ln>
                   <a:noFill/>
                 </a:ln>
@@ -1258,7 +1264,7 @@
               <a:t>行业</a:t>
             </a:r>
             <a:r>
-              <a:rPr kumimoji="0" lang="en-US" altLang="zh-CN" sz="100" b="0" i="0" u="none" strike="noStrike" kern="0" cap="none" spc="0" normalizeH="0" baseline="0" noProof="0" dirty="0" smtClean="0">
+              <a:rPr kumimoji="0" lang="en-US" altLang="zh-CN" sz="100" b="0" i="0" u="none" strike="noStrike" kern="0" cap="none" spc="0" normalizeH="0" baseline="0" noProof="0" dirty="0">
                 <a:ln>
                   <a:noFill/>
                 </a:ln>
@@ -1272,7 +1278,7 @@
               <a:t>PPT</a:t>
             </a:r>
             <a:r>
-              <a:rPr kumimoji="0" lang="zh-CN" altLang="en-US" sz="100" b="0" i="0" u="none" strike="noStrike" kern="0" cap="none" spc="0" normalizeH="0" baseline="0" noProof="0" dirty="0" smtClean="0">
+              <a:rPr kumimoji="0" lang="zh-CN" altLang="en-US" sz="100" b="0" i="0" u="none" strike="noStrike" kern="0" cap="none" spc="0" normalizeH="0" baseline="0" noProof="0" dirty="0">
                 <a:ln>
                   <a:noFill/>
                 </a:ln>
@@ -1286,7 +1292,7 @@
               <a:t>模板：</a:t>
             </a:r>
             <a:r>
-              <a:rPr kumimoji="0" lang="en-US" altLang="zh-CN" sz="100" b="0" i="0" u="none" strike="noStrike" kern="0" cap="none" spc="0" normalizeH="0" baseline="0" noProof="0" dirty="0" smtClean="0">
+              <a:rPr kumimoji="0" lang="en-US" altLang="zh-CN" sz="100" b="0" i="0" u="none" strike="noStrike" kern="0" cap="none" spc="0" normalizeH="0" baseline="0" noProof="0" dirty="0">
                 <a:ln>
                   <a:noFill/>
                 </a:ln>
@@ -1299,17 +1305,6 @@
               </a:rPr>
               <a:t>www.1ppt.com/hangye/ </a:t>
             </a:r>
-            <a:endParaRPr kumimoji="0" lang="en-US" altLang="zh-CN" sz="100" b="0" i="0" u="none" strike="noStrike" kern="0" cap="none" spc="0" normalizeH="0" baseline="0" noProof="0" dirty="0" smtClean="0">
-              <a:ln>
-                <a:noFill/>
-              </a:ln>
-              <a:solidFill>
-                <a:prstClr val="white"/>
-              </a:solidFill>
-              <a:effectLst/>
-              <a:uLnTx/>
-              <a:uFillTx/>
-            </a:endParaRPr>
           </a:p>
           <a:p>
             <a:pPr marL="0" marR="0" lvl="0" indent="0" defTabSz="914400" eaLnBrk="1" fontAlgn="auto" latinLnBrk="0" hangingPunct="1">
@@ -1329,7 +1324,7 @@
               <a:defRPr/>
             </a:pPr>
             <a:r>
-              <a:rPr kumimoji="0" lang="zh-CN" altLang="en-US" sz="100" b="0" i="0" u="none" strike="noStrike" kern="0" cap="none" spc="0" normalizeH="0" baseline="0" noProof="0" dirty="0" smtClean="0">
+              <a:rPr kumimoji="0" lang="zh-CN" altLang="en-US" sz="100" b="0" i="0" u="none" strike="noStrike" kern="0" cap="none" spc="0" normalizeH="0" baseline="0" noProof="0" dirty="0">
                 <a:ln>
                   <a:noFill/>
                 </a:ln>
@@ -1343,7 +1338,7 @@
               <a:t>节日</a:t>
             </a:r>
             <a:r>
-              <a:rPr kumimoji="0" lang="en-US" altLang="zh-CN" sz="100" b="0" i="0" u="none" strike="noStrike" kern="0" cap="none" spc="0" normalizeH="0" baseline="0" noProof="0" dirty="0" smtClean="0">
+              <a:rPr kumimoji="0" lang="en-US" altLang="zh-CN" sz="100" b="0" i="0" u="none" strike="noStrike" kern="0" cap="none" spc="0" normalizeH="0" baseline="0" noProof="0" dirty="0">
                 <a:ln>
                   <a:noFill/>
                 </a:ln>
@@ -1357,7 +1352,7 @@
               <a:t>PPT</a:t>
             </a:r>
             <a:r>
-              <a:rPr kumimoji="0" lang="zh-CN" altLang="en-US" sz="100" b="0" i="0" u="none" strike="noStrike" kern="0" cap="none" spc="0" normalizeH="0" baseline="0" noProof="0" dirty="0" smtClean="0">
+              <a:rPr kumimoji="0" lang="zh-CN" altLang="en-US" sz="100" b="0" i="0" u="none" strike="noStrike" kern="0" cap="none" spc="0" normalizeH="0" baseline="0" noProof="0" dirty="0">
                 <a:ln>
                   <a:noFill/>
                 </a:ln>
@@ -1371,7 +1366,7 @@
               <a:t>模板：</a:t>
             </a:r>
             <a:r>
-              <a:rPr kumimoji="0" lang="en-US" altLang="zh-CN" sz="100" b="0" i="0" u="none" strike="noStrike" kern="0" cap="none" spc="0" normalizeH="0" baseline="0" noProof="0" dirty="0" smtClean="0">
+              <a:rPr kumimoji="0" lang="en-US" altLang="zh-CN" sz="100" b="0" i="0" u="none" strike="noStrike" kern="0" cap="none" spc="0" normalizeH="0" baseline="0" noProof="0" dirty="0">
                 <a:ln>
                   <a:noFill/>
                 </a:ln>
@@ -1385,7 +1380,7 @@
               <a:t>www.1ppt.com/jieri/           PPT</a:t>
             </a:r>
             <a:r>
-              <a:rPr kumimoji="0" lang="zh-CN" altLang="en-US" sz="100" b="0" i="0" u="none" strike="noStrike" kern="0" cap="none" spc="0" normalizeH="0" baseline="0" noProof="0" dirty="0" smtClean="0">
+              <a:rPr kumimoji="0" lang="zh-CN" altLang="en-US" sz="100" b="0" i="0" u="none" strike="noStrike" kern="0" cap="none" spc="0" normalizeH="0" baseline="0" noProof="0" dirty="0">
                 <a:ln>
                   <a:noFill/>
                 </a:ln>
@@ -1399,7 +1394,7 @@
               <a:t>素材下载：</a:t>
             </a:r>
             <a:r>
-              <a:rPr kumimoji="0" lang="en-US" altLang="zh-CN" sz="100" b="0" i="0" u="none" strike="noStrike" kern="0" cap="none" spc="0" normalizeH="0" baseline="0" noProof="0" dirty="0" smtClean="0">
+              <a:rPr kumimoji="0" lang="en-US" altLang="zh-CN" sz="100" b="0" i="0" u="none" strike="noStrike" kern="0" cap="none" spc="0" normalizeH="0" baseline="0" noProof="0" dirty="0">
                 <a:ln>
                   <a:noFill/>
                 </a:ln>
@@ -1412,17 +1407,6 @@
               </a:rPr>
               <a:t>www.1ppt.com/sucai/</a:t>
             </a:r>
-            <a:endParaRPr kumimoji="0" lang="en-US" altLang="zh-CN" sz="100" b="0" i="0" u="none" strike="noStrike" kern="0" cap="none" spc="0" normalizeH="0" baseline="0" noProof="0" dirty="0" smtClean="0">
-              <a:ln>
-                <a:noFill/>
-              </a:ln>
-              <a:solidFill>
-                <a:prstClr val="white"/>
-              </a:solidFill>
-              <a:effectLst/>
-              <a:uLnTx/>
-              <a:uFillTx/>
-            </a:endParaRPr>
           </a:p>
           <a:p>
             <a:pPr marL="0" marR="0" lvl="0" indent="0" defTabSz="914400" eaLnBrk="1" fontAlgn="auto" latinLnBrk="0" hangingPunct="1">
@@ -1442,7 +1426,7 @@
               <a:defRPr/>
             </a:pPr>
             <a:r>
-              <a:rPr kumimoji="0" lang="en-US" altLang="zh-CN" sz="100" b="0" i="0" u="none" strike="noStrike" kern="0" cap="none" spc="0" normalizeH="0" baseline="0" noProof="0" dirty="0" smtClean="0">
+              <a:rPr kumimoji="0" lang="en-US" altLang="zh-CN" sz="100" b="0" i="0" u="none" strike="noStrike" kern="0" cap="none" spc="0" normalizeH="0" baseline="0" noProof="0" dirty="0">
                 <a:ln>
                   <a:noFill/>
                 </a:ln>
@@ -1456,7 +1440,7 @@
               <a:t>PPT</a:t>
             </a:r>
             <a:r>
-              <a:rPr kumimoji="0" lang="zh-CN" altLang="en-US" sz="100" b="0" i="0" u="none" strike="noStrike" kern="0" cap="none" spc="0" normalizeH="0" baseline="0" noProof="0" dirty="0" smtClean="0">
+              <a:rPr kumimoji="0" lang="zh-CN" altLang="en-US" sz="100" b="0" i="0" u="none" strike="noStrike" kern="0" cap="none" spc="0" normalizeH="0" baseline="0" noProof="0" dirty="0">
                 <a:ln>
                   <a:noFill/>
                 </a:ln>
@@ -1470,7 +1454,7 @@
               <a:t>背景图片：</a:t>
             </a:r>
             <a:r>
-              <a:rPr kumimoji="0" lang="en-US" altLang="zh-CN" sz="100" b="0" i="0" u="none" strike="noStrike" kern="0" cap="none" spc="0" normalizeH="0" baseline="0" noProof="0" dirty="0" smtClean="0">
+              <a:rPr kumimoji="0" lang="en-US" altLang="zh-CN" sz="100" b="0" i="0" u="none" strike="noStrike" kern="0" cap="none" spc="0" normalizeH="0" baseline="0" noProof="0" dirty="0">
                 <a:ln>
                   <a:noFill/>
                 </a:ln>
@@ -1484,7 +1468,7 @@
               <a:t>www.1ppt.com/beijing/      PPT</a:t>
             </a:r>
             <a:r>
-              <a:rPr kumimoji="0" lang="zh-CN" altLang="en-US" sz="100" b="0" i="0" u="none" strike="noStrike" kern="0" cap="none" spc="0" normalizeH="0" baseline="0" noProof="0" dirty="0" smtClean="0">
+              <a:rPr kumimoji="0" lang="zh-CN" altLang="en-US" sz="100" b="0" i="0" u="none" strike="noStrike" kern="0" cap="none" spc="0" normalizeH="0" baseline="0" noProof="0" dirty="0">
                 <a:ln>
                   <a:noFill/>
                 </a:ln>
@@ -1498,7 +1482,7 @@
               <a:t>图表下载：</a:t>
             </a:r>
             <a:r>
-              <a:rPr kumimoji="0" lang="en-US" altLang="zh-CN" sz="100" b="0" i="0" u="none" strike="noStrike" kern="0" cap="none" spc="0" normalizeH="0" baseline="0" noProof="0" dirty="0" smtClean="0">
+              <a:rPr kumimoji="0" lang="en-US" altLang="zh-CN" sz="100" b="0" i="0" u="none" strike="noStrike" kern="0" cap="none" spc="0" normalizeH="0" baseline="0" noProof="0" dirty="0">
                 <a:ln>
                   <a:noFill/>
                 </a:ln>
@@ -1511,17 +1495,6 @@
               </a:rPr>
               <a:t>www.1ppt.com/tubiao/      </a:t>
             </a:r>
-            <a:endParaRPr kumimoji="0" lang="en-US" altLang="zh-CN" sz="100" b="0" i="0" u="none" strike="noStrike" kern="0" cap="none" spc="0" normalizeH="0" baseline="0" noProof="0" dirty="0" smtClean="0">
-              <a:ln>
-                <a:noFill/>
-              </a:ln>
-              <a:solidFill>
-                <a:prstClr val="white"/>
-              </a:solidFill>
-              <a:effectLst/>
-              <a:uLnTx/>
-              <a:uFillTx/>
-            </a:endParaRPr>
           </a:p>
           <a:p>
             <a:pPr marL="0" marR="0" lvl="0" indent="0" defTabSz="914400" eaLnBrk="1" fontAlgn="auto" latinLnBrk="0" hangingPunct="1">
@@ -1541,7 +1514,7 @@
               <a:defRPr/>
             </a:pPr>
             <a:r>
-              <a:rPr kumimoji="0" lang="zh-CN" altLang="en-US" sz="100" b="0" i="0" u="none" strike="noStrike" kern="0" cap="none" spc="0" normalizeH="0" baseline="0" noProof="0" dirty="0" smtClean="0">
+              <a:rPr kumimoji="0" lang="zh-CN" altLang="en-US" sz="100" b="0" i="0" u="none" strike="noStrike" kern="0" cap="none" spc="0" normalizeH="0" baseline="0" noProof="0" dirty="0">
                 <a:ln>
                   <a:noFill/>
                 </a:ln>
@@ -1555,7 +1528,7 @@
               <a:t>优秀</a:t>
             </a:r>
             <a:r>
-              <a:rPr kumimoji="0" lang="en-US" altLang="zh-CN" sz="100" b="0" i="0" u="none" strike="noStrike" kern="0" cap="none" spc="0" normalizeH="0" baseline="0" noProof="0" dirty="0" smtClean="0">
+              <a:rPr kumimoji="0" lang="en-US" altLang="zh-CN" sz="100" b="0" i="0" u="none" strike="noStrike" kern="0" cap="none" spc="0" normalizeH="0" baseline="0" noProof="0" dirty="0">
                 <a:ln>
                   <a:noFill/>
                 </a:ln>
@@ -1569,7 +1542,7 @@
               <a:t>PPT</a:t>
             </a:r>
             <a:r>
-              <a:rPr kumimoji="0" lang="zh-CN" altLang="en-US" sz="100" b="0" i="0" u="none" strike="noStrike" kern="0" cap="none" spc="0" normalizeH="0" baseline="0" noProof="0" dirty="0" smtClean="0">
+              <a:rPr kumimoji="0" lang="zh-CN" altLang="en-US" sz="100" b="0" i="0" u="none" strike="noStrike" kern="0" cap="none" spc="0" normalizeH="0" baseline="0" noProof="0" dirty="0">
                 <a:ln>
                   <a:noFill/>
                 </a:ln>
@@ -1583,7 +1556,7 @@
               <a:t>下载：</a:t>
             </a:r>
             <a:r>
-              <a:rPr kumimoji="0" lang="en-US" altLang="zh-CN" sz="100" b="0" i="0" u="none" strike="noStrike" kern="0" cap="none" spc="0" normalizeH="0" baseline="0" noProof="0" dirty="0" smtClean="0">
+              <a:rPr kumimoji="0" lang="en-US" altLang="zh-CN" sz="100" b="0" i="0" u="none" strike="noStrike" kern="0" cap="none" spc="0" normalizeH="0" baseline="0" noProof="0" dirty="0">
                 <a:ln>
                   <a:noFill/>
                 </a:ln>
@@ -1597,7 +1570,7 @@
               <a:t>www.1ppt.com/xiazai/        PPT</a:t>
             </a:r>
             <a:r>
-              <a:rPr kumimoji="0" lang="zh-CN" altLang="en-US" sz="100" b="0" i="0" u="none" strike="noStrike" kern="0" cap="none" spc="0" normalizeH="0" baseline="0" noProof="0" dirty="0" smtClean="0">
+              <a:rPr kumimoji="0" lang="zh-CN" altLang="en-US" sz="100" b="0" i="0" u="none" strike="noStrike" kern="0" cap="none" spc="0" normalizeH="0" baseline="0" noProof="0" dirty="0">
                 <a:ln>
                   <a:noFill/>
                 </a:ln>
@@ -1611,7 +1584,7 @@
               <a:t>教程： </a:t>
             </a:r>
             <a:r>
-              <a:rPr kumimoji="0" lang="en-US" altLang="zh-CN" sz="100" b="0" i="0" u="none" strike="noStrike" kern="0" cap="none" spc="0" normalizeH="0" baseline="0" noProof="0" dirty="0" smtClean="0">
+              <a:rPr kumimoji="0" lang="en-US" altLang="zh-CN" sz="100" b="0" i="0" u="none" strike="noStrike" kern="0" cap="none" spc="0" normalizeH="0" baseline="0" noProof="0" dirty="0">
                 <a:ln>
                   <a:noFill/>
                 </a:ln>
@@ -1624,17 +1597,6 @@
               </a:rPr>
               <a:t>www.1ppt.com/powerpoint/      </a:t>
             </a:r>
-            <a:endParaRPr kumimoji="0" lang="en-US" altLang="zh-CN" sz="100" b="0" i="0" u="none" strike="noStrike" kern="0" cap="none" spc="0" normalizeH="0" baseline="0" noProof="0" dirty="0" smtClean="0">
-              <a:ln>
-                <a:noFill/>
-              </a:ln>
-              <a:solidFill>
-                <a:prstClr val="white"/>
-              </a:solidFill>
-              <a:effectLst/>
-              <a:uLnTx/>
-              <a:uFillTx/>
-            </a:endParaRPr>
           </a:p>
           <a:p>
             <a:pPr marL="0" marR="0" lvl="0" indent="0" defTabSz="914400" eaLnBrk="1" fontAlgn="auto" latinLnBrk="0" hangingPunct="1">
@@ -1654,7 +1616,7 @@
               <a:defRPr/>
             </a:pPr>
             <a:r>
-              <a:rPr kumimoji="0" lang="en-US" altLang="zh-CN" sz="100" b="0" i="0" u="none" strike="noStrike" kern="0" cap="none" spc="0" normalizeH="0" baseline="0" noProof="0" dirty="0" smtClean="0">
+              <a:rPr kumimoji="0" lang="en-US" altLang="zh-CN" sz="100" b="0" i="0" u="none" strike="noStrike" kern="0" cap="none" spc="0" normalizeH="0" baseline="0" noProof="0" dirty="0">
                 <a:ln>
                   <a:noFill/>
                 </a:ln>
@@ -1668,7 +1630,7 @@
               <a:t>Word</a:t>
             </a:r>
             <a:r>
-              <a:rPr kumimoji="0" lang="zh-CN" altLang="en-US" sz="100" b="0" i="0" u="none" strike="noStrike" kern="0" cap="none" spc="0" normalizeH="0" baseline="0" noProof="0" dirty="0" smtClean="0">
+              <a:rPr kumimoji="0" lang="zh-CN" altLang="en-US" sz="100" b="0" i="0" u="none" strike="noStrike" kern="0" cap="none" spc="0" normalizeH="0" baseline="0" noProof="0" dirty="0">
                 <a:ln>
                   <a:noFill/>
                 </a:ln>
@@ -1682,7 +1644,7 @@
               <a:t>教程： </a:t>
             </a:r>
             <a:r>
-              <a:rPr kumimoji="0" lang="en-US" altLang="zh-CN" sz="100" b="0" i="0" u="none" strike="noStrike" kern="0" cap="none" spc="0" normalizeH="0" baseline="0" noProof="0" dirty="0" smtClean="0">
+              <a:rPr kumimoji="0" lang="en-US" altLang="zh-CN" sz="100" b="0" i="0" u="none" strike="noStrike" kern="0" cap="none" spc="0" normalizeH="0" baseline="0" noProof="0" dirty="0">
                 <a:ln>
                   <a:noFill/>
                 </a:ln>
@@ -1696,7 +1658,7 @@
               <a:t>www.1ppt.com/word/              Excel</a:t>
             </a:r>
             <a:r>
-              <a:rPr kumimoji="0" lang="zh-CN" altLang="en-US" sz="100" b="0" i="0" u="none" strike="noStrike" kern="0" cap="none" spc="0" normalizeH="0" baseline="0" noProof="0" dirty="0" smtClean="0">
+              <a:rPr kumimoji="0" lang="zh-CN" altLang="en-US" sz="100" b="0" i="0" u="none" strike="noStrike" kern="0" cap="none" spc="0" normalizeH="0" baseline="0" noProof="0" dirty="0">
                 <a:ln>
                   <a:noFill/>
                 </a:ln>
@@ -1710,7 +1672,7 @@
               <a:t>教程：</a:t>
             </a:r>
             <a:r>
-              <a:rPr kumimoji="0" lang="en-US" altLang="zh-CN" sz="100" b="0" i="0" u="none" strike="noStrike" kern="0" cap="none" spc="0" normalizeH="0" baseline="0" noProof="0" dirty="0" smtClean="0">
+              <a:rPr kumimoji="0" lang="en-US" altLang="zh-CN" sz="100" b="0" i="0" u="none" strike="noStrike" kern="0" cap="none" spc="0" normalizeH="0" baseline="0" noProof="0" dirty="0">
                 <a:ln>
                   <a:noFill/>
                 </a:ln>
@@ -1723,17 +1685,6 @@
               </a:rPr>
               <a:t>www.1ppt.com/excel/  </a:t>
             </a:r>
-            <a:endParaRPr kumimoji="0" lang="en-US" altLang="zh-CN" sz="100" b="0" i="0" u="none" strike="noStrike" kern="0" cap="none" spc="0" normalizeH="0" baseline="0" noProof="0" dirty="0" smtClean="0">
-              <a:ln>
-                <a:noFill/>
-              </a:ln>
-              <a:solidFill>
-                <a:prstClr val="white"/>
-              </a:solidFill>
-              <a:effectLst/>
-              <a:uLnTx/>
-              <a:uFillTx/>
-            </a:endParaRPr>
           </a:p>
           <a:p>
             <a:pPr marL="0" marR="0" lvl="0" indent="0" defTabSz="914400" eaLnBrk="1" fontAlgn="auto" latinLnBrk="0" hangingPunct="1">
@@ -1753,7 +1704,7 @@
               <a:defRPr/>
             </a:pPr>
             <a:r>
-              <a:rPr kumimoji="0" lang="zh-CN" altLang="en-US" sz="100" b="0" i="0" u="none" strike="noStrike" kern="0" cap="none" spc="0" normalizeH="0" baseline="0" noProof="0" dirty="0" smtClean="0">
+              <a:rPr kumimoji="0" lang="zh-CN" altLang="en-US" sz="100" b="0" i="0" u="none" strike="noStrike" kern="0" cap="none" spc="0" normalizeH="0" baseline="0" noProof="0" dirty="0">
                 <a:ln>
                   <a:noFill/>
                 </a:ln>
@@ -1767,7 +1718,7 @@
               <a:t>资料下载：</a:t>
             </a:r>
             <a:r>
-              <a:rPr kumimoji="0" lang="en-US" altLang="zh-CN" sz="100" b="0" i="0" u="none" strike="noStrike" kern="0" cap="none" spc="0" normalizeH="0" baseline="0" noProof="0" dirty="0" smtClean="0">
+              <a:rPr kumimoji="0" lang="en-US" altLang="zh-CN" sz="100" b="0" i="0" u="none" strike="noStrike" kern="0" cap="none" spc="0" normalizeH="0" baseline="0" noProof="0" dirty="0">
                 <a:ln>
                   <a:noFill/>
                 </a:ln>
@@ -1781,7 +1732,7 @@
               <a:t>www.1ppt.com/ziliao/                PPT</a:t>
             </a:r>
             <a:r>
-              <a:rPr kumimoji="0" lang="zh-CN" altLang="en-US" sz="100" b="0" i="0" u="none" strike="noStrike" kern="0" cap="none" spc="0" normalizeH="0" baseline="0" noProof="0" dirty="0" smtClean="0">
+              <a:rPr kumimoji="0" lang="zh-CN" altLang="en-US" sz="100" b="0" i="0" u="none" strike="noStrike" kern="0" cap="none" spc="0" normalizeH="0" baseline="0" noProof="0" dirty="0">
                 <a:ln>
                   <a:noFill/>
                 </a:ln>
@@ -1795,7 +1746,7 @@
               <a:t>课件下载：</a:t>
             </a:r>
             <a:r>
-              <a:rPr kumimoji="0" lang="en-US" altLang="zh-CN" sz="100" b="0" i="0" u="none" strike="noStrike" kern="0" cap="none" spc="0" normalizeH="0" baseline="0" noProof="0" dirty="0" smtClean="0">
+              <a:rPr kumimoji="0" lang="en-US" altLang="zh-CN" sz="100" b="0" i="0" u="none" strike="noStrike" kern="0" cap="none" spc="0" normalizeH="0" baseline="0" noProof="0" dirty="0">
                 <a:ln>
                   <a:noFill/>
                 </a:ln>
@@ -1808,17 +1759,6 @@
               </a:rPr>
               <a:t>www.1ppt.com/kejian/ </a:t>
             </a:r>
-            <a:endParaRPr kumimoji="0" lang="en-US" altLang="zh-CN" sz="100" b="0" i="0" u="none" strike="noStrike" kern="0" cap="none" spc="0" normalizeH="0" baseline="0" noProof="0" dirty="0" smtClean="0">
-              <a:ln>
-                <a:noFill/>
-              </a:ln>
-              <a:solidFill>
-                <a:prstClr val="white"/>
-              </a:solidFill>
-              <a:effectLst/>
-              <a:uLnTx/>
-              <a:uFillTx/>
-            </a:endParaRPr>
           </a:p>
           <a:p>
             <a:pPr marL="0" marR="0" lvl="0" indent="0" defTabSz="914400" eaLnBrk="1" fontAlgn="auto" latinLnBrk="0" hangingPunct="1">
@@ -1838,7 +1778,7 @@
               <a:defRPr/>
             </a:pPr>
             <a:r>
-              <a:rPr kumimoji="0" lang="zh-CN" altLang="en-US" sz="100" b="0" i="0" u="none" strike="noStrike" kern="0" cap="none" spc="0" normalizeH="0" baseline="0" noProof="0" dirty="0" smtClean="0">
+              <a:rPr kumimoji="0" lang="zh-CN" altLang="en-US" sz="100" b="0" i="0" u="none" strike="noStrike" kern="0" cap="none" spc="0" normalizeH="0" baseline="0" noProof="0" dirty="0">
                 <a:ln>
                   <a:noFill/>
                 </a:ln>
@@ -1852,7 +1792,7 @@
               <a:t>范文下载：</a:t>
             </a:r>
             <a:r>
-              <a:rPr kumimoji="0" lang="en-US" altLang="zh-CN" sz="100" b="0" i="0" u="none" strike="noStrike" kern="0" cap="none" spc="0" normalizeH="0" baseline="0" noProof="0" dirty="0" smtClean="0">
+              <a:rPr kumimoji="0" lang="en-US" altLang="zh-CN" sz="100" b="0" i="0" u="none" strike="noStrike" kern="0" cap="none" spc="0" normalizeH="0" baseline="0" noProof="0" dirty="0">
                 <a:ln>
                   <a:noFill/>
                 </a:ln>
@@ -1866,7 +1806,7 @@
               <a:t>www.1ppt.com/fanwen/             </a:t>
             </a:r>
             <a:r>
-              <a:rPr kumimoji="0" lang="zh-CN" altLang="en-US" sz="100" b="0" i="0" u="none" strike="noStrike" kern="0" cap="none" spc="0" normalizeH="0" baseline="0" noProof="0" dirty="0" smtClean="0">
+              <a:rPr kumimoji="0" lang="zh-CN" altLang="en-US" sz="100" b="0" i="0" u="none" strike="noStrike" kern="0" cap="none" spc="0" normalizeH="0" baseline="0" noProof="0" dirty="0">
                 <a:ln>
                   <a:noFill/>
                 </a:ln>
@@ -1880,7 +1820,7 @@
               <a:t>试卷下载：</a:t>
             </a:r>
             <a:r>
-              <a:rPr kumimoji="0" lang="en-US" altLang="zh-CN" sz="100" b="0" i="0" u="none" strike="noStrike" kern="0" cap="none" spc="0" normalizeH="0" baseline="0" noProof="0" dirty="0" smtClean="0">
+              <a:rPr kumimoji="0" lang="en-US" altLang="zh-CN" sz="100" b="0" i="0" u="none" strike="noStrike" kern="0" cap="none" spc="0" normalizeH="0" baseline="0" noProof="0" dirty="0">
                 <a:ln>
                   <a:noFill/>
                 </a:ln>
@@ -1893,17 +1833,6 @@
               </a:rPr>
               <a:t>www.1ppt.com/shiti/  </a:t>
             </a:r>
-            <a:endParaRPr kumimoji="0" lang="en-US" altLang="zh-CN" sz="100" b="0" i="0" u="none" strike="noStrike" kern="0" cap="none" spc="0" normalizeH="0" baseline="0" noProof="0" dirty="0" smtClean="0">
-              <a:ln>
-                <a:noFill/>
-              </a:ln>
-              <a:solidFill>
-                <a:prstClr val="white"/>
-              </a:solidFill>
-              <a:effectLst/>
-              <a:uLnTx/>
-              <a:uFillTx/>
-            </a:endParaRPr>
           </a:p>
           <a:p>
             <a:pPr marL="0" marR="0" lvl="0" indent="0" defTabSz="914400" eaLnBrk="1" fontAlgn="auto" latinLnBrk="0" hangingPunct="1">
@@ -1923,7 +1852,7 @@
               <a:defRPr/>
             </a:pPr>
             <a:r>
-              <a:rPr kumimoji="0" lang="zh-CN" altLang="en-US" sz="100" b="0" i="0" u="none" strike="noStrike" kern="0" cap="none" spc="0" normalizeH="0" baseline="0" noProof="0" dirty="0" smtClean="0">
+              <a:rPr kumimoji="0" lang="zh-CN" altLang="en-US" sz="100" b="0" i="0" u="none" strike="noStrike" kern="0" cap="none" spc="0" normalizeH="0" baseline="0" noProof="0" dirty="0">
                 <a:ln>
                   <a:noFill/>
                 </a:ln>
@@ -1937,7 +1866,7 @@
               <a:t>教案下载：</a:t>
             </a:r>
             <a:r>
-              <a:rPr kumimoji="0" lang="en-US" altLang="zh-CN" sz="100" b="0" i="0" u="none" strike="noStrike" kern="0" cap="none" spc="0" normalizeH="0" baseline="0" noProof="0" dirty="0" smtClean="0">
+              <a:rPr kumimoji="0" lang="en-US" altLang="zh-CN" sz="100" b="0" i="0" u="none" strike="noStrike" kern="0" cap="none" spc="0" normalizeH="0" baseline="0" noProof="0" dirty="0">
                 <a:ln>
                   <a:noFill/>
                 </a:ln>
@@ -1950,17 +1879,6 @@
               </a:rPr>
               <a:t>www.1ppt.com/jiaoan/        </a:t>
             </a:r>
-            <a:endParaRPr kumimoji="0" lang="en-US" altLang="zh-CN" sz="100" b="0" i="0" u="none" strike="noStrike" kern="0" cap="none" spc="0" normalizeH="0" baseline="0" noProof="0" dirty="0" smtClean="0">
-              <a:ln>
-                <a:noFill/>
-              </a:ln>
-              <a:solidFill>
-                <a:prstClr val="white"/>
-              </a:solidFill>
-              <a:effectLst/>
-              <a:uLnTx/>
-              <a:uFillTx/>
-            </a:endParaRPr>
           </a:p>
           <a:p>
             <a:pPr marL="0" marR="0" lvl="0" indent="0" defTabSz="914400" eaLnBrk="1" fontAlgn="auto" latinLnBrk="0" hangingPunct="1">
@@ -1980,7 +1898,7 @@
               <a:defRPr/>
             </a:pPr>
             <a:r>
-              <a:rPr kumimoji="0" lang="zh-CN" altLang="en-US" sz="100" b="0" i="0" u="none" strike="noStrike" kern="0" cap="none" spc="0" normalizeH="0" baseline="0" noProof="0" dirty="0" smtClean="0">
+              <a:rPr kumimoji="0" lang="zh-CN" altLang="en-US" sz="100" b="0" i="0" u="none" strike="noStrike" kern="0" cap="none" spc="0" normalizeH="0" baseline="0" noProof="0" dirty="0">
                 <a:ln>
                   <a:noFill/>
                 </a:ln>
@@ -1994,7 +1912,7 @@
               <a:t>字体下载：</a:t>
             </a:r>
             <a:r>
-              <a:rPr kumimoji="0" lang="en-US" altLang="zh-CN" sz="100" b="0" i="0" u="none" strike="noStrike" kern="0" cap="none" spc="0" normalizeH="0" baseline="0" noProof="0" dirty="0" smtClean="0">
+              <a:rPr kumimoji="0" lang="en-US" altLang="zh-CN" sz="100" b="0" i="0" u="none" strike="noStrike" kern="0" cap="none" spc="0" normalizeH="0" baseline="0" noProof="0" dirty="0">
                 <a:ln>
                   <a:noFill/>
                 </a:ln>
@@ -2007,17 +1925,6 @@
               </a:rPr>
               <a:t>www.1ppt.com/ziti/</a:t>
             </a:r>
-            <a:endParaRPr kumimoji="0" lang="en-US" altLang="zh-CN" sz="100" b="0" i="0" u="none" strike="noStrike" kern="0" cap="none" spc="0" normalizeH="0" baseline="0" noProof="0" dirty="0" smtClean="0">
-              <a:ln>
-                <a:noFill/>
-              </a:ln>
-              <a:solidFill>
-                <a:prstClr val="white"/>
-              </a:solidFill>
-              <a:effectLst/>
-              <a:uLnTx/>
-              <a:uFillTx/>
-            </a:endParaRPr>
           </a:p>
           <a:p>
             <a:pPr marL="0" marR="0" lvl="0" indent="0" defTabSz="914400" eaLnBrk="1" fontAlgn="auto" latinLnBrk="0" hangingPunct="1">
@@ -2037,7 +1944,7 @@
               <a:defRPr/>
             </a:pPr>
             <a:r>
-              <a:rPr kumimoji="0" lang="en-US" altLang="zh-CN" sz="100" b="0" i="0" u="none" strike="noStrike" kern="0" cap="none" spc="0" normalizeH="0" baseline="0" noProof="0" dirty="0" smtClean="0">
+              <a:rPr kumimoji="0" lang="en-US" altLang="zh-CN" sz="100" b="0" i="0" u="none" strike="noStrike" kern="0" cap="none" spc="0" normalizeH="0" baseline="0" noProof="0" dirty="0">
                 <a:ln>
                   <a:noFill/>
                 </a:ln>
@@ -2050,7 +1957,7 @@
               </a:rPr>
               <a:t> </a:t>
             </a:r>
-            <a:endParaRPr kumimoji="0" lang="zh-CN" altLang="en-US" sz="100" b="0" i="0" u="none" strike="noStrike" kern="0" cap="none" spc="0" normalizeH="0" baseline="0" noProof="0" dirty="0" smtClean="0">
+            <a:endParaRPr kumimoji="0" lang="zh-CN" altLang="en-US" sz="100" b="0" i="0" u="none" strike="noStrike" kern="0" cap="none" spc="0" normalizeH="0" baseline="0" noProof="0" dirty="0">
               <a:ln>
                 <a:noFill/>
               </a:ln>
@@ -2105,10 +2012,9 @@
           <a:lstStyle/>
           <a:p>
             <a:r>
-              <a:rPr lang="zh-CN" altLang="en-US" smtClean="0"/>
+              <a:rPr lang="zh-CN" altLang="en-US"/>
               <a:t>单击此处编辑母版标题样式</a:t>
             </a:r>
-            <a:endParaRPr lang="zh-CN" altLang="en-US"/>
           </a:p>
         </p:txBody>
       </p:sp>
@@ -2129,42 +2035,37 @@
           <a:p>
             <a:pPr lvl="0"/>
             <a:r>
-              <a:rPr lang="zh-CN" altLang="en-US" smtClean="0"/>
+              <a:rPr lang="zh-CN" altLang="en-US"/>
               <a:t>单击此处编辑母版文本样式</a:t>
             </a:r>
-            <a:endParaRPr lang="zh-CN" altLang="en-US" smtClean="0"/>
           </a:p>
           <a:p>
             <a:pPr lvl="1"/>
             <a:r>
-              <a:rPr lang="zh-CN" altLang="en-US" smtClean="0"/>
+              <a:rPr lang="zh-CN" altLang="en-US"/>
               <a:t>第二级</a:t>
             </a:r>
-            <a:endParaRPr lang="zh-CN" altLang="en-US" smtClean="0"/>
           </a:p>
           <a:p>
             <a:pPr lvl="2"/>
             <a:r>
-              <a:rPr lang="zh-CN" altLang="en-US" smtClean="0"/>
+              <a:rPr lang="zh-CN" altLang="en-US"/>
               <a:t>第三级</a:t>
             </a:r>
-            <a:endParaRPr lang="zh-CN" altLang="en-US" smtClean="0"/>
           </a:p>
           <a:p>
             <a:pPr lvl="3"/>
             <a:r>
-              <a:rPr lang="zh-CN" altLang="en-US" smtClean="0"/>
+              <a:rPr lang="zh-CN" altLang="en-US"/>
               <a:t>第四级</a:t>
             </a:r>
-            <a:endParaRPr lang="zh-CN" altLang="en-US" smtClean="0"/>
           </a:p>
           <a:p>
             <a:pPr lvl="4"/>
             <a:r>
-              <a:rPr lang="zh-CN" altLang="en-US" smtClean="0"/>
+              <a:rPr lang="zh-CN" altLang="en-US"/>
               <a:t>第五级</a:t>
             </a:r>
-            <a:endParaRPr lang="zh-CN" altLang="en-US"/>
           </a:p>
         </p:txBody>
       </p:sp>
@@ -2185,6 +2086,7 @@
           <a:p>
             <a:fld id="{698485DF-3FAB-45E9-A642-7745AB3E3AFD}" type="datetimeFigureOut">
               <a:rPr lang="zh-CN" altLang="en-US" smtClean="0"/>
+              <a:t>2018/10/14</a:t>
             </a:fld>
             <a:endParaRPr lang="zh-CN" altLang="en-US"/>
           </a:p>
@@ -2226,6 +2128,7 @@
           <a:p>
             <a:fld id="{9C0BAE56-5081-45C8-9882-C35F39B69EBE}" type="slidenum">
               <a:rPr lang="zh-CN" altLang="en-US" smtClean="0"/>
+              <a:t>‹#›</a:t>
             </a:fld>
             <a:endParaRPr lang="zh-CN" altLang="en-US"/>
           </a:p>
@@ -2281,10 +2184,9 @@
           </a:lstStyle>
           <a:p>
             <a:r>
-              <a:rPr lang="zh-CN" altLang="en-US" smtClean="0"/>
+              <a:rPr lang="zh-CN" altLang="en-US"/>
               <a:t>单击此处编辑母版标题样式</a:t>
             </a:r>
-            <a:endParaRPr lang="zh-CN" altLang="en-US"/>
           </a:p>
         </p:txBody>
       </p:sp>
@@ -2401,10 +2303,9 @@
           <a:p>
             <a:pPr lvl="0"/>
             <a:r>
-              <a:rPr lang="zh-CN" altLang="en-US" smtClean="0"/>
+              <a:rPr lang="zh-CN" altLang="en-US"/>
               <a:t>单击此处编辑母版文本样式</a:t>
             </a:r>
-            <a:endParaRPr lang="zh-CN" altLang="en-US" smtClean="0"/>
           </a:p>
         </p:txBody>
       </p:sp>
@@ -2425,6 +2326,7 @@
           <a:p>
             <a:fld id="{698485DF-3FAB-45E9-A642-7745AB3E3AFD}" type="datetimeFigureOut">
               <a:rPr lang="zh-CN" altLang="en-US" smtClean="0"/>
+              <a:t>2018/10/14</a:t>
             </a:fld>
             <a:endParaRPr lang="zh-CN" altLang="en-US"/>
           </a:p>
@@ -2466,6 +2368,7 @@
           <a:p>
             <a:fld id="{9C0BAE56-5081-45C8-9882-C35F39B69EBE}" type="slidenum">
               <a:rPr lang="zh-CN" altLang="en-US" smtClean="0"/>
+              <a:t>‹#›</a:t>
             </a:fld>
             <a:endParaRPr lang="zh-CN" altLang="en-US"/>
           </a:p>
@@ -2512,10 +2415,9 @@
           <a:lstStyle/>
           <a:p>
             <a:r>
-              <a:rPr lang="zh-CN" altLang="en-US" smtClean="0"/>
+              <a:rPr lang="zh-CN" altLang="en-US"/>
               <a:t>单击此处编辑母版标题样式</a:t>
             </a:r>
-            <a:endParaRPr lang="zh-CN" altLang="en-US"/>
           </a:p>
         </p:txBody>
       </p:sp>
@@ -2541,42 +2443,37 @@
           <a:p>
             <a:pPr lvl="0"/>
             <a:r>
-              <a:rPr lang="zh-CN" altLang="en-US" smtClean="0"/>
+              <a:rPr lang="zh-CN" altLang="en-US"/>
               <a:t>单击此处编辑母版文本样式</a:t>
             </a:r>
-            <a:endParaRPr lang="zh-CN" altLang="en-US" smtClean="0"/>
           </a:p>
           <a:p>
             <a:pPr lvl="1"/>
             <a:r>
-              <a:rPr lang="zh-CN" altLang="en-US" smtClean="0"/>
+              <a:rPr lang="zh-CN" altLang="en-US"/>
               <a:t>第二级</a:t>
             </a:r>
-            <a:endParaRPr lang="zh-CN" altLang="en-US" smtClean="0"/>
           </a:p>
           <a:p>
             <a:pPr lvl="2"/>
             <a:r>
-              <a:rPr lang="zh-CN" altLang="en-US" smtClean="0"/>
+              <a:rPr lang="zh-CN" altLang="en-US"/>
               <a:t>第三级</a:t>
             </a:r>
-            <a:endParaRPr lang="zh-CN" altLang="en-US" smtClean="0"/>
           </a:p>
           <a:p>
             <a:pPr lvl="3"/>
             <a:r>
-              <a:rPr lang="zh-CN" altLang="en-US" smtClean="0"/>
+              <a:rPr lang="zh-CN" altLang="en-US"/>
               <a:t>第四级</a:t>
             </a:r>
-            <a:endParaRPr lang="zh-CN" altLang="en-US" smtClean="0"/>
           </a:p>
           <a:p>
             <a:pPr lvl="4"/>
             <a:r>
-              <a:rPr lang="zh-CN" altLang="en-US" smtClean="0"/>
+              <a:rPr lang="zh-CN" altLang="en-US"/>
               <a:t>第五级</a:t>
             </a:r>
-            <a:endParaRPr lang="zh-CN" altLang="en-US"/>
           </a:p>
         </p:txBody>
       </p:sp>
@@ -2602,42 +2499,37 @@
           <a:p>
             <a:pPr lvl="0"/>
             <a:r>
-              <a:rPr lang="zh-CN" altLang="en-US" smtClean="0"/>
+              <a:rPr lang="zh-CN" altLang="en-US"/>
               <a:t>单击此处编辑母版文本样式</a:t>
             </a:r>
-            <a:endParaRPr lang="zh-CN" altLang="en-US" smtClean="0"/>
           </a:p>
           <a:p>
             <a:pPr lvl="1"/>
             <a:r>
-              <a:rPr lang="zh-CN" altLang="en-US" smtClean="0"/>
+              <a:rPr lang="zh-CN" altLang="en-US"/>
               <a:t>第二级</a:t>
             </a:r>
-            <a:endParaRPr lang="zh-CN" altLang="en-US" smtClean="0"/>
           </a:p>
           <a:p>
             <a:pPr lvl="2"/>
             <a:r>
-              <a:rPr lang="zh-CN" altLang="en-US" smtClean="0"/>
+              <a:rPr lang="zh-CN" altLang="en-US"/>
               <a:t>第三级</a:t>
             </a:r>
-            <a:endParaRPr lang="zh-CN" altLang="en-US" smtClean="0"/>
           </a:p>
           <a:p>
             <a:pPr lvl="3"/>
             <a:r>
-              <a:rPr lang="zh-CN" altLang="en-US" smtClean="0"/>
+              <a:rPr lang="zh-CN" altLang="en-US"/>
               <a:t>第四级</a:t>
             </a:r>
-            <a:endParaRPr lang="zh-CN" altLang="en-US" smtClean="0"/>
           </a:p>
           <a:p>
             <a:pPr lvl="4"/>
             <a:r>
-              <a:rPr lang="zh-CN" altLang="en-US" smtClean="0"/>
+              <a:rPr lang="zh-CN" altLang="en-US"/>
               <a:t>第五级</a:t>
             </a:r>
-            <a:endParaRPr lang="zh-CN" altLang="en-US"/>
           </a:p>
         </p:txBody>
       </p:sp>
@@ -2658,6 +2550,7 @@
           <a:p>
             <a:fld id="{698485DF-3FAB-45E9-A642-7745AB3E3AFD}" type="datetimeFigureOut">
               <a:rPr lang="zh-CN" altLang="en-US" smtClean="0"/>
+              <a:t>2018/10/14</a:t>
             </a:fld>
             <a:endParaRPr lang="zh-CN" altLang="en-US"/>
           </a:p>
@@ -2699,6 +2592,7 @@
           <a:p>
             <a:fld id="{9C0BAE56-5081-45C8-9882-C35F39B69EBE}" type="slidenum">
               <a:rPr lang="zh-CN" altLang="en-US" smtClean="0"/>
+              <a:t>‹#›</a:t>
             </a:fld>
             <a:endParaRPr lang="zh-CN" altLang="en-US"/>
           </a:p>
@@ -2750,10 +2644,9 @@
           <a:lstStyle/>
           <a:p>
             <a:r>
-              <a:rPr lang="zh-CN" altLang="en-US" smtClean="0"/>
+              <a:rPr lang="zh-CN" altLang="en-US"/>
               <a:t>单击此处编辑母版标题样式</a:t>
             </a:r>
-            <a:endParaRPr lang="zh-CN" altLang="en-US"/>
           </a:p>
         </p:txBody>
       </p:sp>
@@ -2816,10 +2709,9 @@
           <a:p>
             <a:pPr lvl="0"/>
             <a:r>
-              <a:rPr lang="zh-CN" altLang="en-US" smtClean="0"/>
+              <a:rPr lang="zh-CN" altLang="en-US"/>
               <a:t>单击此处编辑母版文本样式</a:t>
             </a:r>
-            <a:endParaRPr lang="zh-CN" altLang="en-US" smtClean="0"/>
           </a:p>
         </p:txBody>
       </p:sp>
@@ -2845,42 +2737,37 @@
           <a:p>
             <a:pPr lvl="0"/>
             <a:r>
-              <a:rPr lang="zh-CN" altLang="en-US" smtClean="0"/>
+              <a:rPr lang="zh-CN" altLang="en-US"/>
               <a:t>单击此处编辑母版文本样式</a:t>
             </a:r>
-            <a:endParaRPr lang="zh-CN" altLang="en-US" smtClean="0"/>
           </a:p>
           <a:p>
             <a:pPr lvl="1"/>
             <a:r>
-              <a:rPr lang="zh-CN" altLang="en-US" smtClean="0"/>
+              <a:rPr lang="zh-CN" altLang="en-US"/>
               <a:t>第二级</a:t>
             </a:r>
-            <a:endParaRPr lang="zh-CN" altLang="en-US" smtClean="0"/>
           </a:p>
           <a:p>
             <a:pPr lvl="2"/>
             <a:r>
-              <a:rPr lang="zh-CN" altLang="en-US" smtClean="0"/>
+              <a:rPr lang="zh-CN" altLang="en-US"/>
               <a:t>第三级</a:t>
             </a:r>
-            <a:endParaRPr lang="zh-CN" altLang="en-US" smtClean="0"/>
           </a:p>
           <a:p>
             <a:pPr lvl="3"/>
             <a:r>
-              <a:rPr lang="zh-CN" altLang="en-US" smtClean="0"/>
+              <a:rPr lang="zh-CN" altLang="en-US"/>
               <a:t>第四级</a:t>
             </a:r>
-            <a:endParaRPr lang="zh-CN" altLang="en-US" smtClean="0"/>
           </a:p>
           <a:p>
             <a:pPr lvl="4"/>
             <a:r>
-              <a:rPr lang="zh-CN" altLang="en-US" smtClean="0"/>
+              <a:rPr lang="zh-CN" altLang="en-US"/>
               <a:t>第五级</a:t>
             </a:r>
-            <a:endParaRPr lang="zh-CN" altLang="en-US"/>
           </a:p>
         </p:txBody>
       </p:sp>
@@ -2943,10 +2830,9 @@
           <a:p>
             <a:pPr lvl="0"/>
             <a:r>
-              <a:rPr lang="zh-CN" altLang="en-US" smtClean="0"/>
+              <a:rPr lang="zh-CN" altLang="en-US"/>
               <a:t>单击此处编辑母版文本样式</a:t>
             </a:r>
-            <a:endParaRPr lang="zh-CN" altLang="en-US" smtClean="0"/>
           </a:p>
         </p:txBody>
       </p:sp>
@@ -2972,42 +2858,37 @@
           <a:p>
             <a:pPr lvl="0"/>
             <a:r>
-              <a:rPr lang="zh-CN" altLang="en-US" smtClean="0"/>
+              <a:rPr lang="zh-CN" altLang="en-US"/>
               <a:t>单击此处编辑母版文本样式</a:t>
             </a:r>
-            <a:endParaRPr lang="zh-CN" altLang="en-US" smtClean="0"/>
           </a:p>
           <a:p>
             <a:pPr lvl="1"/>
             <a:r>
-              <a:rPr lang="zh-CN" altLang="en-US" smtClean="0"/>
+              <a:rPr lang="zh-CN" altLang="en-US"/>
               <a:t>第二级</a:t>
             </a:r>
-            <a:endParaRPr lang="zh-CN" altLang="en-US" smtClean="0"/>
           </a:p>
           <a:p>
             <a:pPr lvl="2"/>
             <a:r>
-              <a:rPr lang="zh-CN" altLang="en-US" smtClean="0"/>
+              <a:rPr lang="zh-CN" altLang="en-US"/>
               <a:t>第三级</a:t>
             </a:r>
-            <a:endParaRPr lang="zh-CN" altLang="en-US" smtClean="0"/>
           </a:p>
           <a:p>
             <a:pPr lvl="3"/>
             <a:r>
-              <a:rPr lang="zh-CN" altLang="en-US" smtClean="0"/>
+              <a:rPr lang="zh-CN" altLang="en-US"/>
               <a:t>第四级</a:t>
             </a:r>
-            <a:endParaRPr lang="zh-CN" altLang="en-US" smtClean="0"/>
           </a:p>
           <a:p>
             <a:pPr lvl="4"/>
             <a:r>
-              <a:rPr lang="zh-CN" altLang="en-US" smtClean="0"/>
+              <a:rPr lang="zh-CN" altLang="en-US"/>
               <a:t>第五级</a:t>
             </a:r>
-            <a:endParaRPr lang="zh-CN" altLang="en-US"/>
           </a:p>
         </p:txBody>
       </p:sp>
@@ -3028,6 +2909,7 @@
           <a:p>
             <a:fld id="{698485DF-3FAB-45E9-A642-7745AB3E3AFD}" type="datetimeFigureOut">
               <a:rPr lang="zh-CN" altLang="en-US" smtClean="0"/>
+              <a:t>2018/10/14</a:t>
             </a:fld>
             <a:endParaRPr lang="zh-CN" altLang="en-US"/>
           </a:p>
@@ -3069,6 +2951,7 @@
           <a:p>
             <a:fld id="{9C0BAE56-5081-45C8-9882-C35F39B69EBE}" type="slidenum">
               <a:rPr lang="zh-CN" altLang="en-US" smtClean="0"/>
+              <a:t>‹#›</a:t>
             </a:fld>
             <a:endParaRPr lang="zh-CN" altLang="en-US"/>
           </a:p>
@@ -3115,10 +2998,9 @@
           <a:lstStyle/>
           <a:p>
             <a:r>
-              <a:rPr lang="zh-CN" altLang="en-US" smtClean="0"/>
+              <a:rPr lang="zh-CN" altLang="en-US"/>
               <a:t>单击此处编辑母版标题样式</a:t>
             </a:r>
-            <a:endParaRPr lang="zh-CN" altLang="en-US"/>
           </a:p>
         </p:txBody>
       </p:sp>
@@ -3139,6 +3021,7 @@
           <a:p>
             <a:fld id="{698485DF-3FAB-45E9-A642-7745AB3E3AFD}" type="datetimeFigureOut">
               <a:rPr lang="zh-CN" altLang="en-US" smtClean="0"/>
+              <a:t>2018/10/14</a:t>
             </a:fld>
             <a:endParaRPr lang="zh-CN" altLang="en-US"/>
           </a:p>
@@ -3180,6 +3063,7 @@
           <a:p>
             <a:fld id="{9C0BAE56-5081-45C8-9882-C35F39B69EBE}" type="slidenum">
               <a:rPr lang="zh-CN" altLang="en-US" smtClean="0"/>
+              <a:t>‹#›</a:t>
             </a:fld>
             <a:endParaRPr lang="zh-CN" altLang="en-US"/>
           </a:p>
@@ -3227,6 +3111,7 @@
           <a:p>
             <a:fld id="{698485DF-3FAB-45E9-A642-7745AB3E3AFD}" type="datetimeFigureOut">
               <a:rPr lang="zh-CN" altLang="en-US" smtClean="0"/>
+              <a:t>2018/10/14</a:t>
             </a:fld>
             <a:endParaRPr lang="zh-CN" altLang="en-US"/>
           </a:p>
@@ -3268,6 +3153,7 @@
           <a:p>
             <a:fld id="{9C0BAE56-5081-45C8-9882-C35F39B69EBE}" type="slidenum">
               <a:rPr lang="zh-CN" altLang="en-US" smtClean="0"/>
+              <a:t>‹#›</a:t>
             </a:fld>
             <a:endParaRPr lang="zh-CN" altLang="en-US"/>
           </a:p>
@@ -3323,10 +3209,9 @@
           </a:lstStyle>
           <a:p>
             <a:r>
-              <a:rPr lang="zh-CN" altLang="en-US" smtClean="0"/>
+              <a:rPr lang="zh-CN" altLang="en-US"/>
               <a:t>单击此处编辑母版标题样式</a:t>
             </a:r>
-            <a:endParaRPr lang="zh-CN" altLang="en-US"/>
           </a:p>
         </p:txBody>
       </p:sp>
@@ -3380,42 +3265,37 @@
           <a:p>
             <a:pPr lvl="0"/>
             <a:r>
-              <a:rPr lang="zh-CN" altLang="en-US" smtClean="0"/>
+              <a:rPr lang="zh-CN" altLang="en-US"/>
               <a:t>单击此处编辑母版文本样式</a:t>
             </a:r>
-            <a:endParaRPr lang="zh-CN" altLang="en-US" smtClean="0"/>
           </a:p>
           <a:p>
             <a:pPr lvl="1"/>
             <a:r>
-              <a:rPr lang="zh-CN" altLang="en-US" smtClean="0"/>
+              <a:rPr lang="zh-CN" altLang="en-US"/>
               <a:t>第二级</a:t>
             </a:r>
-            <a:endParaRPr lang="zh-CN" altLang="en-US" smtClean="0"/>
           </a:p>
           <a:p>
             <a:pPr lvl="2"/>
             <a:r>
-              <a:rPr lang="zh-CN" altLang="en-US" smtClean="0"/>
+              <a:rPr lang="zh-CN" altLang="en-US"/>
               <a:t>第三级</a:t>
             </a:r>
-            <a:endParaRPr lang="zh-CN" altLang="en-US" smtClean="0"/>
           </a:p>
           <a:p>
             <a:pPr lvl="3"/>
             <a:r>
-              <a:rPr lang="zh-CN" altLang="en-US" smtClean="0"/>
+              <a:rPr lang="zh-CN" altLang="en-US"/>
               <a:t>第四级</a:t>
             </a:r>
-            <a:endParaRPr lang="zh-CN" altLang="en-US" smtClean="0"/>
           </a:p>
           <a:p>
             <a:pPr lvl="4"/>
             <a:r>
-              <a:rPr lang="zh-CN" altLang="en-US" smtClean="0"/>
+              <a:rPr lang="zh-CN" altLang="en-US"/>
               <a:t>第五级</a:t>
             </a:r>
-            <a:endParaRPr lang="zh-CN" altLang="en-US"/>
           </a:p>
         </p:txBody>
       </p:sp>
@@ -3478,10 +3358,9 @@
           <a:p>
             <a:pPr lvl="0"/>
             <a:r>
-              <a:rPr lang="zh-CN" altLang="en-US" smtClean="0"/>
+              <a:rPr lang="zh-CN" altLang="en-US"/>
               <a:t>单击此处编辑母版文本样式</a:t>
             </a:r>
-            <a:endParaRPr lang="zh-CN" altLang="en-US" smtClean="0"/>
           </a:p>
         </p:txBody>
       </p:sp>
@@ -3502,6 +3381,7 @@
           <a:p>
             <a:fld id="{698485DF-3FAB-45E9-A642-7745AB3E3AFD}" type="datetimeFigureOut">
               <a:rPr lang="zh-CN" altLang="en-US" smtClean="0"/>
+              <a:t>2018/10/14</a:t>
             </a:fld>
             <a:endParaRPr lang="zh-CN" altLang="en-US"/>
           </a:p>
@@ -3543,6 +3423,7 @@
           <a:p>
             <a:fld id="{9C0BAE56-5081-45C8-9882-C35F39B69EBE}" type="slidenum">
               <a:rPr lang="zh-CN" altLang="en-US" smtClean="0"/>
+              <a:t>‹#›</a:t>
             </a:fld>
             <a:endParaRPr lang="zh-CN" altLang="en-US"/>
           </a:p>
@@ -3598,10 +3479,9 @@
           </a:lstStyle>
           <a:p>
             <a:r>
-              <a:rPr lang="zh-CN" altLang="en-US" smtClean="0"/>
+              <a:rPr lang="zh-CN" altLang="en-US"/>
               <a:t>单击此处编辑母版标题样式</a:t>
             </a:r>
-            <a:endParaRPr lang="zh-CN" altLang="en-US"/>
           </a:p>
         </p:txBody>
       </p:sp>
@@ -3725,10 +3605,9 @@
           <a:p>
             <a:pPr lvl="0"/>
             <a:r>
-              <a:rPr lang="zh-CN" altLang="en-US" smtClean="0"/>
+              <a:rPr lang="zh-CN" altLang="en-US"/>
               <a:t>单击此处编辑母版文本样式</a:t>
             </a:r>
-            <a:endParaRPr lang="zh-CN" altLang="en-US" smtClean="0"/>
           </a:p>
         </p:txBody>
       </p:sp>
@@ -3749,6 +3628,7 @@
           <a:p>
             <a:fld id="{698485DF-3FAB-45E9-A642-7745AB3E3AFD}" type="datetimeFigureOut">
               <a:rPr lang="zh-CN" altLang="en-US" smtClean="0"/>
+              <a:t>2018/10/14</a:t>
             </a:fld>
             <a:endParaRPr lang="zh-CN" altLang="en-US"/>
           </a:p>
@@ -3790,6 +3670,7 @@
           <a:p>
             <a:fld id="{9C0BAE56-5081-45C8-9882-C35F39B69EBE}" type="slidenum">
               <a:rPr lang="zh-CN" altLang="en-US" smtClean="0"/>
+              <a:t>‹#›</a:t>
             </a:fld>
             <a:endParaRPr lang="zh-CN" altLang="en-US"/>
           </a:p>
@@ -3851,10 +3732,9 @@
           <a:lstStyle/>
           <a:p>
             <a:r>
-              <a:rPr lang="zh-CN" altLang="en-US" smtClean="0"/>
+              <a:rPr lang="zh-CN" altLang="en-US"/>
               <a:t>单击此处编辑母版标题样式</a:t>
             </a:r>
-            <a:endParaRPr lang="zh-CN" altLang="en-US"/>
           </a:p>
         </p:txBody>
       </p:sp>
@@ -3885,42 +3765,37 @@
           <a:p>
             <a:pPr lvl="0"/>
             <a:r>
-              <a:rPr lang="zh-CN" altLang="en-US" smtClean="0"/>
+              <a:rPr lang="zh-CN" altLang="en-US"/>
               <a:t>单击此处编辑母版文本样式</a:t>
             </a:r>
-            <a:endParaRPr lang="zh-CN" altLang="en-US" smtClean="0"/>
           </a:p>
           <a:p>
             <a:pPr lvl="1"/>
             <a:r>
-              <a:rPr lang="zh-CN" altLang="en-US" smtClean="0"/>
+              <a:rPr lang="zh-CN" altLang="en-US"/>
               <a:t>第二级</a:t>
             </a:r>
-            <a:endParaRPr lang="zh-CN" altLang="en-US" smtClean="0"/>
           </a:p>
           <a:p>
             <a:pPr lvl="2"/>
             <a:r>
-              <a:rPr lang="zh-CN" altLang="en-US" smtClean="0"/>
+              <a:rPr lang="zh-CN" altLang="en-US"/>
               <a:t>第三级</a:t>
             </a:r>
-            <a:endParaRPr lang="zh-CN" altLang="en-US" smtClean="0"/>
           </a:p>
           <a:p>
             <a:pPr lvl="3"/>
             <a:r>
-              <a:rPr lang="zh-CN" altLang="en-US" smtClean="0"/>
+              <a:rPr lang="zh-CN" altLang="en-US"/>
               <a:t>第四级</a:t>
             </a:r>
-            <a:endParaRPr lang="zh-CN" altLang="en-US" smtClean="0"/>
           </a:p>
           <a:p>
             <a:pPr lvl="4"/>
             <a:r>
-              <a:rPr lang="zh-CN" altLang="en-US" smtClean="0"/>
+              <a:rPr lang="zh-CN" altLang="en-US"/>
               <a:t>第五级</a:t>
             </a:r>
-            <a:endParaRPr lang="zh-CN" altLang="en-US"/>
           </a:p>
         </p:txBody>
       </p:sp>
@@ -3959,6 +3834,7 @@
           <a:p>
             <a:fld id="{698485DF-3FAB-45E9-A642-7745AB3E3AFD}" type="datetimeFigureOut">
               <a:rPr lang="zh-CN" altLang="en-US" smtClean="0"/>
+              <a:t>2018/10/14</a:t>
             </a:fld>
             <a:endParaRPr lang="zh-CN" altLang="en-US"/>
           </a:p>
@@ -4036,6 +3912,7 @@
           <a:p>
             <a:fld id="{9C0BAE56-5081-45C8-9882-C35F39B69EBE}" type="slidenum">
               <a:rPr lang="zh-CN" altLang="en-US" smtClean="0"/>
+              <a:t>‹#›</a:t>
             </a:fld>
             <a:endParaRPr lang="zh-CN" altLang="en-US"/>
           </a:p>
@@ -4812,13 +4689,6 @@
   <p:clrMapOvr>
     <a:masterClrMapping/>
   </p:clrMapOvr>
-  <p:timing>
-    <p:tnLst>
-      <p:par>
-        <p:cTn id="1" dur="indefinite" restart="never" nodeType="tmRoot"/>
-      </p:par>
-    </p:tnLst>
-  </p:timing>
 </p:sld>
 </file>
 
@@ -5154,7 +5024,7 @@
           <a:p>
             <a:pPr algn="ctr"/>
             <a:r>
-              <a:rPr lang="zh-CN" altLang="en-US" sz="6000" dirty="0" smtClean="0">
+              <a:rPr lang="zh-CN" altLang="en-US" sz="6000" dirty="0">
                 <a:solidFill>
                   <a:prstClr val="white">
                     <a:lumMod val="95000"/>
@@ -5165,15 +5035,6 @@
               </a:rPr>
               <a:t>第二部分</a:t>
             </a:r>
-            <a:endParaRPr lang="zh-CN" altLang="en-US" sz="6000" dirty="0">
-              <a:solidFill>
-                <a:prstClr val="white">
-                  <a:lumMod val="95000"/>
-                </a:prstClr>
-              </a:solidFill>
-              <a:latin typeface="微软雅黑" panose="020B0503020204020204" pitchFamily="34" charset="-122"/>
-              <a:ea typeface="微软雅黑" panose="020B0503020204020204" pitchFamily="34" charset="-122"/>
-            </a:endParaRPr>
           </a:p>
         </p:txBody>
       </p:sp>
@@ -5225,15 +5086,6 @@
               </a:rPr>
               <a:t>的发展历程</a:t>
             </a:r>
-            <a:endParaRPr lang="zh-CN" altLang="en-US" sz="3200" dirty="0">
-              <a:solidFill>
-                <a:prstClr val="white">
-                  <a:lumMod val="95000"/>
-                </a:prstClr>
-              </a:solidFill>
-              <a:latin typeface="微软雅黑" panose="020B0503020204020204" pitchFamily="34" charset="-122"/>
-              <a:ea typeface="微软雅黑" panose="020B0503020204020204" pitchFamily="34" charset="-122"/>
-            </a:endParaRPr>
           </a:p>
         </p:txBody>
       </p:sp>
@@ -5242,13 +5094,6 @@
   <p:clrMapOvr>
     <a:masterClrMapping/>
   </p:clrMapOvr>
-  <p:timing>
-    <p:tnLst>
-      <p:par>
-        <p:cTn id="1" dur="indefinite" restart="never" nodeType="tmRoot"/>
-      </p:par>
-    </p:tnLst>
-  </p:timing>
 </p:sld>
 </file>
 
@@ -5391,14 +5236,11 @@
               <a:t>”</a:t>
             </a:r>
             <a:r>
-              <a:rPr lang="zh-CN" altLang="en-US" sz="2400" dirty="0" smtClean="0">
+              <a:rPr lang="zh-CN" altLang="en-US" sz="2400" dirty="0">
                 <a:sym typeface="+mn-ea"/>
               </a:rPr>
               <a:t>。不同的建模语言虽然大多同类，但是仍存在某些细微的差别，这极大地妨碍了用户之间的交流。</a:t>
             </a:r>
-            <a:endParaRPr lang="zh-CN" altLang="en-US" sz="2400" dirty="0">
-              <a:sym typeface="+mn-ea"/>
-            </a:endParaRPr>
           </a:p>
           <a:p>
             <a:pPr marL="0" indent="0" algn="l">
@@ -5569,7 +5411,6 @@
               <a:rPr lang="zh-CN" altLang="en-US"/>
               <a:t>需要统一建模语言</a:t>
             </a:r>
-            <a:endParaRPr lang="zh-CN" altLang="en-US"/>
           </a:p>
         </p:txBody>
       </p:sp>
@@ -5745,7 +5586,6 @@
               <a:rPr lang="zh-CN" altLang="en-US" dirty="0"/>
               <a:t>开始致力于这一工作。</a:t>
             </a:r>
-            <a:endParaRPr lang="zh-CN" altLang="en-US" dirty="0"/>
           </a:p>
           <a:p>
             <a:pPr algn="just"/>
@@ -5801,7 +5641,6 @@
               <a:rPr lang="zh-CN" altLang="en-US" dirty="0"/>
               <a:t>加盟到这一工作中。</a:t>
             </a:r>
-            <a:endParaRPr lang="zh-CN" altLang="en-US" dirty="0"/>
           </a:p>
           <a:p>
             <a:pPr algn="just"/>
@@ -5861,7 +5700,6 @@
               <a:rPr lang="zh-CN" altLang="en-US" dirty="0"/>
               <a:t>。</a:t>
             </a:r>
-            <a:endParaRPr lang="zh-CN" altLang="en-US" dirty="0"/>
           </a:p>
           <a:p>
             <a:pPr algn="just"/>
@@ -5913,7 +5751,6 @@
               <a:rPr lang="zh-CN" altLang="en-US" dirty="0"/>
               <a:t>的定义和发布起了重要的促进作用。</a:t>
             </a:r>
-            <a:endParaRPr lang="zh-CN" altLang="en-US" dirty="0"/>
           </a:p>
           <a:p>
             <a:pPr algn="just"/>
@@ -5941,7 +5778,6 @@
               <a:rPr lang="zh-CN" altLang="en-US" dirty="0"/>
               <a:t>，成为可视化建模语言事实上的工业标准。</a:t>
             </a:r>
-            <a:endParaRPr lang="zh-CN" altLang="en-US" dirty="0"/>
           </a:p>
           <a:p>
             <a:pPr algn="just"/>
@@ -5985,7 +5821,6 @@
               <a:rPr lang="zh-CN" altLang="en-US" dirty="0"/>
               <a:t>作为基于面向对象技术的标准建模语言。</a:t>
             </a:r>
-            <a:endParaRPr lang="zh-CN" altLang="en-US" dirty="0"/>
           </a:p>
         </p:txBody>
       </p:sp>
@@ -6090,13 +5925,6 @@
   <p:clrMapOvr>
     <a:masterClrMapping/>
   </p:clrMapOvr>
-  <p:timing>
-    <p:tnLst>
-      <p:par>
-        <p:cTn id="1" dur="indefinite" restart="never" nodeType="tmRoot"/>
-      </p:par>
-    </p:tnLst>
-  </p:timing>
 </p:sld>
 </file>
 
@@ -6432,7 +6260,7 @@
           <a:p>
             <a:pPr algn="ctr"/>
             <a:r>
-              <a:rPr lang="zh-CN" altLang="en-US" sz="6000" dirty="0" smtClean="0">
+              <a:rPr lang="zh-CN" altLang="en-US" sz="6000" dirty="0">
                 <a:solidFill>
                   <a:prstClr val="white">
                     <a:lumMod val="95000"/>
@@ -6443,15 +6271,6 @@
               </a:rPr>
               <a:t>第三部分</a:t>
             </a:r>
-            <a:endParaRPr lang="zh-CN" altLang="en-US" sz="6000" dirty="0">
-              <a:solidFill>
-                <a:prstClr val="white">
-                  <a:lumMod val="95000"/>
-                </a:prstClr>
-              </a:solidFill>
-              <a:latin typeface="微软雅黑" panose="020B0503020204020204" pitchFamily="34" charset="-122"/>
-              <a:ea typeface="微软雅黑" panose="020B0503020204020204" pitchFamily="34" charset="-122"/>
-            </a:endParaRPr>
           </a:p>
         </p:txBody>
       </p:sp>
@@ -6503,15 +6322,6 @@
               </a:rPr>
               <a:t>的特点</a:t>
             </a:r>
-            <a:endParaRPr lang="zh-CN" altLang="en-US" sz="3200" dirty="0">
-              <a:solidFill>
-                <a:prstClr val="white">
-                  <a:lumMod val="95000"/>
-                </a:prstClr>
-              </a:solidFill>
-              <a:latin typeface="微软雅黑" panose="020B0503020204020204" pitchFamily="34" charset="-122"/>
-              <a:ea typeface="微软雅黑" panose="020B0503020204020204" pitchFamily="34" charset="-122"/>
-            </a:endParaRPr>
           </a:p>
         </p:txBody>
       </p:sp>
@@ -6520,13 +6330,6 @@
   <p:clrMapOvr>
     <a:masterClrMapping/>
   </p:clrMapOvr>
-  <p:timing>
-    <p:tnLst>
-      <p:par>
-        <p:cTn id="1" dur="indefinite" restart="never" nodeType="tmRoot"/>
-      </p:par>
-    </p:tnLst>
-  </p:timing>
 </p:sld>
 </file>
 
@@ -6607,7 +6410,6 @@
               <a:rPr lang="zh-CN" altLang="en-US"/>
               <a:t>等方法中的基本概念和符号。</a:t>
             </a:r>
-            <a:endParaRPr lang="zh-CN" altLang="en-US"/>
           </a:p>
           <a:p>
             <a:r>
@@ -6626,7 +6428,6 @@
               <a:rPr lang="zh-CN" altLang="en-US"/>
               <a:t>方法的影响。</a:t>
             </a:r>
-            <a:endParaRPr lang="zh-CN" altLang="en-US"/>
           </a:p>
           <a:p>
             <a:pPr marL="0" indent="0">
@@ -6640,7 +6441,6 @@
               <a:rPr lang="zh-CN" altLang="en-US"/>
               <a:t>符号表示考虑了各种方法的图形表示，删除了很多容易引起</a:t>
             </a:r>
-            <a:endParaRPr lang="zh-CN" altLang="en-US"/>
           </a:p>
           <a:p>
             <a:pPr marL="0" indent="0">
@@ -6650,7 +6450,6 @@
               <a:rPr lang="zh-CN" altLang="en-US"/>
               <a:t>   混乱的、多余的和极少使用的符号，同时添加了一些新符号。</a:t>
             </a:r>
-            <a:endParaRPr lang="zh-CN" altLang="en-US"/>
           </a:p>
           <a:p>
             <a:r>
@@ -6661,7 +6460,6 @@
               <a:rPr lang="zh-CN" altLang="en-US"/>
               <a:t>在演变过程中还提出了一些新的概念。</a:t>
             </a:r>
-            <a:endParaRPr lang="zh-CN" altLang="en-US"/>
           </a:p>
           <a:p>
             <a:pPr marL="0" indent="0">
@@ -6679,7 +6477,6 @@
               <a:rPr lang="zh-CN" altLang="en-US"/>
               <a:t>标准中新加了模板、职责、扩展机制、线程、过程、分布</a:t>
             </a:r>
-            <a:endParaRPr lang="zh-CN" altLang="en-US"/>
           </a:p>
           <a:p>
             <a:pPr marL="0" indent="0">
@@ -6689,7 +6486,6 @@
               <a:rPr lang="zh-CN" altLang="en-US"/>
               <a:t>   式、并发式、模式、合作、活动图等新概念，并清晰地区分类型</a:t>
             </a:r>
-            <a:endParaRPr lang="zh-CN" altLang="en-US"/>
           </a:p>
           <a:p>
             <a:pPr marL="0" indent="0">
@@ -6699,7 +6495,6 @@
               <a:rPr lang="zh-CN" altLang="en-US"/>
               <a:t>   、类和实例、细化、接口和组件的概念。</a:t>
             </a:r>
-            <a:endParaRPr lang="zh-CN" altLang="en-US"/>
           </a:p>
         </p:txBody>
       </p:sp>
@@ -6804,13 +6599,6 @@
   <p:clrMapOvr>
     <a:masterClrMapping/>
   </p:clrMapOvr>
-  <p:timing>
-    <p:tnLst>
-      <p:par>
-        <p:cTn id="1" dur="indefinite" restart="never" nodeType="tmRoot"/>
-      </p:par>
-    </p:tnLst>
-  </p:timing>
 </p:sld>
 </file>
 
@@ -7146,7 +6934,7 @@
           <a:p>
             <a:pPr algn="ctr"/>
             <a:r>
-              <a:rPr lang="zh-CN" altLang="en-US" sz="6000" dirty="0" smtClean="0">
+              <a:rPr lang="zh-CN" altLang="en-US" sz="6000" dirty="0">
                 <a:solidFill>
                   <a:prstClr val="white">
                     <a:lumMod val="95000"/>
@@ -7157,15 +6945,6 @@
               </a:rPr>
               <a:t>第四部分</a:t>
             </a:r>
-            <a:endParaRPr lang="zh-CN" altLang="en-US" sz="6000" dirty="0">
-              <a:solidFill>
-                <a:prstClr val="white">
-                  <a:lumMod val="95000"/>
-                </a:prstClr>
-              </a:solidFill>
-              <a:latin typeface="微软雅黑" panose="020B0503020204020204" pitchFamily="34" charset="-122"/>
-              <a:ea typeface="微软雅黑" panose="020B0503020204020204" pitchFamily="34" charset="-122"/>
-            </a:endParaRPr>
           </a:p>
         </p:txBody>
       </p:sp>
@@ -7217,15 +6996,6 @@
               </a:rPr>
               <a:t>的结构</a:t>
             </a:r>
-            <a:endParaRPr lang="zh-CN" altLang="en-US" sz="3200" dirty="0">
-              <a:solidFill>
-                <a:prstClr val="white">
-                  <a:lumMod val="95000"/>
-                </a:prstClr>
-              </a:solidFill>
-              <a:latin typeface="微软雅黑" panose="020B0503020204020204" pitchFamily="34" charset="-122"/>
-              <a:ea typeface="微软雅黑" panose="020B0503020204020204" pitchFamily="34" charset="-122"/>
-            </a:endParaRPr>
           </a:p>
         </p:txBody>
       </p:sp>
@@ -7234,13 +7004,6 @@
   <p:clrMapOvr>
     <a:masterClrMapping/>
   </p:clrMapOvr>
-  <p:timing>
-    <p:tnLst>
-      <p:par>
-        <p:cTn id="1" dur="indefinite" restart="never" nodeType="tmRoot"/>
-      </p:par>
-    </p:tnLst>
-  </p:timing>
 </p:sld>
 </file>
 
@@ -7284,22 +7047,21 @@
           <a:lstStyle/>
           <a:p>
             <a:r>
-              <a:rPr lang="en-US" altLang="zh-CN" sz="3200" dirty="0" smtClean="0"/>
+              <a:rPr lang="en-US" altLang="zh-CN" sz="3200" dirty="0"/>
               <a:t>UML</a:t>
             </a:r>
             <a:r>
-              <a:rPr lang="zh-CN" altLang="en-US" sz="3200" dirty="0" smtClean="0"/>
+              <a:rPr lang="zh-CN" altLang="en-US" sz="3200" dirty="0"/>
               <a:t>的组成主要有事物、图和关系。事物是</a:t>
             </a:r>
             <a:r>
-              <a:rPr lang="en-US" altLang="zh-CN" sz="3200" dirty="0" smtClean="0"/>
+              <a:rPr lang="en-US" altLang="zh-CN" sz="3200" dirty="0"/>
               <a:t>UML</a:t>
             </a:r>
             <a:r>
-              <a:rPr lang="zh-CN" altLang="en-US" sz="3200" dirty="0" smtClean="0"/>
+              <a:rPr lang="zh-CN" altLang="en-US" sz="3200" dirty="0"/>
               <a:t>中重要的组成部分。关系把元素紧密联系在一起。图是很多有相互关系 的事物的组。</a:t>
             </a:r>
-            <a:endParaRPr lang="zh-CN" altLang="en-US" sz="3200" dirty="0"/>
           </a:p>
         </p:txBody>
       </p:sp>
@@ -7537,7 +7299,6 @@
               <a:rPr lang="zh-CN" altLang="en-US"/>
               <a:t>中的事物</a:t>
             </a:r>
-            <a:endParaRPr lang="zh-CN" altLang="en-US"/>
           </a:p>
         </p:txBody>
       </p:sp>
@@ -7572,7 +7333,6 @@
               <a:rPr lang="zh-CN" altLang="en-US"/>
               <a:t>种事物：构件事物、行为事物、分组事物、注释事物</a:t>
             </a:r>
-            <a:endParaRPr lang="zh-CN" altLang="en-US"/>
           </a:p>
           <a:p>
             <a:endParaRPr lang="zh-CN" altLang="en-US"/>
@@ -7809,7 +7569,6 @@
               <a:rPr lang="zh-CN" altLang="en-US"/>
               <a:t>构件事物</a:t>
             </a:r>
-            <a:endParaRPr lang="zh-CN" altLang="en-US"/>
           </a:p>
         </p:txBody>
       </p:sp>
@@ -7836,7 +7595,6 @@
               <a:rPr lang="zh-CN" altLang="en-US"/>
               <a:t>模型的静态部分，描述概念或物理元素。它包括类、接口、协作、用例、构件、节点。</a:t>
             </a:r>
-            <a:endParaRPr lang="zh-CN" altLang="en-US"/>
           </a:p>
         </p:txBody>
       </p:sp>
@@ -7945,7 +7703,7 @@
           <p:nvPr/>
         </p:nvPicPr>
         <p:blipFill>
-          <a:blip r:embed="rId1"/>
+          <a:blip r:embed="rId2"/>
           <a:stretch>
             <a:fillRect/>
           </a:stretch>
@@ -7969,7 +7727,7 @@
           <p:nvPr/>
         </p:nvPicPr>
         <p:blipFill>
-          <a:blip r:embed="rId2"/>
+          <a:blip r:embed="rId3"/>
           <a:stretch>
             <a:fillRect/>
           </a:stretch>
@@ -8024,7 +7782,6 @@
               <a:rPr lang="zh-CN" altLang="en-US"/>
               <a:t>用例</a:t>
             </a:r>
-            <a:endParaRPr lang="zh-CN" altLang="en-US"/>
           </a:p>
         </p:txBody>
       </p:sp>
@@ -8037,7 +7794,7 @@
           <p:nvPr/>
         </p:nvPicPr>
         <p:blipFill>
-          <a:blip r:embed="rId3"/>
+          <a:blip r:embed="rId4"/>
           <a:stretch>
             <a:fillRect/>
           </a:stretch>
@@ -8061,7 +7818,7 @@
           <p:nvPr/>
         </p:nvPicPr>
         <p:blipFill>
-          <a:blip r:embed="rId4"/>
+          <a:blip r:embed="rId5"/>
           <a:stretch>
             <a:fillRect/>
           </a:stretch>
@@ -8085,7 +7842,7 @@
           <p:nvPr/>
         </p:nvPicPr>
         <p:blipFill>
-          <a:blip r:embed="rId5"/>
+          <a:blip r:embed="rId6"/>
           <a:stretch>
             <a:fillRect/>
           </a:stretch>
@@ -8505,7 +8262,6 @@
               <a:rPr lang="zh-CN" altLang="en-US"/>
               <a:t>行为事物</a:t>
             </a:r>
-            <a:endParaRPr lang="zh-CN" altLang="en-US"/>
           </a:p>
         </p:txBody>
       </p:sp>
@@ -8532,7 +8288,6 @@
               <a:rPr lang="zh-CN" altLang="en-US"/>
               <a:t>模型图的动态部分，描述跨越空间和时间的行为，主要包括交互和状态机。</a:t>
             </a:r>
-            <a:endParaRPr lang="zh-CN" altLang="en-US"/>
           </a:p>
         </p:txBody>
       </p:sp>
@@ -8641,7 +8396,7 @@
           <p:nvPr/>
         </p:nvPicPr>
         <p:blipFill>
-          <a:blip r:embed="rId1"/>
+          <a:blip r:embed="rId2"/>
           <a:stretch>
             <a:fillRect/>
           </a:stretch>
@@ -9037,7 +8792,7 @@
           <a:p>
             <a:pPr algn="ctr"/>
             <a:r>
-              <a:rPr lang="zh-CN" altLang="en-US" sz="5400" b="1" dirty="0" smtClean="0">
+              <a:rPr lang="zh-CN" altLang="en-US" sz="5400" b="1" dirty="0">
                 <a:solidFill>
                   <a:schemeClr val="bg1"/>
                 </a:solidFill>
@@ -9057,7 +8812,7 @@
           <a:p>
             <a:pPr algn="ctr"/>
             <a:r>
-              <a:rPr lang="en-US" altLang="zh-CN" sz="2000" b="1" dirty="0" smtClean="0">
+              <a:rPr lang="en-US" altLang="zh-CN" sz="2000" b="1" dirty="0">
                 <a:solidFill>
                   <a:schemeClr val="bg1"/>
                 </a:solidFill>
@@ -9417,7 +9172,7 @@
               <a:p>
                 <a:pPr eaLnBrk="1" hangingPunct="1"/>
                 <a:r>
-                  <a:rPr lang="en-US" altLang="zh-CN" sz="3200" dirty="0" smtClean="0">
+                  <a:rPr lang="en-US" altLang="zh-CN" sz="3200" dirty="0">
                     <a:solidFill>
                       <a:schemeClr val="bg1"/>
                     </a:solidFill>
@@ -9478,13 +9233,6 @@
                   </a:rPr>
                   <a:t>UML</a:t>
                 </a:r>
-                <a:endParaRPr lang="en-US" altLang="zh-CN" sz="2800" dirty="0">
-                  <a:solidFill>
-                    <a:srgbClr val="002B41"/>
-                  </a:solidFill>
-                  <a:latin typeface="微软雅黑" panose="020B0503020204020204" pitchFamily="34" charset="-122"/>
-                  <a:ea typeface="微软雅黑" panose="020B0503020204020204" pitchFamily="34" charset="-122"/>
-                </a:endParaRPr>
               </a:p>
             </p:txBody>
           </p:sp>
@@ -9646,7 +9394,7 @@
               <a:p>
                 <a:pPr eaLnBrk="1" hangingPunct="1"/>
                 <a:r>
-                  <a:rPr lang="en-US" altLang="zh-CN" sz="3200" dirty="0" smtClean="0">
+                  <a:rPr lang="en-US" altLang="zh-CN" sz="3200" dirty="0">
                     <a:solidFill>
                       <a:schemeClr val="bg1"/>
                     </a:solidFill>
@@ -9707,13 +9455,6 @@
                   </a:rPr>
                   <a:t>UML</a:t>
                 </a:r>
-                <a:endParaRPr lang="en-US" altLang="zh-CN" sz="2800" dirty="0">
-                  <a:solidFill>
-                    <a:srgbClr val="002B41"/>
-                  </a:solidFill>
-                  <a:latin typeface="微软雅黑" panose="020B0503020204020204" pitchFamily="34" charset="-122"/>
-                  <a:ea typeface="微软雅黑" panose="020B0503020204020204" pitchFamily="34" charset="-122"/>
-                </a:endParaRPr>
               </a:p>
             </p:txBody>
           </p:sp>
@@ -9875,7 +9616,7 @@
               <a:p>
                 <a:pPr eaLnBrk="1" hangingPunct="1"/>
                 <a:r>
-                  <a:rPr lang="en-US" altLang="zh-CN" sz="3200" dirty="0" smtClean="0">
+                  <a:rPr lang="en-US" altLang="zh-CN" sz="3200" dirty="0">
                     <a:solidFill>
                       <a:schemeClr val="bg1"/>
                     </a:solidFill>
@@ -10221,7 +9962,7 @@
             <a:p>
               <a:pPr eaLnBrk="1" hangingPunct="1"/>
               <a:r>
-                <a:rPr lang="en-US" altLang="zh-CN" sz="3200" dirty="0" smtClean="0">
+                <a:rPr lang="en-US" altLang="zh-CN" sz="3200" dirty="0">
                   <a:solidFill>
                     <a:schemeClr val="bg1"/>
                   </a:solidFill>
@@ -10263,7 +10004,7 @@
             <a:lstStyle/>
             <a:p>
               <a:r>
-                <a:rPr lang="en-US" altLang="zh-CN" sz="2800" dirty="0" smtClean="0">
+                <a:rPr lang="en-US" altLang="zh-CN" sz="2800" dirty="0">
                   <a:solidFill>
                     <a:srgbClr val="002B41"/>
                   </a:solidFill>
@@ -10273,7 +10014,7 @@
                 <a:t>UML</a:t>
               </a:r>
               <a:r>
-                <a:rPr lang="zh-CN" altLang="en-US" sz="2800" dirty="0" smtClean="0">
+                <a:rPr lang="zh-CN" altLang="en-US" sz="2800" dirty="0">
                   <a:solidFill>
                     <a:srgbClr val="002B41"/>
                   </a:solidFill>
@@ -10282,13 +10023,6 @@
                 </a:rPr>
                 <a:t>的发展历程</a:t>
               </a:r>
-              <a:endParaRPr lang="zh-CN" altLang="en-US" sz="2800" dirty="0" smtClean="0">
-                <a:solidFill>
-                  <a:srgbClr val="002B41"/>
-                </a:solidFill>
-                <a:latin typeface="微软雅黑" panose="020B0503020204020204" pitchFamily="34" charset="-122"/>
-                <a:ea typeface="微软雅黑" panose="020B0503020204020204" pitchFamily="34" charset="-122"/>
-              </a:endParaRPr>
             </a:p>
           </p:txBody>
         </p:sp>
@@ -10620,7 +10354,7 @@
             <a:p>
               <a:pPr eaLnBrk="1" hangingPunct="1"/>
               <a:r>
-                <a:rPr lang="en-US" altLang="zh-CN" sz="3200" dirty="0" smtClean="0">
+                <a:rPr lang="en-US" altLang="zh-CN" sz="3200" dirty="0">
                   <a:solidFill>
                     <a:schemeClr val="bg1"/>
                   </a:solidFill>
@@ -10681,13 +10415,6 @@
                 </a:rPr>
                 <a:t>的特点</a:t>
               </a:r>
-              <a:endParaRPr lang="zh-CN" altLang="en-US" sz="2800" dirty="0">
-                <a:solidFill>
-                  <a:srgbClr val="002B41"/>
-                </a:solidFill>
-                <a:latin typeface="微软雅黑" panose="020B0503020204020204" pitchFamily="34" charset="-122"/>
-                <a:ea typeface="微软雅黑" panose="020B0503020204020204" pitchFamily="34" charset="-122"/>
-              </a:endParaRPr>
             </a:p>
           </p:txBody>
         </p:sp>
@@ -11019,7 +10746,7 @@
             <a:p>
               <a:pPr eaLnBrk="1" hangingPunct="1"/>
               <a:r>
-                <a:rPr lang="en-US" altLang="zh-CN" sz="3200" dirty="0" smtClean="0">
+                <a:rPr lang="en-US" altLang="zh-CN" sz="3200" dirty="0">
                   <a:solidFill>
                     <a:schemeClr val="bg1"/>
                   </a:solidFill>
@@ -11420,7 +11147,7 @@
             <a:p>
               <a:pPr eaLnBrk="1" hangingPunct="1"/>
               <a:r>
-                <a:rPr lang="en-US" altLang="zh-CN" sz="3200" dirty="0" smtClean="0">
+                <a:rPr lang="en-US" altLang="zh-CN" sz="3200" dirty="0">
                   <a:solidFill>
                     <a:schemeClr val="bg1"/>
                   </a:solidFill>
@@ -11821,7 +11548,7 @@
             <a:p>
               <a:pPr eaLnBrk="1" hangingPunct="1"/>
               <a:r>
-                <a:rPr lang="en-US" altLang="zh-CN" sz="3200" dirty="0" smtClean="0">
+                <a:rPr lang="en-US" altLang="zh-CN" sz="3200" dirty="0">
                   <a:solidFill>
                     <a:schemeClr val="bg1"/>
                   </a:solidFill>
@@ -11872,13 +11599,6 @@
                 </a:rPr>
                 <a:t>系统开发阶段</a:t>
               </a:r>
-              <a:endParaRPr lang="zh-CN" altLang="en-US" sz="2800" dirty="0">
-                <a:solidFill>
-                  <a:srgbClr val="002B41"/>
-                </a:solidFill>
-                <a:latin typeface="微软雅黑" panose="020B0503020204020204" pitchFamily="34" charset="-122"/>
-                <a:ea typeface="微软雅黑" panose="020B0503020204020204" pitchFamily="34" charset="-122"/>
-              </a:endParaRPr>
             </a:p>
           </p:txBody>
         </p:sp>
@@ -12210,7 +11930,7 @@
             <a:p>
               <a:pPr eaLnBrk="1" hangingPunct="1"/>
               <a:r>
-                <a:rPr lang="en-US" altLang="zh-CN" sz="3200" dirty="0" smtClean="0">
+                <a:rPr lang="en-US" altLang="zh-CN" sz="3200" dirty="0">
                   <a:solidFill>
                     <a:schemeClr val="bg1"/>
                   </a:solidFill>
@@ -12273,14 +11993,6 @@
                 </a:rPr>
                 <a:t>中的公共机制</a:t>
               </a:r>
-              <a:endParaRPr lang="zh-CN" altLang="en-US" sz="2800" dirty="0">
-                <a:solidFill>
-                  <a:srgbClr val="002B41"/>
-                </a:solidFill>
-                <a:latin typeface="微软雅黑" panose="020B0503020204020204" pitchFamily="34" charset="-122"/>
-                <a:ea typeface="微软雅黑" panose="020B0503020204020204" pitchFamily="34" charset="-122"/>
-                <a:sym typeface="+mn-ea"/>
-              </a:endParaRPr>
             </a:p>
           </p:txBody>
         </p:sp>
@@ -12343,13 +12055,6 @@
                 </a:rPr>
                 <a:t>新特性</a:t>
               </a:r>
-              <a:endParaRPr lang="zh-CN" altLang="en-US" sz="2800" dirty="0">
-                <a:solidFill>
-                  <a:srgbClr val="002B41"/>
-                </a:solidFill>
-                <a:latin typeface="微软雅黑" panose="020B0503020204020204" pitchFamily="34" charset="-122"/>
-                <a:ea typeface="微软雅黑" panose="020B0503020204020204" pitchFamily="34" charset="-122"/>
-              </a:endParaRPr>
             </a:p>
           </p:txBody>
         </p:sp>
@@ -12666,7 +12371,7 @@
             <a:p>
               <a:pPr eaLnBrk="1" hangingPunct="1"/>
               <a:r>
-                <a:rPr lang="en-US" altLang="zh-CN" sz="3200" dirty="0" smtClean="0">
+                <a:rPr lang="en-US" altLang="zh-CN" sz="3200" dirty="0">
                   <a:solidFill>
                     <a:schemeClr val="bg1"/>
                   </a:solidFill>
@@ -13019,12 +12724,6 @@
                 </a:rPr>
                 <a:t>10</a:t>
               </a:r>
-              <a:endParaRPr lang="en-US" altLang="zh-CN" sz="3200" dirty="0">
-                <a:solidFill>
-                  <a:schemeClr val="bg1"/>
-                </a:solidFill>
-                <a:ea typeface="微软雅黑" panose="020B0503020204020204" pitchFamily="34" charset="-122"/>
-              </a:endParaRPr>
             </a:p>
           </p:txBody>
         </p:sp>
@@ -13062,13 +12761,6 @@
                 </a:rPr>
                 <a:t>为什么要建模</a:t>
               </a:r>
-              <a:endParaRPr lang="zh-CN" sz="2800" dirty="0">
-                <a:solidFill>
-                  <a:srgbClr val="002B41"/>
-                </a:solidFill>
-                <a:latin typeface="微软雅黑" panose="020B0503020204020204" pitchFamily="34" charset="-122"/>
-                <a:ea typeface="微软雅黑" panose="020B0503020204020204" pitchFamily="34" charset="-122"/>
-              </a:endParaRPr>
             </a:p>
           </p:txBody>
         </p:sp>
@@ -13400,7 +13092,7 @@
             <a:p>
               <a:pPr eaLnBrk="1" hangingPunct="1"/>
               <a:r>
-                <a:rPr lang="en-US" altLang="zh-CN" sz="3200" dirty="0" smtClean="0">
+                <a:rPr lang="en-US" altLang="zh-CN" sz="3200" dirty="0">
                   <a:solidFill>
                     <a:schemeClr val="bg1"/>
                   </a:solidFill>
@@ -13809,12 +13501,6 @@
                 </a:rPr>
                 <a:t>11</a:t>
               </a:r>
-              <a:endParaRPr lang="en-US" altLang="zh-CN" sz="3200" dirty="0">
-                <a:solidFill>
-                  <a:schemeClr val="bg1"/>
-                </a:solidFill>
-                <a:ea typeface="微软雅黑" panose="020B0503020204020204" pitchFamily="34" charset="-122"/>
-              </a:endParaRPr>
             </a:p>
           </p:txBody>
         </p:sp>
@@ -13862,13 +13548,6 @@
                 </a:rPr>
                 <a:t>建模工具</a:t>
               </a:r>
-              <a:endParaRPr lang="zh-CN" altLang="en-US" sz="2800" dirty="0">
-                <a:solidFill>
-                  <a:srgbClr val="002B41"/>
-                </a:solidFill>
-                <a:latin typeface="微软雅黑" panose="020B0503020204020204" pitchFamily="34" charset="-122"/>
-                <a:ea typeface="微软雅黑" panose="020B0503020204020204" pitchFamily="34" charset="-122"/>
-              </a:endParaRPr>
             </a:p>
           </p:txBody>
         </p:sp>
@@ -14208,12 +13887,6 @@
                 </a:rPr>
                 <a:t>12</a:t>
               </a:r>
-              <a:endParaRPr lang="en-US" altLang="zh-CN" sz="3200" dirty="0">
-                <a:solidFill>
-                  <a:schemeClr val="bg1"/>
-                </a:solidFill>
-                <a:ea typeface="微软雅黑" panose="020B0503020204020204" pitchFamily="34" charset="-122"/>
-              </a:endParaRPr>
             </a:p>
           </p:txBody>
         </p:sp>
@@ -14252,6 +13925,16 @@
                 </a:rPr>
                 <a:t>问答</a:t>
               </a:r>
+              <a:r>
+                <a:rPr lang="zh-CN" altLang="en-US" sz="2800" dirty="0">
+                  <a:solidFill>
+                    <a:srgbClr val="002B41"/>
+                  </a:solidFill>
+                  <a:latin typeface="微软雅黑" panose="020B0503020204020204" pitchFamily="34" charset="-122"/>
+                  <a:ea typeface="微软雅黑" panose="020B0503020204020204" pitchFamily="34" charset="-122"/>
+                </a:rPr>
+                <a:t>及小组评价</a:t>
+              </a:r>
               <a:endParaRPr lang="zh-CN" sz="2800" dirty="0">
                 <a:solidFill>
                   <a:srgbClr val="002B41"/>
@@ -14268,13 +13951,6 @@
   <p:clrMapOvr>
     <a:masterClrMapping/>
   </p:clrMapOvr>
-  <p:timing>
-    <p:tnLst>
-      <p:par>
-        <p:cTn id="1" dur="indefinite" restart="never" nodeType="tmRoot"/>
-      </p:par>
-    </p:tnLst>
-  </p:timing>
 </p:sld>
 </file>
 
@@ -14322,7 +13998,6 @@
               <a:rPr lang="zh-CN" altLang="en-US"/>
               <a:t>分组事物</a:t>
             </a:r>
-            <a:endParaRPr lang="zh-CN" altLang="en-US"/>
           </a:p>
         </p:txBody>
       </p:sp>
@@ -14349,7 +14024,6 @@
               <a:rPr lang="zh-CN" altLang="en-US"/>
               <a:t>模型图的组织部分，描述事物的组织结构，主要由包来实现。</a:t>
             </a:r>
-            <a:endParaRPr lang="zh-CN" altLang="en-US"/>
           </a:p>
         </p:txBody>
       </p:sp>
@@ -14458,7 +14132,7 @@
           <p:nvPr/>
         </p:nvPicPr>
         <p:blipFill>
-          <a:blip r:embed="rId1"/>
+          <a:blip r:embed="rId2"/>
           <a:stretch>
             <a:fillRect/>
           </a:stretch>
@@ -14652,7 +14326,6 @@
               <a:rPr lang="zh-CN" altLang="en-US"/>
               <a:t>注释事物</a:t>
             </a:r>
-            <a:endParaRPr lang="zh-CN" altLang="en-US"/>
           </a:p>
         </p:txBody>
       </p:sp>
@@ -14679,7 +14352,6 @@
               <a:rPr lang="zh-CN" altLang="en-US"/>
               <a:t>模型的解释部分，用来对模型中的元素进行说明，解释。</a:t>
             </a:r>
-            <a:endParaRPr lang="zh-CN" altLang="en-US"/>
           </a:p>
         </p:txBody>
       </p:sp>
@@ -14788,7 +14460,7 @@
           <p:nvPr/>
         </p:nvPicPr>
         <p:blipFill>
-          <a:blip r:embed="rId1"/>
+          <a:blip r:embed="rId2"/>
           <a:stretch>
             <a:fillRect/>
           </a:stretch>
@@ -14986,7 +14658,6 @@
               <a:rPr lang="zh-CN" altLang="en-US"/>
               <a:t>中的关系</a:t>
             </a:r>
-            <a:endParaRPr lang="zh-CN" altLang="en-US"/>
           </a:p>
         </p:txBody>
       </p:sp>
@@ -15025,7 +14696,6 @@
               <a:rPr lang="zh-CN" altLang="en-US"/>
               <a:t>种关系：依赖、关联、泛化和实现。</a:t>
             </a:r>
-            <a:endParaRPr lang="zh-CN" altLang="en-US"/>
           </a:p>
         </p:txBody>
       </p:sp>
@@ -15259,7 +14929,6 @@
               <a:rPr lang="zh-CN"/>
               <a:t>依赖</a:t>
             </a:r>
-            <a:endParaRPr lang="zh-CN"/>
           </a:p>
         </p:txBody>
       </p:sp>
@@ -15282,7 +14951,6 @@
               <a:rPr lang="zh-CN" altLang="en-US"/>
               <a:t>依赖是两个模型元素间的语义关系，其中一个元素发生变化会影响另一个元素的语义。</a:t>
             </a:r>
-            <a:endParaRPr lang="zh-CN" altLang="en-US"/>
           </a:p>
         </p:txBody>
       </p:sp>
@@ -15391,7 +15059,7 @@
           <p:nvPr/>
         </p:nvPicPr>
         <p:blipFill>
-          <a:blip r:embed="rId1"/>
+          <a:blip r:embed="rId2"/>
           <a:stretch>
             <a:fillRect/>
           </a:stretch>
@@ -15585,7 +15253,6 @@
               <a:rPr lang="zh-CN"/>
               <a:t>关联</a:t>
             </a:r>
-            <a:endParaRPr lang="zh-CN"/>
           </a:p>
         </p:txBody>
       </p:sp>
@@ -15608,7 +15275,6 @@
               <a:rPr lang="zh-CN" altLang="en-US"/>
               <a:t>关联指明了一个对象与另一个对象间的关系。</a:t>
             </a:r>
-            <a:endParaRPr lang="zh-CN" altLang="en-US"/>
           </a:p>
         </p:txBody>
       </p:sp>
@@ -15717,7 +15383,7 @@
           <p:nvPr/>
         </p:nvPicPr>
         <p:blipFill>
-          <a:blip r:embed="rId1"/>
+          <a:blip r:embed="rId2"/>
           <a:stretch>
             <a:fillRect/>
           </a:stretch>
@@ -15911,7 +15577,6 @@
               <a:rPr lang="zh-CN"/>
               <a:t>泛化</a:t>
             </a:r>
-            <a:endParaRPr lang="zh-CN"/>
           </a:p>
         </p:txBody>
       </p:sp>
@@ -15957,7 +15622,6 @@
               <a:rPr lang="zh-CN" altLang="en-US"/>
               <a:t>之间的关系，子类继承父类的属性和操作，除此之外，子类还添加新的属性和操作。</a:t>
             </a:r>
-            <a:endParaRPr lang="zh-CN" altLang="en-US"/>
           </a:p>
         </p:txBody>
       </p:sp>
@@ -16066,7 +15730,7 @@
           <p:nvPr/>
         </p:nvPicPr>
         <p:blipFill>
-          <a:blip r:embed="rId1"/>
+          <a:blip r:embed="rId2"/>
           <a:stretch>
             <a:fillRect/>
           </a:stretch>
@@ -16260,7 +15924,6 @@
               <a:rPr lang="zh-CN"/>
               <a:t>实现</a:t>
             </a:r>
-            <a:endParaRPr lang="zh-CN"/>
           </a:p>
         </p:txBody>
       </p:sp>
@@ -16283,7 +15946,6 @@
               <a:rPr lang="zh-CN" altLang="en-US"/>
               <a:t>实现是类之间的语义关系，其中的一个类指定了由另一个类必须执行的约定。在两种地方会遇到实现关系：一种是在接口和实现它们的类或构件之间；另一种是在用例和实现它们的协作之间。</a:t>
             </a:r>
-            <a:endParaRPr lang="zh-CN" altLang="en-US"/>
           </a:p>
         </p:txBody>
       </p:sp>
@@ -16392,7 +16054,7 @@
           <p:nvPr/>
         </p:nvPicPr>
         <p:blipFill>
-          <a:blip r:embed="rId1"/>
+          <a:blip r:embed="rId2"/>
           <a:stretch>
             <a:fillRect/>
           </a:stretch>
@@ -16874,7 +16536,7 @@
           <a:p>
             <a:pPr algn="ctr"/>
             <a:r>
-              <a:rPr lang="zh-CN" altLang="en-US" sz="6000" dirty="0" smtClean="0">
+              <a:rPr lang="zh-CN" altLang="en-US" sz="6000" dirty="0">
                 <a:solidFill>
                   <a:prstClr val="white">
                     <a:lumMod val="95000"/>
@@ -16885,15 +16547,6 @@
               </a:rPr>
               <a:t>第五部分</a:t>
             </a:r>
-            <a:endParaRPr lang="zh-CN" altLang="en-US" sz="6000" dirty="0">
-              <a:solidFill>
-                <a:prstClr val="white">
-                  <a:lumMod val="95000"/>
-                </a:prstClr>
-              </a:solidFill>
-              <a:latin typeface="微软雅黑" panose="020B0503020204020204" pitchFamily="34" charset="-122"/>
-              <a:ea typeface="微软雅黑" panose="020B0503020204020204" pitchFamily="34" charset="-122"/>
-            </a:endParaRPr>
           </a:p>
         </p:txBody>
       </p:sp>
@@ -16945,15 +16598,6 @@
               </a:rPr>
               <a:t>的视图</a:t>
             </a:r>
-            <a:endParaRPr lang="zh-CN" altLang="en-US" sz="3200" dirty="0">
-              <a:solidFill>
-                <a:prstClr val="white">
-                  <a:lumMod val="95000"/>
-                </a:prstClr>
-              </a:solidFill>
-              <a:latin typeface="微软雅黑" panose="020B0503020204020204" pitchFamily="34" charset="-122"/>
-              <a:ea typeface="微软雅黑" panose="020B0503020204020204" pitchFamily="34" charset="-122"/>
-            </a:endParaRPr>
           </a:p>
         </p:txBody>
       </p:sp>
@@ -16962,13 +16606,6 @@
   <p:clrMapOvr>
     <a:masterClrMapping/>
   </p:clrMapOvr>
-  <p:timing>
-    <p:tnLst>
-      <p:par>
-        <p:cTn id="1" dur="indefinite" restart="never" nodeType="tmRoot"/>
-      </p:par>
-    </p:tnLst>
-  </p:timing>
 </p:sld>
 </file>
 
@@ -17016,7 +16653,6 @@
               <a:rPr lang="zh-CN" altLang="en-US"/>
               <a:t>用例视图</a:t>
             </a:r>
-            <a:endParaRPr lang="zh-CN" altLang="en-US"/>
           </a:p>
         </p:txBody>
       </p:sp>
@@ -17039,7 +16675,6 @@
               <a:rPr lang="zh-CN" altLang="en-US"/>
               <a:t>用例视图也称外部视图、功能视图、用户视图。它主要强调从系统的外部参与者的角度所看到的或需要的系统功能。</a:t>
             </a:r>
-            <a:endParaRPr lang="zh-CN" altLang="en-US"/>
           </a:p>
         </p:txBody>
       </p:sp>
@@ -17273,7 +16908,6 @@
               <a:rPr lang="zh-CN" altLang="en-US"/>
               <a:t>逻辑视图</a:t>
             </a:r>
-            <a:endParaRPr lang="zh-CN" altLang="en-US"/>
           </a:p>
         </p:txBody>
       </p:sp>
@@ -17296,7 +16930,6 @@
               <a:rPr lang="zh-CN" altLang="en-US"/>
               <a:t>逻辑视图也称静态视图、结构模型视图，包括类图、对象图和包图。它主要是从系统的静态结构和动态行为角度显示如何实现系统的功能。</a:t>
             </a:r>
-            <a:endParaRPr lang="zh-CN" altLang="en-US"/>
           </a:p>
         </p:txBody>
       </p:sp>
@@ -17820,7 +17453,7 @@
           <a:p>
             <a:pPr algn="ctr"/>
             <a:r>
-              <a:rPr lang="zh-CN" altLang="en-US" sz="6000" dirty="0" smtClean="0">
+              <a:rPr lang="zh-CN" altLang="en-US" sz="6000" dirty="0">
                 <a:solidFill>
                   <a:schemeClr val="bg1">
                     <a:lumMod val="95000"/>
@@ -17831,15 +17464,6 @@
               </a:rPr>
               <a:t>第一部分</a:t>
             </a:r>
-            <a:endParaRPr lang="zh-CN" altLang="en-US" sz="6000" dirty="0">
-              <a:solidFill>
-                <a:schemeClr val="bg1">
-                  <a:lumMod val="95000"/>
-                </a:schemeClr>
-              </a:solidFill>
-              <a:latin typeface="微软雅黑" panose="020B0503020204020204" pitchFamily="34" charset="-122"/>
-              <a:ea typeface="微软雅黑" panose="020B0503020204020204" pitchFamily="34" charset="-122"/>
-            </a:endParaRPr>
           </a:p>
         </p:txBody>
       </p:sp>
@@ -17891,15 +17515,6 @@
               </a:rPr>
               <a:t>UML</a:t>
             </a:r>
-            <a:endParaRPr lang="en-US" altLang="zh-CN" sz="3200" dirty="0">
-              <a:solidFill>
-                <a:schemeClr val="bg1">
-                  <a:lumMod val="95000"/>
-                </a:schemeClr>
-              </a:solidFill>
-              <a:latin typeface="微软雅黑" panose="020B0503020204020204" pitchFamily="34" charset="-122"/>
-              <a:ea typeface="微软雅黑" panose="020B0503020204020204" pitchFamily="34" charset="-122"/>
-            </a:endParaRPr>
           </a:p>
         </p:txBody>
       </p:sp>
@@ -17908,13 +17523,6 @@
   <p:clrMapOvr>
     <a:masterClrMapping/>
   </p:clrMapOvr>
-  <p:timing>
-    <p:tnLst>
-      <p:par>
-        <p:cTn id="1" dur="indefinite" restart="never" nodeType="tmRoot"/>
-      </p:par>
-    </p:tnLst>
-  </p:timing>
 </p:sld>
 </file>
 
@@ -17962,7 +17570,6 @@
               <a:rPr lang="zh-CN" altLang="en-US"/>
               <a:t>并发视图</a:t>
             </a:r>
-            <a:endParaRPr lang="zh-CN" altLang="en-US"/>
           </a:p>
         </p:txBody>
       </p:sp>
@@ -17985,7 +17592,6 @@
               <a:rPr lang="zh-CN" altLang="en-US"/>
               <a:t>并发视图又称动态视图、进程视图，包括动态图（状态机图、交互图、活动图）和实现图（交互图和部署图）它显示了系统的并发性，并解决在并发系统中存在的通信问题和同步问题。</a:t>
             </a:r>
-            <a:endParaRPr lang="zh-CN" altLang="en-US"/>
           </a:p>
         </p:txBody>
       </p:sp>
@@ -18219,7 +17825,6 @@
               <a:rPr lang="zh-CN" altLang="en-US"/>
               <a:t>组件视图</a:t>
             </a:r>
-            <a:endParaRPr lang="zh-CN" altLang="en-US"/>
           </a:p>
         </p:txBody>
       </p:sp>
@@ -18242,7 +17847,6 @@
               <a:rPr lang="zh-CN" altLang="en-US"/>
               <a:t>组件视图也称实现视图、物理视图，它显示了代码组件的组织结构。</a:t>
             </a:r>
-            <a:endParaRPr lang="zh-CN" altLang="en-US"/>
           </a:p>
         </p:txBody>
       </p:sp>
@@ -18476,7 +18080,6 @@
               <a:rPr lang="zh-CN" altLang="en-US"/>
               <a:t>部署视图</a:t>
             </a:r>
-            <a:endParaRPr lang="zh-CN" altLang="en-US"/>
           </a:p>
         </p:txBody>
       </p:sp>
@@ -18499,7 +18102,6 @@
               <a:rPr lang="zh-CN" altLang="en-US"/>
               <a:t>部署视图也称配置视图，它主要描述了系统具体如何进行部署。</a:t>
             </a:r>
-            <a:endParaRPr lang="zh-CN" altLang="en-US"/>
           </a:p>
         </p:txBody>
       </p:sp>
@@ -19021,7 +18623,7 @@
           <a:p>
             <a:pPr algn="ctr"/>
             <a:r>
-              <a:rPr lang="zh-CN" altLang="en-US" sz="6000" dirty="0" smtClean="0">
+              <a:rPr lang="zh-CN" altLang="en-US" sz="6000" dirty="0">
                 <a:solidFill>
                   <a:prstClr val="white">
                     <a:lumMod val="95000"/>
@@ -19032,15 +18634,6 @@
               </a:rPr>
               <a:t>第六部分</a:t>
             </a:r>
-            <a:endParaRPr lang="zh-CN" altLang="en-US" sz="6000" dirty="0">
-              <a:solidFill>
-                <a:prstClr val="white">
-                  <a:lumMod val="95000"/>
-                </a:prstClr>
-              </a:solidFill>
-              <a:latin typeface="微软雅黑" panose="020B0503020204020204" pitchFamily="34" charset="-122"/>
-              <a:ea typeface="微软雅黑" panose="020B0503020204020204" pitchFamily="34" charset="-122"/>
-            </a:endParaRPr>
           </a:p>
         </p:txBody>
       </p:sp>
@@ -19092,15 +18685,6 @@
               </a:rPr>
               <a:t>的图</a:t>
             </a:r>
-            <a:endParaRPr lang="zh-CN" altLang="en-US" sz="3200" dirty="0">
-              <a:solidFill>
-                <a:prstClr val="white">
-                  <a:lumMod val="95000"/>
-                </a:prstClr>
-              </a:solidFill>
-              <a:latin typeface="微软雅黑" panose="020B0503020204020204" pitchFamily="34" charset="-122"/>
-              <a:ea typeface="微软雅黑" panose="020B0503020204020204" pitchFamily="34" charset="-122"/>
-            </a:endParaRPr>
           </a:p>
         </p:txBody>
       </p:sp>
@@ -19109,13 +18693,6 @@
   <p:clrMapOvr>
     <a:masterClrMapping/>
   </p:clrMapOvr>
-  <p:timing>
-    <p:tnLst>
-      <p:par>
-        <p:cTn id="1" dur="indefinite" restart="never" nodeType="tmRoot"/>
-      </p:par>
-    </p:tnLst>
-  </p:timing>
 </p:sld>
 </file>
 
@@ -19163,7 +18740,6 @@
               <a:rPr lang="zh-CN" altLang="en-US"/>
               <a:t>用例图</a:t>
             </a:r>
-            <a:endParaRPr lang="zh-CN" altLang="en-US"/>
           </a:p>
         </p:txBody>
       </p:sp>
@@ -19186,7 +18762,6 @@
               <a:rPr lang="zh-CN" altLang="en-US"/>
               <a:t>用例图是从用户角度描述系统功能，并指出各功能的操作者。</a:t>
             </a:r>
-            <a:endParaRPr lang="zh-CN" altLang="en-US"/>
           </a:p>
         </p:txBody>
       </p:sp>
@@ -19295,7 +18870,7 @@
           <p:nvPr/>
         </p:nvPicPr>
         <p:blipFill>
-          <a:blip r:embed="rId1"/>
+          <a:blip r:embed="rId2"/>
           <a:stretch>
             <a:fillRect/>
           </a:stretch>
@@ -19489,7 +19064,6 @@
               <a:rPr lang="zh-CN" altLang="en-US"/>
               <a:t>类图</a:t>
             </a:r>
-            <a:endParaRPr lang="zh-CN" altLang="en-US"/>
           </a:p>
         </p:txBody>
       </p:sp>
@@ -19520,7 +19094,6 @@
               <a:rPr lang="zh-CN" altLang="en-US"/>
               <a:t>面向对象中最常见的一种图，类图可以帮助人们更直观地了解一个系统的体系结构。</a:t>
             </a:r>
-            <a:endParaRPr lang="zh-CN" altLang="en-US"/>
           </a:p>
         </p:txBody>
       </p:sp>
@@ -19629,7 +19202,7 @@
           <p:nvPr/>
         </p:nvPicPr>
         <p:blipFill>
-          <a:blip r:embed="rId1"/>
+          <a:blip r:embed="rId2"/>
           <a:stretch>
             <a:fillRect/>
           </a:stretch>
@@ -19823,7 +19396,6 @@
               <a:rPr lang="zh-CN" altLang="en-US"/>
               <a:t>对象图</a:t>
             </a:r>
-            <a:endParaRPr lang="zh-CN" altLang="en-US"/>
           </a:p>
         </p:txBody>
       </p:sp>
@@ -19850,7 +19422,6 @@
               <a:rPr lang="zh-CN" altLang="en-US"/>
               <a:t>面向对象中对象图是类图的实例，几乎使用与类图完全相同的标识。它们的不同点在于对象图显示类的多个对象实例，而不是实例的类。一个对象图是类图的一个实例。</a:t>
             </a:r>
-            <a:endParaRPr lang="zh-CN" altLang="en-US"/>
           </a:p>
         </p:txBody>
       </p:sp>
@@ -19959,7 +19530,7 @@
           <p:nvPr/>
         </p:nvPicPr>
         <p:blipFill>
-          <a:blip r:embed="rId1"/>
+          <a:blip r:embed="rId2"/>
           <a:stretch>
             <a:fillRect/>
           </a:stretch>
@@ -20153,7 +19724,6 @@
               <a:rPr lang="zh-CN" altLang="en-US"/>
               <a:t>状态机图</a:t>
             </a:r>
-            <a:endParaRPr lang="zh-CN" altLang="en-US"/>
           </a:p>
         </p:txBody>
       </p:sp>
@@ -20176,7 +19746,6 @@
               <a:rPr lang="zh-CN" altLang="en-US"/>
               <a:t>描述一个实体基于事件反应的动态行为，显示了该实体是如何根据当前所处的状态对不同的时间做出反应的。</a:t>
             </a:r>
-            <a:endParaRPr lang="zh-CN" altLang="en-US"/>
           </a:p>
         </p:txBody>
       </p:sp>
@@ -20285,7 +19854,7 @@
           <p:nvPr/>
         </p:nvPicPr>
         <p:blipFill>
-          <a:blip r:embed="rId1"/>
+          <a:blip r:embed="rId2"/>
           <a:stretch>
             <a:fillRect/>
           </a:stretch>
@@ -20479,7 +20048,6 @@
               <a:rPr lang="zh-CN" altLang="en-US"/>
               <a:t>活动图</a:t>
             </a:r>
-            <a:endParaRPr lang="zh-CN" altLang="en-US"/>
           </a:p>
         </p:txBody>
       </p:sp>
@@ -20502,7 +20070,6 @@
               <a:rPr lang="zh-CN" altLang="en-US"/>
               <a:t>活动图记录了单个操作或方法的逻辑，或者单个业务流程的逻辑。描述系统中各种活动的执行顺序，通常用于描述一个操作中所要进行的各项活动的执行流程。</a:t>
             </a:r>
-            <a:endParaRPr lang="zh-CN" altLang="en-US"/>
           </a:p>
         </p:txBody>
       </p:sp>
@@ -20611,7 +20178,7 @@
           <p:nvPr/>
         </p:nvPicPr>
         <p:blipFill>
-          <a:blip r:embed="rId1"/>
+          <a:blip r:embed="rId2"/>
           <a:stretch>
             <a:fillRect/>
           </a:stretch>
@@ -20805,7 +20372,6 @@
               <a:rPr lang="zh-CN" altLang="en-US"/>
               <a:t>顺序图</a:t>
             </a:r>
-            <a:endParaRPr lang="zh-CN" altLang="en-US"/>
           </a:p>
         </p:txBody>
       </p:sp>
@@ -20828,7 +20394,6 @@
               <a:rPr lang="zh-CN" altLang="en-US"/>
               <a:t>顺序图描述了对象之间动态的交互关系，主要体现对象之间进行消息传递的时间顺序。</a:t>
             </a:r>
-            <a:endParaRPr lang="zh-CN" altLang="en-US"/>
           </a:p>
         </p:txBody>
       </p:sp>
@@ -20937,7 +20502,7 @@
           <p:nvPr/>
         </p:nvPicPr>
         <p:blipFill>
-          <a:blip r:embed="rId1"/>
+          <a:blip r:embed="rId2"/>
           <a:stretch>
             <a:fillRect/>
           </a:stretch>
@@ -21137,7 +20702,6 @@
               <a:rPr lang="zh-CN" altLang="en-US"/>
               <a:t>统一建模语言</a:t>
             </a:r>
-            <a:endParaRPr lang="zh-CN" altLang="en-US"/>
           </a:p>
         </p:txBody>
       </p:sp>
@@ -21169,7 +20733,6 @@
               <a:rPr lang="zh-CN"/>
               <a:t>能够描述问题、描述解决方案、起到沟通作用的语言。通俗地说，它是一种用文本、图形和符号的集合来描述现实生活中各类食物、活动及其之间关系的语言。</a:t>
             </a:r>
-            <a:endParaRPr lang="zh-CN"/>
           </a:p>
           <a:p>
             <a:pPr lvl="1" algn="l"/>
@@ -21181,7 +20744,6 @@
               <a:rPr lang="zh-CN" altLang="en-US"/>
               <a:t>是一种很好的工具，可以贯穿软件开发阶段周期中的每一个阶段，它最适用于数据建模、业务建模、对象建模和组件建模。</a:t>
             </a:r>
-            <a:endParaRPr lang="zh-CN" altLang="en-US"/>
           </a:p>
         </p:txBody>
       </p:sp>
@@ -21464,7 +21026,6 @@
               <a:rPr lang="zh-CN" altLang="en-US"/>
               <a:t>通信图</a:t>
             </a:r>
-            <a:endParaRPr lang="zh-CN" altLang="en-US"/>
           </a:p>
         </p:txBody>
       </p:sp>
@@ -21487,7 +21048,6 @@
               <a:rPr lang="zh-CN" altLang="en-US"/>
               <a:t>通信图用于显示组件及其交互关系的空间组织结构，它并不侧重于交互的顺序。它显示了交互中各种对象之间的组织交互关系以及对象彼此之间的链接。</a:t>
             </a:r>
-            <a:endParaRPr lang="zh-CN" altLang="en-US"/>
           </a:p>
         </p:txBody>
       </p:sp>
@@ -21596,7 +21156,7 @@
           <p:nvPr/>
         </p:nvPicPr>
         <p:blipFill>
-          <a:blip r:embed="rId1"/>
+          <a:blip r:embed="rId2"/>
           <a:stretch>
             <a:fillRect/>
           </a:stretch>
@@ -21790,7 +21350,6 @@
               <a:rPr lang="zh-CN" altLang="en-US"/>
               <a:t>构件图</a:t>
             </a:r>
-            <a:endParaRPr lang="zh-CN" altLang="en-US"/>
           </a:p>
         </p:txBody>
       </p:sp>
@@ -21813,7 +21372,6 @@
               <a:rPr lang="zh-CN" altLang="en-US"/>
               <a:t>构件图也称组件图，它描述了代码部件的物理结构及各部件之间的依赖关系，构件图有助于分析和理解部件之间的互相影响程度。</a:t>
             </a:r>
-            <a:endParaRPr lang="zh-CN" altLang="en-US"/>
           </a:p>
         </p:txBody>
       </p:sp>
@@ -21922,7 +21480,7 @@
           <p:nvPr/>
         </p:nvPicPr>
         <p:blipFill>
-          <a:blip r:embed="rId1"/>
+          <a:blip r:embed="rId2"/>
           <a:stretch>
             <a:fillRect/>
           </a:stretch>
@@ -22116,7 +21674,6 @@
               <a:rPr lang="zh-CN" altLang="en-US"/>
               <a:t>部署图</a:t>
             </a:r>
-            <a:endParaRPr lang="zh-CN" altLang="en-US"/>
           </a:p>
         </p:txBody>
       </p:sp>
@@ -22139,7 +21696,6 @@
               <a:rPr lang="zh-CN" altLang="en-US"/>
               <a:t>部署图也称配置图，部署图描述系统中硬件和软件的物理配置情况和系统体系结构。</a:t>
             </a:r>
-            <a:endParaRPr lang="zh-CN" altLang="en-US"/>
           </a:p>
         </p:txBody>
       </p:sp>
@@ -22248,7 +21804,7 @@
           <p:nvPr/>
         </p:nvPicPr>
         <p:blipFill>
-          <a:blip r:embed="rId1"/>
+          <a:blip r:embed="rId2"/>
           <a:stretch>
             <a:fillRect/>
           </a:stretch>
@@ -23325,7 +22881,7 @@
           <a:p>
             <a:pPr algn="ctr"/>
             <a:r>
-              <a:rPr lang="zh-CN" altLang="en-US" sz="6000" dirty="0" smtClean="0">
+              <a:rPr lang="zh-CN" altLang="en-US" sz="6000" dirty="0">
                 <a:solidFill>
                   <a:prstClr val="white">
                     <a:lumMod val="95000"/>
@@ -23336,15 +22892,6 @@
               </a:rPr>
               <a:t>第七部分</a:t>
             </a:r>
-            <a:endParaRPr lang="zh-CN" altLang="en-US" sz="6000" dirty="0">
-              <a:solidFill>
-                <a:prstClr val="white">
-                  <a:lumMod val="95000"/>
-                </a:prstClr>
-              </a:solidFill>
-              <a:latin typeface="微软雅黑" panose="020B0503020204020204" pitchFamily="34" charset="-122"/>
-              <a:ea typeface="微软雅黑" panose="020B0503020204020204" pitchFamily="34" charset="-122"/>
-            </a:endParaRPr>
           </a:p>
         </p:txBody>
       </p:sp>
@@ -23396,15 +22943,6 @@
               </a:rPr>
               <a:t>中的公共机制</a:t>
             </a:r>
-            <a:endParaRPr lang="zh-CN" altLang="en-US" sz="3200" dirty="0">
-              <a:solidFill>
-                <a:prstClr val="white">
-                  <a:lumMod val="95000"/>
-                </a:prstClr>
-              </a:solidFill>
-              <a:latin typeface="微软雅黑" panose="020B0503020204020204" pitchFamily="34" charset="-122"/>
-              <a:ea typeface="微软雅黑" panose="020B0503020204020204" pitchFamily="34" charset="-122"/>
-            </a:endParaRPr>
           </a:p>
         </p:txBody>
       </p:sp>
@@ -23413,13 +22951,6 @@
   <p:clrMapOvr>
     <a:masterClrMapping/>
   </p:clrMapOvr>
-  <p:timing>
-    <p:tnLst>
-      <p:par>
-        <p:cTn id="1" dur="indefinite" restart="never" nodeType="tmRoot"/>
-      </p:par>
-    </p:tnLst>
-  </p:timing>
 </p:sld>
 </file>
 
@@ -23471,7 +23002,6 @@
               <a:rPr lang="zh-CN" altLang="en-US"/>
               <a:t>中的公共机制</a:t>
             </a:r>
-            <a:endParaRPr lang="zh-CN" altLang="en-US"/>
           </a:p>
         </p:txBody>
       </p:sp>
@@ -23494,28 +23024,24 @@
               <a:rPr lang="zh-CN" altLang="en-US"/>
               <a:t>制约</a:t>
             </a:r>
-            <a:endParaRPr lang="zh-CN" altLang="en-US"/>
           </a:p>
           <a:p>
             <a:r>
               <a:rPr lang="zh-CN" altLang="en-US"/>
               <a:t>修饰</a:t>
             </a:r>
-            <a:endParaRPr lang="zh-CN" altLang="en-US"/>
           </a:p>
           <a:p>
             <a:r>
               <a:rPr lang="zh-CN" altLang="en-US"/>
               <a:t>通用划分</a:t>
             </a:r>
-            <a:endParaRPr lang="zh-CN" altLang="en-US"/>
           </a:p>
           <a:p>
             <a:r>
               <a:rPr lang="zh-CN" altLang="en-US"/>
               <a:t>扩展机制</a:t>
             </a:r>
-            <a:endParaRPr lang="zh-CN" altLang="en-US"/>
           </a:p>
         </p:txBody>
       </p:sp>
@@ -23839,7 +23365,6 @@
               <a:rPr lang="zh-CN"/>
               <a:t>规约</a:t>
             </a:r>
-            <a:endParaRPr lang="zh-CN"/>
           </a:p>
         </p:txBody>
       </p:sp>
@@ -23874,7 +23399,6 @@
               <a:rPr lang="zh-CN" altLang="en-US"/>
               <a:t>的规约提供了语义底版，它包含了一个系统的各个模型的所有部分，各部分以一致的方式相互联系。</a:t>
             </a:r>
-            <a:endParaRPr lang="zh-CN" altLang="en-US"/>
           </a:p>
         </p:txBody>
       </p:sp>
@@ -24108,7 +23632,6 @@
               <a:rPr lang="zh-CN"/>
               <a:t>修饰</a:t>
             </a:r>
-            <a:endParaRPr lang="zh-CN"/>
           </a:p>
         </p:txBody>
       </p:sp>
@@ -24134,7 +23657,6 @@
               <a:rPr lang="zh-CN" altLang="en-US"/>
               <a:t>对类的规约可以包含其他细节，例如，它是否为抽象类，或它的属性和操作是否可见。可以把很多这样的细节表示为图形或文字修饰，放到类的基本矩形符号上。</a:t>
             </a:r>
-            <a:endParaRPr lang="zh-CN" altLang="en-US"/>
           </a:p>
         </p:txBody>
       </p:sp>
@@ -24368,7 +23890,6 @@
               <a:rPr lang="zh-CN"/>
               <a:t>通用划分</a:t>
             </a:r>
-            <a:endParaRPr lang="zh-CN"/>
           </a:p>
         </p:txBody>
       </p:sp>
@@ -24391,7 +23912,6 @@
               <a:rPr lang="zh-CN" altLang="en-US"/>
               <a:t>在对面向对象系统建模中，通常有三种划分方式。第一种方式是对类和对象的划分。第二种是接口和实现的分离。第三种是类型和角色的分离。</a:t>
             </a:r>
-            <a:endParaRPr lang="zh-CN" altLang="en-US"/>
           </a:p>
         </p:txBody>
       </p:sp>
@@ -24625,7 +24145,6 @@
               <a:rPr lang="zh-CN"/>
               <a:t>扩展机制</a:t>
             </a:r>
-            <a:endParaRPr lang="zh-CN"/>
           </a:p>
         </p:txBody>
       </p:sp>
@@ -24659,21 +24178,18 @@
               <a:rPr lang="zh-CN" altLang="en-US"/>
               <a:t>衍型</a:t>
             </a:r>
-            <a:endParaRPr lang="zh-CN" altLang="en-US"/>
           </a:p>
           <a:p>
             <a:r>
               <a:rPr lang="zh-CN" altLang="en-US"/>
               <a:t>标记值</a:t>
             </a:r>
-            <a:endParaRPr lang="zh-CN" altLang="en-US"/>
           </a:p>
           <a:p>
             <a:r>
               <a:rPr lang="zh-CN" altLang="en-US"/>
               <a:t>约束</a:t>
             </a:r>
-            <a:endParaRPr lang="zh-CN" altLang="en-US"/>
           </a:p>
         </p:txBody>
       </p:sp>
@@ -24972,7 +24488,6 @@
               <a:rPr lang="zh-CN" altLang="en-US"/>
               <a:t>是一种用于可视化的语言</a:t>
             </a:r>
-            <a:endParaRPr lang="zh-CN" altLang="en-US"/>
           </a:p>
         </p:txBody>
       </p:sp>
@@ -25008,7 +24523,6 @@
               <a:rPr lang="zh-CN" altLang="en-US"/>
               <a:t>绘制一个模型，而另一个开发者可以无歧义地解释这个模型。</a:t>
             </a:r>
-            <a:endParaRPr lang="zh-CN" altLang="en-US"/>
           </a:p>
         </p:txBody>
       </p:sp>
@@ -25316,36 +24830,34 @@
               <a:rPr lang="zh-CN" altLang="en-US" dirty="0"/>
               <a:t>建模。</a:t>
             </a:r>
-            <a:endParaRPr lang="zh-CN" altLang="en-US" dirty="0"/>
           </a:p>
           <a:p>
             <a:pPr marL="0" indent="0">
               <a:buNone/>
             </a:pPr>
-            <a:endParaRPr lang="en-US" altLang="zh-CN" sz="3200" dirty="0" smtClean="0"/>
+            <a:endParaRPr lang="en-US" altLang="zh-CN" sz="3200" dirty="0"/>
           </a:p>
           <a:p>
             <a:pPr marL="0" indent="0">
               <a:buNone/>
             </a:pPr>
             <a:r>
-              <a:rPr lang="zh-CN" altLang="en-US" sz="3200" dirty="0" smtClean="0"/>
+              <a:rPr lang="zh-CN" altLang="en-US" sz="3200" dirty="0"/>
               <a:t>什么是“异常事件”？</a:t>
             </a:r>
-            <a:endParaRPr lang="zh-CN" altLang="en-US" sz="3200" dirty="0"/>
           </a:p>
           <a:p>
             <a:pPr marL="0" indent="0">
               <a:buNone/>
             </a:pPr>
-            <a:endParaRPr lang="en-US" altLang="zh-CN" dirty="0" smtClean="0"/>
+            <a:endParaRPr lang="en-US" altLang="zh-CN" dirty="0"/>
           </a:p>
           <a:p>
             <a:pPr marL="0" indent="0">
               <a:buNone/>
             </a:pPr>
             <a:r>
-              <a:rPr lang="en-US" altLang="zh-CN" dirty="0" smtClean="0"/>
+              <a:rPr lang="en-US" altLang="zh-CN" dirty="0"/>
               <a:t>“</a:t>
             </a:r>
             <a:r>
@@ -25360,7 +24872,6 @@
               <a:rPr lang="zh-CN" altLang="en-US" dirty="0"/>
               <a:t>就是类，只是用很特殊的方法进行了处理。</a:t>
             </a:r>
-            <a:endParaRPr lang="zh-CN" altLang="en-US" dirty="0"/>
           </a:p>
         </p:txBody>
       </p:sp>
@@ -25689,7 +25200,6 @@
               <a:rPr lang="zh-CN"/>
               <a:t>标记值</a:t>
             </a:r>
-            <a:endParaRPr lang="zh-CN"/>
           </a:p>
         </p:txBody>
       </p:sp>
@@ -25731,7 +25241,6 @@
               <a:rPr lang="zh-CN" altLang="en-US"/>
               <a:t>的基本概念，通过引入新的标记值，可以把它们加到任何构造块中去。</a:t>
             </a:r>
-            <a:endParaRPr lang="zh-CN" altLang="en-US"/>
           </a:p>
         </p:txBody>
       </p:sp>
@@ -25965,7 +25474,6 @@
               <a:rPr lang="zh-CN"/>
               <a:t>约束</a:t>
             </a:r>
-            <a:endParaRPr lang="zh-CN"/>
           </a:p>
         </p:txBody>
       </p:sp>
@@ -25999,7 +25507,6 @@
               <a:rPr lang="zh-CN" altLang="en-US"/>
               <a:t>构造块的语义，可以用来增加新的规则过修改现有的规则。</a:t>
             </a:r>
-            <a:endParaRPr lang="zh-CN" altLang="en-US"/>
           </a:p>
         </p:txBody>
       </p:sp>
@@ -26521,7 +26028,7 @@
           <a:p>
             <a:pPr algn="ctr"/>
             <a:r>
-              <a:rPr lang="zh-CN" altLang="en-US" sz="6000" dirty="0" smtClean="0">
+              <a:rPr lang="zh-CN" altLang="en-US" sz="6000" dirty="0">
                 <a:solidFill>
                   <a:prstClr val="white">
                     <a:lumMod val="95000"/>
@@ -26532,15 +26039,6 @@
               </a:rPr>
               <a:t>第八部分</a:t>
             </a:r>
-            <a:endParaRPr lang="zh-CN" altLang="en-US" sz="6000" dirty="0">
-              <a:solidFill>
-                <a:prstClr val="white">
-                  <a:lumMod val="95000"/>
-                </a:prstClr>
-              </a:solidFill>
-              <a:latin typeface="微软雅黑" panose="020B0503020204020204" pitchFamily="34" charset="-122"/>
-              <a:ea typeface="微软雅黑" panose="020B0503020204020204" pitchFamily="34" charset="-122"/>
-            </a:endParaRPr>
           </a:p>
         </p:txBody>
       </p:sp>
@@ -26592,15 +26090,6 @@
               </a:rPr>
               <a:t>新特性</a:t>
             </a:r>
-            <a:endParaRPr lang="zh-CN" altLang="en-US" sz="3200" dirty="0">
-              <a:solidFill>
-                <a:prstClr val="white">
-                  <a:lumMod val="95000"/>
-                </a:prstClr>
-              </a:solidFill>
-              <a:latin typeface="微软雅黑" panose="020B0503020204020204" pitchFamily="34" charset="-122"/>
-              <a:ea typeface="微软雅黑" panose="020B0503020204020204" pitchFamily="34" charset="-122"/>
-            </a:endParaRPr>
           </a:p>
         </p:txBody>
       </p:sp>
@@ -26609,13 +26098,6 @@
   <p:clrMapOvr>
     <a:masterClrMapping/>
   </p:clrMapOvr>
-  <p:timing>
-    <p:tnLst>
-      <p:par>
-        <p:cTn id="1" dur="indefinite" restart="never" nodeType="tmRoot"/>
-      </p:par>
-    </p:tnLst>
-  </p:timing>
 </p:sld>
 </file>
 
@@ -26652,14 +26134,13 @@
           <a:lstStyle/>
           <a:p>
             <a:r>
-              <a:rPr lang="en-US" altLang="zh-CN" dirty="0" smtClean="0"/>
+              <a:rPr lang="en-US" altLang="zh-CN" dirty="0"/>
               <a:t>UML2.0</a:t>
             </a:r>
             <a:r>
-              <a:rPr lang="zh-CN" altLang="en-US" dirty="0" smtClean="0"/>
+              <a:rPr lang="zh-CN" altLang="en-US" dirty="0"/>
               <a:t>对哪些图做了修改？</a:t>
             </a:r>
-            <a:endParaRPr lang="zh-CN" altLang="en-US" dirty="0"/>
           </a:p>
         </p:txBody>
       </p:sp>
@@ -26679,10 +26160,9 @@
           <a:lstStyle/>
           <a:p>
             <a:r>
-              <a:rPr lang="zh-CN" altLang="en-US" dirty="0" smtClean="0"/>
+              <a:rPr lang="zh-CN" altLang="en-US" dirty="0"/>
               <a:t>用例图、顺序图、活动图、构件图。</a:t>
             </a:r>
-            <a:endParaRPr lang="zh-CN" altLang="en-US" dirty="0"/>
           </a:p>
         </p:txBody>
       </p:sp>
@@ -26916,7 +26396,6 @@
               <a:rPr lang="zh-CN" altLang="en-US"/>
               <a:t>用例图</a:t>
             </a:r>
-            <a:endParaRPr lang="zh-CN" altLang="en-US"/>
           </a:p>
         </p:txBody>
       </p:sp>
@@ -26955,7 +26434,6 @@
               <a:rPr lang="zh-CN" altLang="en-US"/>
               <a:t>的特征，这项特征的取值可以作为在逻辑层面划分一组用例的一项依据。</a:t>
             </a:r>
-            <a:endParaRPr lang="zh-CN" altLang="en-US"/>
           </a:p>
         </p:txBody>
       </p:sp>
@@ -27189,7 +26667,6 @@
               <a:rPr lang="zh-CN" altLang="en-US"/>
               <a:t>顺序图</a:t>
             </a:r>
-            <a:endParaRPr lang="zh-CN" altLang="en-US"/>
           </a:p>
         </p:txBody>
       </p:sp>
@@ -27759,10 +27236,6 @@
               </a:rPr>
               <a:t>活动图</a:t>
             </a:r>
-            <a:endParaRPr lang="zh-CN" altLang="en-US" sz="4400" b="0">
-              <a:latin typeface="+mj-ea"/>
-              <a:ea typeface="+mj-ea"/>
-            </a:endParaRPr>
           </a:p>
         </p:txBody>
       </p:sp>
@@ -27838,10 +27311,6 @@
               </a:rPr>
               <a:t>构件图</a:t>
             </a:r>
-            <a:endParaRPr lang="zh-CN" altLang="en-US" sz="4400" b="0">
-              <a:latin typeface="+mj-ea"/>
-              <a:ea typeface="+mj-ea"/>
-            </a:endParaRPr>
           </a:p>
         </p:txBody>
       </p:sp>
@@ -28247,7 +27716,6 @@
               <a:rPr lang="zh-CN" altLang="en-US"/>
               <a:t>中新增加了包图、组合结构图、交互概况图、时间图。</a:t>
             </a:r>
-            <a:endParaRPr lang="zh-CN" altLang="en-US"/>
           </a:p>
         </p:txBody>
       </p:sp>
@@ -28270,7 +27738,6 @@
               <a:rPr lang="zh-CN" altLang="en-US" sz="3600" b="0"/>
               <a:t>包图</a:t>
             </a:r>
-            <a:endParaRPr lang="zh-CN" altLang="en-US" sz="3600" b="0"/>
           </a:p>
         </p:txBody>
       </p:sp>
@@ -28293,7 +27760,6 @@
               <a:rPr lang="zh-CN" altLang="en-US"/>
               <a:t>包图展现了模型要素的基本组织单元，以及这些组织单元之间的依赖关系，包括引用关系和扩展关系。</a:t>
             </a:r>
-            <a:endParaRPr lang="zh-CN" altLang="en-US"/>
           </a:p>
         </p:txBody>
       </p:sp>
@@ -28402,7 +27868,7 @@
           <p:nvPr/>
         </p:nvPicPr>
         <p:blipFill>
-          <a:blip r:embed="rId1"/>
+          <a:blip r:embed="rId2"/>
           <a:stretch>
             <a:fillRect/>
           </a:stretch>
@@ -28646,7 +28112,6 @@
               <a:rPr lang="zh-CN" altLang="en-US"/>
               <a:t>组合结构图</a:t>
             </a:r>
-            <a:endParaRPr lang="zh-CN" altLang="en-US"/>
           </a:p>
         </p:txBody>
       </p:sp>
@@ -28685,7 +28150,6 @@
               <a:rPr lang="zh-CN" altLang="en-US"/>
               <a:t>参与者的配置情况。</a:t>
             </a:r>
-            <a:endParaRPr lang="zh-CN" altLang="en-US"/>
           </a:p>
         </p:txBody>
       </p:sp>
@@ -28794,7 +28258,7 @@
           <p:nvPr/>
         </p:nvPicPr>
         <p:blipFill>
-          <a:blip r:embed="rId1"/>
+          <a:blip r:embed="rId2"/>
           <a:stretch>
             <a:fillRect/>
           </a:stretch>
@@ -28994,7 +28458,6 @@
               <a:rPr lang="zh-CN" altLang="en-US"/>
               <a:t>是一种可用于详细描述的语言</a:t>
             </a:r>
-            <a:endParaRPr lang="zh-CN" altLang="en-US"/>
           </a:p>
         </p:txBody>
       </p:sp>
@@ -29022,7 +28485,6 @@
               <a:rPr lang="zh-CN" altLang="en-US"/>
               <a:t>适用于对所有重要的分析、设计和实现决策进行详细描述，使得所建的模型精确、无歧义和完整。</a:t>
             </a:r>
-            <a:endParaRPr lang="zh-CN" altLang="en-US"/>
           </a:p>
         </p:txBody>
       </p:sp>
@@ -29256,7 +28718,6 @@
               <a:rPr lang="zh-CN" altLang="en-US"/>
               <a:t>时间图</a:t>
             </a:r>
-            <a:endParaRPr lang="zh-CN" altLang="en-US"/>
           </a:p>
         </p:txBody>
       </p:sp>
@@ -29388,7 +28849,7 @@
           <p:nvPr/>
         </p:nvPicPr>
         <p:blipFill>
-          <a:blip r:embed="rId1"/>
+          <a:blip r:embed="rId2"/>
           <a:stretch>
             <a:fillRect/>
           </a:stretch>
@@ -29870,7 +29331,7 @@
           <a:p>
             <a:pPr algn="ctr"/>
             <a:r>
-              <a:rPr lang="zh-CN" altLang="en-US" sz="6000" dirty="0" smtClean="0">
+              <a:rPr lang="zh-CN" altLang="en-US" sz="6000" dirty="0">
                 <a:solidFill>
                   <a:prstClr val="white">
                     <a:lumMod val="95000"/>
@@ -29881,15 +29342,6 @@
               </a:rPr>
               <a:t>第九部分</a:t>
             </a:r>
-            <a:endParaRPr lang="zh-CN" altLang="en-US" sz="6000" dirty="0">
-              <a:solidFill>
-                <a:prstClr val="white">
-                  <a:lumMod val="95000"/>
-                </a:prstClr>
-              </a:solidFill>
-              <a:latin typeface="微软雅黑" panose="020B0503020204020204" pitchFamily="34" charset="-122"/>
-              <a:ea typeface="微软雅黑" panose="020B0503020204020204" pitchFamily="34" charset="-122"/>
-            </a:endParaRPr>
           </a:p>
         </p:txBody>
       </p:sp>
@@ -29929,15 +29381,6 @@
               </a:rPr>
               <a:t>系统开发阶段</a:t>
             </a:r>
-            <a:endParaRPr lang="zh-CN" altLang="en-US" sz="3200" dirty="0">
-              <a:solidFill>
-                <a:prstClr val="white">
-                  <a:lumMod val="95000"/>
-                </a:prstClr>
-              </a:solidFill>
-              <a:latin typeface="微软雅黑" panose="020B0503020204020204" pitchFamily="34" charset="-122"/>
-              <a:ea typeface="微软雅黑" panose="020B0503020204020204" pitchFamily="34" charset="-122"/>
-            </a:endParaRPr>
           </a:p>
         </p:txBody>
       </p:sp>
@@ -29946,13 +29389,6 @@
   <p:clrMapOvr>
     <a:masterClrMapping/>
   </p:clrMapOvr>
-  <p:timing>
-    <p:tnLst>
-      <p:par>
-        <p:cTn id="1" dur="indefinite" restart="never" nodeType="tmRoot"/>
-      </p:par>
-    </p:tnLst>
-  </p:timing>
 </p:sld>
 </file>
 
@@ -30015,7 +29451,6 @@
               <a:rPr lang="zh-CN" altLang="en-US" sz="2800"/>
               <a:t>个阶段：需求分析、系统分析、系统设计、程序实现和测试阶段。软件开发过程主要是描述开发软件系统所牵涉的相关活动，以及如何循序渐进地执行这些活动。不同的系统、组织及开发，其管理工具所采用的流程都有可能不同。</a:t>
             </a:r>
-            <a:endParaRPr lang="zh-CN" altLang="en-US" sz="2800"/>
           </a:p>
         </p:txBody>
       </p:sp>
@@ -30043,7 +29478,6 @@
               <a:rPr lang="zh-CN" altLang="en-US" sz="2800"/>
               <a:t>需求分析</a:t>
             </a:r>
-            <a:endParaRPr lang="zh-CN" altLang="en-US" sz="2800"/>
           </a:p>
         </p:txBody>
       </p:sp>
@@ -30071,7 +29505,6 @@
               <a:rPr lang="zh-CN" altLang="en-US" sz="2400"/>
               <a:t>需求分析的主要内容是了解客户的需求、分析系统的可行性、分析需求的一致性及正确性等。</a:t>
             </a:r>
-            <a:endParaRPr lang="zh-CN" altLang="en-US" sz="2400"/>
           </a:p>
         </p:txBody>
       </p:sp>
@@ -30099,7 +29532,6 @@
               <a:rPr lang="zh-CN" altLang="en-US" sz="2800"/>
               <a:t>设计</a:t>
             </a:r>
-            <a:endParaRPr lang="zh-CN" altLang="en-US" sz="2800"/>
           </a:p>
         </p:txBody>
       </p:sp>
@@ -30130,7 +29562,6 @@
               <a:rPr lang="zh-CN" altLang="en-US" sz="2400"/>
               <a:t>设计是将需求转换为系统的重要过程。它包括架构设计、模块间的接口设计、数据库设计、算法设计与数据结构设计等。</a:t>
             </a:r>
-            <a:endParaRPr lang="zh-CN" altLang="en-US" sz="2400"/>
           </a:p>
         </p:txBody>
       </p:sp>
@@ -30519,7 +29950,6 @@
               <a:rPr lang="zh-CN" altLang="en-US" sz="4400" b="0"/>
               <a:t>实现</a:t>
             </a:r>
-            <a:endParaRPr lang="zh-CN" altLang="en-US" sz="4400" b="0"/>
           </a:p>
         </p:txBody>
       </p:sp>
@@ -30547,7 +29977,6 @@
               <a:rPr lang="zh-CN" altLang="en-US"/>
               <a:t>实现指的是通过程序语言，将所设计的内容转化为可以执行的软件系统。除错是实现活动中不可避免的工作，主要是修改程序编写过程中产生的错误。除此之外，单元测试通常也会在实现阶段进行，目的是确认单元程序代码的正确性。当程序有错时，需要进行除错。</a:t>
             </a:r>
-            <a:endParaRPr lang="zh-CN" altLang="en-US"/>
           </a:p>
         </p:txBody>
       </p:sp>
@@ -30575,7 +30004,6 @@
               <a:rPr lang="zh-CN" altLang="en-US" sz="4400" b="0"/>
               <a:t>测试</a:t>
             </a:r>
-            <a:endParaRPr lang="zh-CN" altLang="en-US" sz="4400" b="0"/>
           </a:p>
         </p:txBody>
       </p:sp>
@@ -30603,7 +30031,6 @@
               <a:rPr lang="zh-CN" altLang="en-US"/>
               <a:t>测试是对实现的程序代码模块进行检测，检验其功能是否正确、性能是否符合要求。测试分为单元测试、集成测试、系统测试、验收测试。</a:t>
             </a:r>
-            <a:endParaRPr lang="zh-CN" altLang="en-US"/>
           </a:p>
         </p:txBody>
       </p:sp>
@@ -30936,7 +30363,7 @@
         </p:spPr>
         <p:txBody>
           <a:bodyPr>
-            <a:normAutofit/>
+            <a:normAutofit fontScale="90000"/>
           </a:bodyPr>
           <a:lstStyle/>
           <a:p>
@@ -31006,7 +30433,6 @@
               <a:rPr lang="zh-CN" altLang="en-US" sz="2800"/>
               <a:t>维护</a:t>
             </a:r>
-            <a:endParaRPr lang="zh-CN" altLang="en-US" sz="2800"/>
           </a:p>
         </p:txBody>
       </p:sp>
@@ -31034,7 +30460,6 @@
               <a:rPr lang="zh-CN" altLang="en-US" sz="2400"/>
               <a:t>维护的目的是确保已经发行的软件系统可以持续满足客户的需求。维护可以有以下几种情况：修复错误、增加或变更功能，以及因为平台改变所做的调整。</a:t>
             </a:r>
-            <a:endParaRPr lang="zh-CN" altLang="en-US" sz="2400"/>
           </a:p>
         </p:txBody>
       </p:sp>
@@ -31606,7 +31031,7 @@
           <a:p>
             <a:pPr algn="ctr"/>
             <a:r>
-              <a:rPr lang="zh-CN" altLang="en-US" sz="6000" dirty="0" smtClean="0">
+              <a:rPr lang="zh-CN" altLang="en-US" sz="6000" dirty="0">
                 <a:solidFill>
                   <a:prstClr val="white">
                     <a:lumMod val="95000"/>
@@ -31617,15 +31042,6 @@
               </a:rPr>
               <a:t>第十部分</a:t>
             </a:r>
-            <a:endParaRPr lang="zh-CN" altLang="en-US" sz="6000" dirty="0">
-              <a:solidFill>
-                <a:prstClr val="white">
-                  <a:lumMod val="95000"/>
-                </a:prstClr>
-              </a:solidFill>
-              <a:latin typeface="微软雅黑" panose="020B0503020204020204" pitchFamily="34" charset="-122"/>
-              <a:ea typeface="微软雅黑" panose="020B0503020204020204" pitchFamily="34" charset="-122"/>
-            </a:endParaRPr>
           </a:p>
         </p:txBody>
       </p:sp>
@@ -31665,15 +31081,6 @@
               </a:rPr>
               <a:t>为什么要建模</a:t>
             </a:r>
-            <a:endParaRPr lang="zh-CN" sz="3200" dirty="0">
-              <a:solidFill>
-                <a:prstClr val="white">
-                  <a:lumMod val="95000"/>
-                </a:prstClr>
-              </a:solidFill>
-              <a:latin typeface="微软雅黑" panose="020B0503020204020204" pitchFamily="34" charset="-122"/>
-              <a:ea typeface="微软雅黑" panose="020B0503020204020204" pitchFamily="34" charset="-122"/>
-            </a:endParaRPr>
           </a:p>
         </p:txBody>
       </p:sp>
@@ -31682,13 +31089,6 @@
   <p:clrMapOvr>
     <a:masterClrMapping/>
   </p:clrMapOvr>
-  <p:timing>
-    <p:tnLst>
-      <p:par>
-        <p:cTn id="1" dur="indefinite" restart="never" nodeType="tmRoot"/>
-      </p:par>
-    </p:tnLst>
-  </p:timing>
 </p:sld>
 </file>
 
@@ -31736,7 +31136,6 @@
               <a:rPr lang="zh-CN" altLang="en-US"/>
               <a:t>建模的重要性</a:t>
             </a:r>
-            <a:endParaRPr lang="zh-CN" altLang="en-US"/>
           </a:p>
         </p:txBody>
       </p:sp>
@@ -31773,9 +31172,6 @@
               </a:rPr>
               <a:t>                模型是对现实的简化。</a:t>
             </a:r>
-            <a:endParaRPr lang="zh-CN">
-              <a:sym typeface="+mn-ea"/>
-            </a:endParaRPr>
           </a:p>
           <a:p>
             <a:pPr marL="0" indent="0">
@@ -31787,9 +31183,6 @@
               </a:rPr>
               <a:t>   第二：为什么要建模？（重要性）</a:t>
             </a:r>
-            <a:endParaRPr lang="zh-CN">
-              <a:sym typeface="+mn-ea"/>
-            </a:endParaRPr>
           </a:p>
           <a:p>
             <a:pPr marL="0" indent="0">
@@ -31801,9 +31194,6 @@
               </a:rPr>
               <a:t>                建模是为了能够更好地理解正开发的系统。</a:t>
             </a:r>
-            <a:endParaRPr lang="zh-CN">
-              <a:sym typeface="+mn-ea"/>
-            </a:endParaRPr>
           </a:p>
           <a:p>
             <a:pPr marL="0" indent="0">
@@ -31815,9 +31205,6 @@
               </a:rPr>
               <a:t>                因为不能完整地理解一个复杂的系统，所以要对它建模。</a:t>
             </a:r>
-            <a:endParaRPr lang="zh-CN">
-              <a:sym typeface="+mn-ea"/>
-            </a:endParaRPr>
           </a:p>
           <a:p>
             <a:pPr marL="0" indent="0">
@@ -31959,6 +31346,7 @@
         </p:style>
         <p:txBody>
           <a:bodyPr rtlCol="0" anchor="ctr"/>
+          <a:lstStyle/>
           <a:p>
             <a:pPr algn="ctr"/>
             <a:endParaRPr lang="zh-CN" altLang="en-US"/>
@@ -32300,7 +31688,6 @@
               <a:rPr lang="zh-CN" altLang="en-US"/>
               <a:t>建模原理</a:t>
             </a:r>
-            <a:endParaRPr lang="zh-CN" altLang="en-US"/>
           </a:p>
         </p:txBody>
       </p:sp>
@@ -32339,7 +31726,6 @@
               <a:rPr lang="zh-CN" altLang="en-US"/>
               <a:t>第一：选择要创建什么模型，对如何动手解决和如何形成解决方案有着意义深远的影响。</a:t>
             </a:r>
-            <a:endParaRPr lang="zh-CN" altLang="en-US"/>
           </a:p>
           <a:p>
             <a:pPr marL="0" indent="0">
@@ -32349,7 +31735,6 @@
               <a:rPr lang="zh-CN" altLang="en-US"/>
               <a:t>第二：可以在不同的精度级别上表示每一种模型。</a:t>
             </a:r>
-            <a:endParaRPr lang="zh-CN" altLang="en-US"/>
           </a:p>
           <a:p>
             <a:pPr marL="0" indent="0">
@@ -32359,7 +31744,6 @@
               <a:rPr lang="zh-CN" altLang="en-US"/>
               <a:t>第三：最好的模型是与现实相联系的。</a:t>
             </a:r>
-            <a:endParaRPr lang="zh-CN" altLang="en-US"/>
           </a:p>
           <a:p>
             <a:pPr marL="0" indent="0">
@@ -32369,7 +31753,6 @@
               <a:rPr lang="zh-CN" altLang="en-US"/>
               <a:t>第四：单个模型或视图是不充分的。对每个重要的系统最好用一小组几乎独立的模型从多个视角去逼近。</a:t>
             </a:r>
-            <a:endParaRPr lang="zh-CN" altLang="en-US"/>
           </a:p>
         </p:txBody>
       </p:sp>
@@ -32502,13 +31885,13 @@
         </p:style>
         <p:txBody>
           <a:bodyPr rtlCol="0" anchor="ctr"/>
+          <a:lstStyle/>
           <a:p>
             <a:pPr algn="ctr"/>
             <a:r>
               <a:rPr lang="zh-CN" altLang="en-US"/>
               <a:t>建模的四项基本原理</a:t>
             </a:r>
-            <a:endParaRPr lang="zh-CN" altLang="en-US"/>
           </a:p>
         </p:txBody>
       </p:sp>
@@ -32930,7 +32313,7 @@
           <a:p>
             <a:pPr algn="ctr"/>
             <a:r>
-              <a:rPr lang="zh-CN" altLang="en-US" sz="6000" dirty="0" smtClean="0">
+              <a:rPr lang="zh-CN" altLang="en-US" sz="6000" dirty="0">
                 <a:solidFill>
                   <a:prstClr val="white">
                     <a:lumMod val="95000"/>
@@ -32941,15 +32324,6 @@
               </a:rPr>
               <a:t>第十一部分</a:t>
             </a:r>
-            <a:endParaRPr lang="zh-CN" altLang="en-US" sz="6000" dirty="0">
-              <a:solidFill>
-                <a:prstClr val="white">
-                  <a:lumMod val="95000"/>
-                </a:prstClr>
-              </a:solidFill>
-              <a:latin typeface="微软雅黑" panose="020B0503020204020204" pitchFamily="34" charset="-122"/>
-              <a:ea typeface="微软雅黑" panose="020B0503020204020204" pitchFamily="34" charset="-122"/>
-            </a:endParaRPr>
           </a:p>
         </p:txBody>
       </p:sp>
@@ -33001,15 +32375,6 @@
               </a:rPr>
               <a:t>建模工具</a:t>
             </a:r>
-            <a:endParaRPr lang="zh-CN" sz="3200" dirty="0">
-              <a:solidFill>
-                <a:prstClr val="white">
-                  <a:lumMod val="95000"/>
-                </a:prstClr>
-              </a:solidFill>
-              <a:latin typeface="微软雅黑" panose="020B0503020204020204" pitchFamily="34" charset="-122"/>
-              <a:ea typeface="微软雅黑" panose="020B0503020204020204" pitchFamily="34" charset="-122"/>
-            </a:endParaRPr>
           </a:p>
         </p:txBody>
       </p:sp>
@@ -33018,13 +32383,6 @@
   <p:clrMapOvr>
     <a:masterClrMapping/>
   </p:clrMapOvr>
-  <p:timing>
-    <p:tnLst>
-      <p:par>
-        <p:cTn id="1" dur="indefinite" restart="never" nodeType="tmRoot"/>
-      </p:par>
-    </p:tnLst>
-  </p:timing>
 </p:sld>
 </file>
 
@@ -33077,7 +32435,6 @@
               <a:rPr lang="zh-CN" altLang="en-US"/>
               <a:t>面向对象的软件建模工具应该具有以下功能 </a:t>
             </a:r>
-            <a:endParaRPr lang="zh-CN" altLang="en-US"/>
           </a:p>
         </p:txBody>
       </p:sp>
@@ -33128,7 +32485,6 @@
               <a:rPr lang="zh-CN" altLang="en-US"/>
               <a:t>、代码生成；</a:t>
             </a:r>
-            <a:endParaRPr lang="zh-CN" altLang="en-US"/>
           </a:p>
           <a:p>
             <a:pPr marL="0" indent="0">
@@ -33150,7 +32506,6 @@
               <a:rPr lang="zh-CN" altLang="en-US"/>
               <a:t>、逆向项目；</a:t>
             </a:r>
-            <a:endParaRPr lang="zh-CN" altLang="en-US"/>
           </a:p>
           <a:p>
             <a:pPr marL="0" indent="0">
@@ -33172,7 +32527,6 @@
               <a:rPr lang="zh-CN" altLang="en-US"/>
               <a:t>、集成；</a:t>
             </a:r>
-            <a:endParaRPr lang="zh-CN" altLang="en-US"/>
           </a:p>
           <a:p>
             <a:pPr marL="0" indent="0">
@@ -33194,7 +32548,6 @@
               <a:rPr lang="zh-CN" altLang="en-US"/>
               <a:t>、支持多种抽象层和开发过程</a:t>
             </a:r>
-            <a:endParaRPr lang="zh-CN" altLang="en-US"/>
           </a:p>
           <a:p>
             <a:pPr marL="0" indent="0">
@@ -33216,7 +32569,6 @@
               <a:rPr lang="zh-CN" altLang="en-US"/>
               <a:t>、文档生成</a:t>
             </a:r>
-            <a:endParaRPr lang="zh-CN" altLang="en-US"/>
           </a:p>
           <a:p>
             <a:pPr marL="0" indent="0">
@@ -33238,7 +32590,6 @@
               <a:rPr lang="zh-CN" altLang="en-US"/>
               <a:t>、脚本编程；</a:t>
             </a:r>
-            <a:endParaRPr lang="zh-CN" altLang="en-US"/>
           </a:p>
         </p:txBody>
       </p:sp>
@@ -33343,13 +32694,6 @@
   <p:clrMapOvr>
     <a:masterClrMapping/>
   </p:clrMapOvr>
-  <p:timing>
-    <p:tnLst>
-      <p:par>
-        <p:cTn id="1" dur="indefinite" restart="never" nodeType="tmRoot"/>
-      </p:par>
-    </p:tnLst>
-  </p:timing>
 </p:sld>
 </file>
 
@@ -33408,7 +32752,6 @@
               <a:rPr lang="zh-CN" altLang="en-US" sz="4400"/>
               <a:t>是一种用于构造的语言</a:t>
             </a:r>
-            <a:endParaRPr lang="zh-CN" altLang="en-US" sz="4400"/>
           </a:p>
         </p:txBody>
       </p:sp>
@@ -33456,7 +32799,6 @@
               <a:rPr lang="en-US" altLang="zh-CN"/>
               <a:t>                          </a:t>
             </a:r>
-            <a:endParaRPr lang="en-US" altLang="zh-CN"/>
           </a:p>
         </p:txBody>
       </p:sp>
@@ -33491,19 +32833,7 @@
               <a:rPr lang="zh-CN" altLang="en-US" sz="2400" dirty="0">
                 <a:sym typeface="+mn-ea"/>
               </a:rPr>
-              <a:t>描述的模型可与各种编程语言</a:t>
-            </a:r>
-            <a:r>
-              <a:rPr lang="zh-CN" altLang="en-US" sz="2400" dirty="0" smtClean="0">
-                <a:sym typeface="+mn-ea"/>
-              </a:rPr>
-              <a:t>直接相</a:t>
-            </a:r>
-            <a:r>
-              <a:rPr lang="zh-CN" altLang="en-US" sz="2400" dirty="0">
-                <a:sym typeface="+mn-ea"/>
-              </a:rPr>
-              <a:t>关联。对一个事物，如果表示为图形方式最为恰当，则用</a:t>
+              <a:t>描述的模型可与各种编程语言直接相关联。对一个事物，如果表示为图形方式最为恰当，则用</a:t>
             </a:r>
             <a:r>
               <a:rPr lang="en-US" altLang="zh-CN" sz="2400" dirty="0">
@@ -33665,7 +32995,6 @@
               <a:rPr lang="zh-CN" altLang="en-US"/>
               <a:t>模型</a:t>
             </a:r>
-            <a:endParaRPr lang="zh-CN" altLang="en-US"/>
           </a:p>
         </p:txBody>
       </p:sp>
@@ -33709,7 +33038,6 @@
               <a:rPr lang="zh-CN" altLang="en-US"/>
               <a:t>生成编程语言代码</a:t>
             </a:r>
-            <a:endParaRPr lang="zh-CN" altLang="en-US"/>
           </a:p>
         </p:txBody>
       </p:sp>
@@ -34057,7 +33385,6 @@
               <a:rPr lang="zh-CN"/>
               <a:t>常用的建模技术</a:t>
             </a:r>
-            <a:endParaRPr lang="zh-CN"/>
           </a:p>
         </p:txBody>
       </p:sp>
@@ -34109,10 +33436,6 @@
               </a:rPr>
               <a:t>A、识别用户或者实现者用于描述问题或者解决方案的哪些事物。用CRC卡和基于用况分析的技术帮助用户发现这些抽象</a:t>
             </a:r>
-            <a:endParaRPr lang="zh-CN" altLang="en-US" sz="2000">
-              <a:latin typeface="+mn-ea"/>
-              <a:cs typeface="+mn-ea"/>
-            </a:endParaRPr>
           </a:p>
           <a:p>
             <a:pPr marL="0" indent="0">
@@ -34125,10 +33448,6 @@
               </a:rPr>
               <a:t>B、对于每个抽象，识别一个职责集。确保能清楚的定义每个类，而且这些职责能在所有的类之间很好的均衡。</a:t>
             </a:r>
-            <a:endParaRPr lang="zh-CN" altLang="en-US" sz="2000">
-              <a:latin typeface="+mn-ea"/>
-              <a:cs typeface="+mn-ea"/>
-            </a:endParaRPr>
           </a:p>
           <a:p>
             <a:pPr marL="0" indent="0">
@@ -34141,10 +33460,6 @@
               </a:rPr>
               <a:t>C、提供为实现每个类的职责所需的属性和操作。</a:t>
             </a:r>
-            <a:endParaRPr lang="zh-CN" altLang="en-US" sz="2000">
-              <a:latin typeface="+mn-ea"/>
-              <a:cs typeface="+mn-ea"/>
-            </a:endParaRPr>
           </a:p>
           <a:p>
             <a:pPr marL="0" indent="0">
@@ -34157,10 +33472,6 @@
               </a:rPr>
               <a:t>2 对系统中的职责分布建模</a:t>
             </a:r>
-            <a:endParaRPr lang="zh-CN" altLang="en-US" sz="2000" b="1">
-              <a:latin typeface="+mn-ea"/>
-              <a:cs typeface="+mn-ea"/>
-            </a:endParaRPr>
           </a:p>
           <a:p>
             <a:pPr marL="0" indent="0">
@@ -34173,10 +33484,6 @@
               </a:rPr>
               <a:t>A、识别一组为了完成某些行为而紧密地协同工作的类</a:t>
             </a:r>
-            <a:endParaRPr lang="zh-CN" altLang="en-US" sz="2000">
-              <a:latin typeface="+mn-ea"/>
-              <a:cs typeface="+mn-ea"/>
-            </a:endParaRPr>
           </a:p>
           <a:p>
             <a:pPr marL="0" indent="0">
@@ -34189,10 +33496,6 @@
               </a:rPr>
               <a:t>B、对上述的每个类识别出一组职责</a:t>
             </a:r>
-            <a:endParaRPr lang="zh-CN" altLang="en-US" sz="2000">
-              <a:latin typeface="+mn-ea"/>
-              <a:cs typeface="+mn-ea"/>
-            </a:endParaRPr>
           </a:p>
           <a:p>
             <a:pPr marL="0" indent="0">
@@ -34205,10 +33508,6 @@
               </a:rPr>
               <a:t>C、从整体上观察这组类，把职责过多的类分解成较小的抽象，吧职责过于琐碎的小类合成较大的类，重新分配职责以使每一个抽象合理的存在</a:t>
             </a:r>
-            <a:endParaRPr lang="zh-CN" altLang="en-US" sz="2000">
-              <a:latin typeface="+mn-ea"/>
-              <a:cs typeface="+mn-ea"/>
-            </a:endParaRPr>
           </a:p>
           <a:p>
             <a:pPr marL="0" indent="0">
@@ -34221,10 +33520,6 @@
               </a:rPr>
               <a:t>D、考虑这些类的相互协作方式，相应的重新分配他们的职责，是协作中没有哪个类的职责过多或过少</a:t>
             </a:r>
-            <a:endParaRPr lang="zh-CN" altLang="en-US" sz="2000">
-              <a:latin typeface="+mn-ea"/>
-              <a:cs typeface="+mn-ea"/>
-            </a:endParaRPr>
           </a:p>
         </p:txBody>
       </p:sp>
@@ -34329,13 +33624,6 @@
   <p:clrMapOvr>
     <a:masterClrMapping/>
   </p:clrMapOvr>
-  <p:timing>
-    <p:tnLst>
-      <p:par>
-        <p:cTn id="1" dur="indefinite" restart="never" nodeType="tmRoot"/>
-      </p:par>
-    </p:tnLst>
-  </p:timing>
 </p:sld>
 </file>
 
@@ -34393,7 +33681,6 @@
               <a:rPr lang="zh-CN" altLang="en-US"/>
               <a:t>建模的技巧和提示</a:t>
             </a:r>
-            <a:endParaRPr lang="zh-CN" altLang="en-US"/>
           </a:p>
         </p:txBody>
       </p:sp>
@@ -34429,10 +33716,6 @@
               </a:rPr>
               <a:t>对最终用户或者实现这来说，各个类都应该映射到某个有幸的或者概念性的抽象。一个结构良好的类，应满足如下条件</a:t>
             </a:r>
-            <a:endParaRPr>
-              <a:latin typeface="+mn-ea"/>
-              <a:cs typeface="+mn-ea"/>
-            </a:endParaRPr>
           </a:p>
           <a:p>
             <a:pPr marL="0" indent="0">
@@ -34445,10 +33728,6 @@
               </a:rPr>
               <a:t>A、为取自问题域或者解域的词汇中的事物提供明确的抽象</a:t>
             </a:r>
-            <a:endParaRPr>
-              <a:latin typeface="+mn-ea"/>
-              <a:cs typeface="+mn-ea"/>
-            </a:endParaRPr>
           </a:p>
           <a:p>
             <a:pPr marL="0" indent="0">
@@ -34461,10 +33740,6 @@
               </a:rPr>
               <a:t>B、嵌入一个小的、明确定义的职责集，并且能很好的实现它们</a:t>
             </a:r>
-            <a:endParaRPr>
-              <a:latin typeface="+mn-ea"/>
-              <a:cs typeface="+mn-ea"/>
-            </a:endParaRPr>
           </a:p>
           <a:p>
             <a:pPr marL="0" indent="0">
@@ -34477,10 +33752,6 @@
               </a:rPr>
               <a:t>C、把抽象的规约和它的实现清楚地分开</a:t>
             </a:r>
-            <a:endParaRPr>
-              <a:latin typeface="+mn-ea"/>
-              <a:cs typeface="+mn-ea"/>
-            </a:endParaRPr>
           </a:p>
           <a:p>
             <a:pPr marL="0" indent="0">
@@ -34493,10 +33764,6 @@
               </a:rPr>
               <a:t>D、简单而且可理解，并具有可适应性和可扩展性</a:t>
             </a:r>
-            <a:endParaRPr>
-              <a:latin typeface="+mn-ea"/>
-              <a:cs typeface="+mn-ea"/>
-            </a:endParaRPr>
           </a:p>
           <a:p>
             <a:pPr marL="0" indent="0">
@@ -34518,10 +33785,6 @@
               </a:rPr>
               <a:t>当用UML绘制一个类时，要遵循如下策略</a:t>
             </a:r>
-            <a:endParaRPr>
-              <a:latin typeface="+mn-ea"/>
-              <a:cs typeface="+mn-ea"/>
-            </a:endParaRPr>
           </a:p>
           <a:p>
             <a:pPr marL="0" indent="0">
@@ -34534,10 +33797,6 @@
               </a:rPr>
               <a:t>A、仅显示在该类的语境中对于理解抽象较为重要的类的特性</a:t>
             </a:r>
-            <a:endParaRPr>
-              <a:latin typeface="+mn-ea"/>
-              <a:cs typeface="+mn-ea"/>
-            </a:endParaRPr>
           </a:p>
           <a:p>
             <a:pPr marL="0" indent="0">
@@ -34550,10 +33809,6 @@
               </a:rPr>
               <a:t>B、按属性和操作的种类进行分组，以更好地组织其长列表</a:t>
             </a:r>
-            <a:endParaRPr>
-              <a:latin typeface="+mn-ea"/>
-              <a:cs typeface="+mn-ea"/>
-            </a:endParaRPr>
           </a:p>
           <a:p>
             <a:pPr marL="0" indent="0">
@@ -34566,10 +33821,6 @@
               </a:rPr>
               <a:t>C、把相关的类显示在同一个类图中</a:t>
             </a:r>
-            <a:endParaRPr>
-              <a:latin typeface="+mn-ea"/>
-              <a:cs typeface="+mn-ea"/>
-            </a:endParaRPr>
           </a:p>
         </p:txBody>
       </p:sp>
@@ -34674,13 +33925,6 @@
   <p:clrMapOvr>
     <a:masterClrMapping/>
   </p:clrMapOvr>
-  <p:timing>
-    <p:tnLst>
-      <p:par>
-        <p:cTn id="1" dur="indefinite" restart="never" nodeType="tmRoot"/>
-      </p:par>
-    </p:tnLst>
-  </p:timing>
 </p:sld>
 </file>
 
@@ -35018,7 +34262,7 @@
           <a:p>
             <a:pPr algn="ctr"/>
             <a:r>
-              <a:rPr lang="zh-CN" altLang="en-US" sz="6000" dirty="0" smtClean="0">
+              <a:rPr lang="zh-CN" altLang="en-US" sz="6000" dirty="0">
                 <a:solidFill>
                   <a:schemeClr val="bg1">
                     <a:lumMod val="95000"/>
@@ -35029,15 +34273,6 @@
               </a:rPr>
               <a:t>第十二部分</a:t>
             </a:r>
-            <a:endParaRPr lang="zh-CN" altLang="en-US" sz="6000" dirty="0">
-              <a:solidFill>
-                <a:schemeClr val="bg1">
-                  <a:lumMod val="95000"/>
-                </a:schemeClr>
-              </a:solidFill>
-              <a:latin typeface="微软雅黑" panose="020B0503020204020204" pitchFamily="34" charset="-122"/>
-              <a:ea typeface="微软雅黑" panose="020B0503020204020204" pitchFamily="34" charset="-122"/>
-            </a:endParaRPr>
           </a:p>
         </p:txBody>
       </p:sp>
@@ -35077,6 +34312,18 @@
               </a:rPr>
               <a:t>问答</a:t>
             </a:r>
+            <a:r>
+              <a:rPr lang="zh-CN" altLang="en-US" sz="3200" dirty="0">
+                <a:solidFill>
+                  <a:schemeClr val="bg1">
+                    <a:lumMod val="95000"/>
+                  </a:schemeClr>
+                </a:solidFill>
+                <a:latin typeface="微软雅黑" panose="020B0503020204020204" pitchFamily="34" charset="-122"/>
+                <a:ea typeface="微软雅黑" panose="020B0503020204020204" pitchFamily="34" charset="-122"/>
+              </a:rPr>
+              <a:t>及小组评价</a:t>
+            </a:r>
             <a:endParaRPr lang="zh-CN" sz="3200" dirty="0">
               <a:solidFill>
                 <a:schemeClr val="bg1">
@@ -35094,13 +34341,6 @@
   <p:clrMapOvr>
     <a:masterClrMapping/>
   </p:clrMapOvr>
-  <p:timing>
-    <p:tnLst>
-      <p:par>
-        <p:cTn id="1" dur="indefinite" restart="never" nodeType="tmRoot"/>
-      </p:par>
-    </p:tnLst>
-  </p:timing>
 </p:sld>
 </file>
 
@@ -35151,10 +34391,9 @@
           <a:p>
             <a:pPr algn="ctr"/>
             <a:r>
-              <a:rPr lang="zh-CN"/>
+              <a:rPr lang="zh-CN" dirty="0"/>
               <a:t>问题</a:t>
             </a:r>
-            <a:endParaRPr lang="zh-CN"/>
           </a:p>
         </p:txBody>
       </p:sp>
@@ -35184,29 +34423,30 @@
               <a:buNone/>
             </a:pPr>
             <a:r>
-              <a:rPr lang="zh-CN">
+              <a:rPr lang="zh-CN" dirty="0">
                 <a:latin typeface="+mn-ea"/>
                 <a:cs typeface="+mn-ea"/>
               </a:rPr>
               <a:t>问题一：什么是CRC卡？</a:t>
             </a:r>
-            <a:endParaRPr lang="zh-CN">
-              <a:latin typeface="+mn-ea"/>
-              <a:cs typeface="+mn-ea"/>
-            </a:endParaRPr>
           </a:p>
           <a:p>
             <a:pPr marL="0" indent="0">
               <a:buNone/>
             </a:pPr>
             <a:r>
-              <a:rPr lang="zh-CN">
+              <a:rPr lang="zh-CN" dirty="0">
                 <a:latin typeface="+mn-ea"/>
                 <a:cs typeface="+mn-ea"/>
               </a:rPr>
               <a:t>问题二：简述面向对象开发的过程。</a:t>
             </a:r>
-            <a:endParaRPr lang="zh-CN">
+          </a:p>
+          <a:p>
+            <a:pPr marL="0" indent="0">
+              <a:buNone/>
+            </a:pPr>
+            <a:endParaRPr lang="zh-CN" dirty="0">
               <a:latin typeface="+mn-ea"/>
               <a:cs typeface="+mn-ea"/>
             </a:endParaRPr>
@@ -35215,26 +34455,13 @@
             <a:pPr marL="0" indent="0">
               <a:buNone/>
             </a:pPr>
-            <a:endParaRPr lang="zh-CN">
-              <a:latin typeface="+mn-ea"/>
-              <a:cs typeface="+mn-ea"/>
-            </a:endParaRPr>
-          </a:p>
-          <a:p>
-            <a:pPr marL="0" indent="0">
-              <a:buNone/>
-            </a:pPr>
-            <a:r>
-              <a:rPr lang="zh-CN">
+            <a:r>
+              <a:rPr lang="zh-CN" dirty="0">
                 <a:latin typeface="+mn-ea"/>
                 <a:cs typeface="+mn-ea"/>
               </a:rPr>
               <a:t>开放题：在我们生活中有什么可以利用建模来解决问题，并谈谈你对建模的理解。</a:t>
             </a:r>
-            <a:endParaRPr lang="zh-CN">
-              <a:latin typeface="+mn-ea"/>
-              <a:cs typeface="+mn-ea"/>
-            </a:endParaRPr>
           </a:p>
         </p:txBody>
       </p:sp>
@@ -35339,13 +34566,6 @@
   <p:clrMapOvr>
     <a:masterClrMapping/>
   </p:clrMapOvr>
-  <p:timing>
-    <p:tnLst>
-      <p:par>
-        <p:cTn id="1" dur="indefinite" restart="never" nodeType="tmRoot"/>
-      </p:par>
-    </p:tnLst>
-  </p:timing>
 </p:sld>
 </file>
 
@@ -35399,7 +34619,6 @@
               <a:rPr lang="zh-CN"/>
               <a:t>问题的参考答案</a:t>
             </a:r>
-            <a:endParaRPr lang="zh-CN"/>
           </a:p>
         </p:txBody>
       </p:sp>
@@ -35435,10 +34654,6 @@
               </a:rPr>
               <a:t>问题一：CRC卡是一个标准索引卡集合，每一张卡片表示一个类。</a:t>
             </a:r>
-            <a:endParaRPr lang="zh-CN">
-              <a:latin typeface="+mn-ea"/>
-              <a:cs typeface="+mn-ea"/>
-            </a:endParaRPr>
           </a:p>
           <a:p>
             <a:pPr marL="0" indent="0">
@@ -35451,10 +34666,6 @@
               </a:rPr>
               <a:t>        Class-Responsibility-Collaborator</a:t>
             </a:r>
-            <a:endParaRPr lang="zh-CN">
-              <a:latin typeface="+mn-ea"/>
-              <a:cs typeface="+mn-ea"/>
-            </a:endParaRPr>
           </a:p>
           <a:p>
             <a:pPr marL="0" indent="0">
@@ -35467,10 +34678,6 @@
               </a:rPr>
               <a:t>       类名在最上方，类的职责在左侧，类的协作关系放在右侧。</a:t>
             </a:r>
-            <a:endParaRPr lang="zh-CN">
-              <a:latin typeface="+mn-ea"/>
-              <a:cs typeface="+mn-ea"/>
-            </a:endParaRPr>
           </a:p>
           <a:p>
             <a:pPr marL="0" indent="0">
@@ -35483,10 +34690,6 @@
               </a:rPr>
               <a:t>问题二：《UML2基础、建模与设计教程》p22</a:t>
             </a:r>
-            <a:endParaRPr lang="zh-CN">
-              <a:latin typeface="+mn-ea"/>
-              <a:cs typeface="+mn-ea"/>
-            </a:endParaRPr>
           </a:p>
           <a:p>
             <a:pPr marL="0" indent="0">
@@ -35499,10 +34702,6 @@
               </a:rPr>
               <a:t>         A、系统调查和需求分析，分析问题并求解</a:t>
             </a:r>
-            <a:endParaRPr lang="zh-CN">
-              <a:latin typeface="+mn-ea"/>
-              <a:cs typeface="+mn-ea"/>
-            </a:endParaRPr>
           </a:p>
           <a:p>
             <a:pPr marL="0" indent="0">
@@ -35515,10 +34714,6 @@
               </a:rPr>
               <a:t>         B、整理问题：对第一阶段的结果进一步抽象、归类整理</a:t>
             </a:r>
-            <a:endParaRPr lang="zh-CN">
-              <a:latin typeface="+mn-ea"/>
-              <a:cs typeface="+mn-ea"/>
-            </a:endParaRPr>
           </a:p>
           <a:p>
             <a:pPr marL="0" indent="0">
@@ -35531,10 +34726,6 @@
               </a:rPr>
               <a:t>         C、程序实现</a:t>
             </a:r>
-            <a:endParaRPr lang="zh-CN">
-              <a:latin typeface="+mn-ea"/>
-              <a:cs typeface="+mn-ea"/>
-            </a:endParaRPr>
           </a:p>
           <a:p>
             <a:pPr marL="0" indent="0">
@@ -35568,10 +34759,6 @@
               </a:rPr>
               <a:t>系统测试</a:t>
             </a:r>
-            <a:endParaRPr lang="zh-CN">
-              <a:latin typeface="+mn-ea"/>
-              <a:cs typeface="+mn-ea"/>
-            </a:endParaRPr>
           </a:p>
           <a:p>
             <a:pPr marL="0" indent="0">
@@ -35694,13 +34881,6 @@
   <p:clrMapOvr>
     <a:masterClrMapping/>
   </p:clrMapOvr>
-  <p:timing>
-    <p:tnLst>
-      <p:par>
-        <p:cTn id="1" dur="indefinite" restart="never" nodeType="tmRoot"/>
-      </p:par>
-    </p:tnLst>
-  </p:timing>
 </p:sld>
 </file>
 
@@ -35751,10 +34931,9 @@
           <a:p>
             <a:pPr algn="ctr"/>
             <a:r>
-              <a:rPr lang="zh-CN"/>
+              <a:rPr lang="zh-CN" dirty="0"/>
               <a:t>小组成员分工及评价</a:t>
             </a:r>
-            <a:endParaRPr lang="zh-CN"/>
           </a:p>
         </p:txBody>
       </p:sp>
@@ -35783,7 +34962,190 @@
             <a:pPr marL="0" indent="0">
               <a:buNone/>
             </a:pPr>
-            <a:endParaRPr lang="zh-CN">
+            <a:r>
+              <a:rPr lang="zh-CN" altLang="en-US" dirty="0">
+                <a:latin typeface="+mn-ea"/>
+                <a:cs typeface="+mn-ea"/>
+              </a:rPr>
+              <a:t>陈妍蓝：搜集整理资料。</a:t>
+            </a:r>
+            <a:r>
+              <a:rPr lang="en-US" altLang="zh-CN" dirty="0">
+                <a:latin typeface="+mn-ea"/>
+                <a:cs typeface="+mn-ea"/>
+              </a:rPr>
+              <a:t>80</a:t>
+            </a:r>
+            <a:r>
+              <a:rPr lang="zh-CN" altLang="en-US" dirty="0">
+                <a:latin typeface="+mn-ea"/>
+                <a:cs typeface="+mn-ea"/>
+              </a:rPr>
+              <a:t>分</a:t>
+            </a:r>
+            <a:endParaRPr lang="en-US" altLang="zh-CN" dirty="0">
+              <a:latin typeface="+mn-ea"/>
+              <a:cs typeface="+mn-ea"/>
+            </a:endParaRPr>
+          </a:p>
+          <a:p>
+            <a:pPr marL="0" indent="0">
+              <a:buNone/>
+            </a:pPr>
+            <a:r>
+              <a:rPr lang="zh-CN" altLang="en-US" dirty="0">
+                <a:latin typeface="+mn-ea"/>
+                <a:cs typeface="+mn-ea"/>
+              </a:rPr>
+              <a:t>陈遵义：搜集整理资料。</a:t>
+            </a:r>
+            <a:r>
+              <a:rPr lang="en-US" altLang="zh-CN" dirty="0">
+                <a:latin typeface="+mn-ea"/>
+                <a:cs typeface="+mn-ea"/>
+              </a:rPr>
+              <a:t>70</a:t>
+            </a:r>
+            <a:r>
+              <a:rPr lang="zh-CN" altLang="en-US" dirty="0">
+                <a:latin typeface="+mn-ea"/>
+                <a:cs typeface="+mn-ea"/>
+              </a:rPr>
+              <a:t>分</a:t>
+            </a:r>
+            <a:endParaRPr lang="en-US" altLang="zh-CN" dirty="0">
+              <a:latin typeface="+mn-ea"/>
+              <a:cs typeface="+mn-ea"/>
+            </a:endParaRPr>
+          </a:p>
+          <a:p>
+            <a:pPr marL="0" indent="0">
+              <a:buNone/>
+            </a:pPr>
+            <a:r>
+              <a:rPr lang="zh-CN" altLang="en-US" dirty="0">
+                <a:latin typeface="+mn-ea"/>
+                <a:cs typeface="+mn-ea"/>
+              </a:rPr>
+              <a:t>宋翼虎：搜集整理资料，制作</a:t>
+            </a:r>
+            <a:r>
+              <a:rPr lang="en-US" altLang="zh-CN" dirty="0">
+                <a:latin typeface="+mn-ea"/>
+                <a:cs typeface="+mn-ea"/>
+              </a:rPr>
+              <a:t>PPT</a:t>
+            </a:r>
+            <a:r>
+              <a:rPr lang="zh-CN" altLang="en-US" dirty="0">
+                <a:latin typeface="+mn-ea"/>
+                <a:cs typeface="+mn-ea"/>
+              </a:rPr>
+              <a:t>的大部分内容。</a:t>
+            </a:r>
+            <a:r>
+              <a:rPr lang="en-US" altLang="zh-CN" dirty="0">
+                <a:latin typeface="+mn-ea"/>
+                <a:cs typeface="+mn-ea"/>
+              </a:rPr>
+              <a:t>85</a:t>
+            </a:r>
+            <a:r>
+              <a:rPr lang="zh-CN" altLang="en-US" dirty="0">
+                <a:latin typeface="+mn-ea"/>
+                <a:cs typeface="+mn-ea"/>
+              </a:rPr>
+              <a:t>分</a:t>
+            </a:r>
+            <a:endParaRPr lang="en-US" altLang="zh-CN" dirty="0">
+              <a:latin typeface="+mn-ea"/>
+              <a:cs typeface="+mn-ea"/>
+            </a:endParaRPr>
+          </a:p>
+          <a:p>
+            <a:pPr marL="0" indent="0">
+              <a:buNone/>
+            </a:pPr>
+            <a:r>
+              <a:rPr lang="zh-CN" altLang="en-US" dirty="0">
+                <a:latin typeface="+mn-ea"/>
+                <a:cs typeface="+mn-ea"/>
+              </a:rPr>
+              <a:t>郑巧雁：搜集整理资料，制作</a:t>
+            </a:r>
+            <a:r>
+              <a:rPr lang="en-US" altLang="zh-CN" dirty="0">
+                <a:latin typeface="+mn-ea"/>
+                <a:cs typeface="+mn-ea"/>
+              </a:rPr>
+              <a:t>PPT</a:t>
+            </a:r>
+            <a:r>
+              <a:rPr lang="zh-CN" altLang="en-US" dirty="0">
+                <a:latin typeface="+mn-ea"/>
+                <a:cs typeface="+mn-ea"/>
+              </a:rPr>
+              <a:t>最后</a:t>
+            </a:r>
+            <a:r>
+              <a:rPr lang="en-US" altLang="zh-CN" dirty="0">
+                <a:latin typeface="+mn-ea"/>
+                <a:cs typeface="+mn-ea"/>
+              </a:rPr>
+              <a:t>10</a:t>
+            </a:r>
+            <a:r>
+              <a:rPr lang="zh-CN" altLang="en-US" dirty="0">
+                <a:latin typeface="+mn-ea"/>
+                <a:cs typeface="+mn-ea"/>
+              </a:rPr>
+              <a:t>页左右的内容。</a:t>
+            </a:r>
+            <a:r>
+              <a:rPr lang="en-US" altLang="zh-CN" dirty="0">
+                <a:latin typeface="+mn-ea"/>
+                <a:cs typeface="+mn-ea"/>
+              </a:rPr>
+              <a:t>80</a:t>
+            </a:r>
+            <a:r>
+              <a:rPr lang="zh-CN" altLang="en-US" dirty="0">
+                <a:latin typeface="+mn-ea"/>
+                <a:cs typeface="+mn-ea"/>
+              </a:rPr>
+              <a:t>分</a:t>
+            </a:r>
+            <a:endParaRPr lang="en-US" altLang="zh-CN" dirty="0">
+              <a:latin typeface="+mn-ea"/>
+              <a:cs typeface="+mn-ea"/>
+            </a:endParaRPr>
+          </a:p>
+          <a:p>
+            <a:pPr marL="0" indent="0">
+              <a:buNone/>
+            </a:pPr>
+            <a:r>
+              <a:rPr lang="zh-CN" altLang="en-US" dirty="0">
+                <a:latin typeface="+mn-ea"/>
+                <a:cs typeface="+mn-ea"/>
+              </a:rPr>
+              <a:t>张琦：搜集整理资料。</a:t>
+            </a:r>
+            <a:r>
+              <a:rPr lang="en-US" altLang="zh-CN" dirty="0">
+                <a:latin typeface="+mn-ea"/>
+                <a:cs typeface="+mn-ea"/>
+              </a:rPr>
+              <a:t>70</a:t>
+            </a:r>
+            <a:r>
+              <a:rPr lang="zh-CN" altLang="en-US" dirty="0">
+                <a:latin typeface="+mn-ea"/>
+                <a:cs typeface="+mn-ea"/>
+              </a:rPr>
+              <a:t>分</a:t>
+            </a:r>
+            <a:endParaRPr lang="zh-CN" dirty="0">
               <a:latin typeface="+mn-ea"/>
               <a:cs typeface="+mn-ea"/>
             </a:endParaRPr>
@@ -35891,13 +35253,6 @@
   <p:clrMapOvr>
     <a:masterClrMapping/>
   </p:clrMapOvr>
-  <p:timing>
-    <p:tnLst>
-      <p:par>
-        <p:cTn id="1" dur="indefinite" restart="never" nodeType="tmRoot"/>
-      </p:par>
-    </p:tnLst>
-  </p:timing>
 </p:sld>
 </file>
 
@@ -36354,7 +35709,7 @@
           <a:lstStyle/>
           <a:p>
             <a:r>
-              <a:rPr lang="zh-CN" altLang="en-US" sz="8000" dirty="0" smtClean="0">
+              <a:rPr lang="zh-CN" altLang="en-US" sz="8000" dirty="0">
                 <a:solidFill>
                   <a:srgbClr val="002B41"/>
                 </a:solidFill>
@@ -36363,13 +35718,6 @@
               </a:rPr>
               <a:t>感谢观看</a:t>
             </a:r>
-            <a:endParaRPr lang="zh-CN" altLang="en-US" sz="8000" dirty="0">
-              <a:solidFill>
-                <a:srgbClr val="002B41"/>
-              </a:solidFill>
-              <a:latin typeface="微软雅黑" panose="020B0503020204020204" pitchFamily="34" charset="-122"/>
-              <a:ea typeface="微软雅黑" panose="020B0503020204020204" pitchFamily="34" charset="-122"/>
-            </a:endParaRPr>
           </a:p>
         </p:txBody>
       </p:sp>
@@ -36378,13 +35726,6 @@
   <p:clrMapOvr>
     <a:masterClrMapping/>
   </p:clrMapOvr>
-  <p:timing>
-    <p:tnLst>
-      <p:par>
-        <p:cTn id="1" dur="indefinite" restart="never" nodeType="tmRoot"/>
-      </p:par>
-    </p:tnLst>
-  </p:timing>
 </p:sld>
 </file>
 
@@ -36438,7 +35779,6 @@
               <a:rPr lang="zh-CN" altLang="en-US"/>
               <a:t>是一种用于文档化的语言</a:t>
             </a:r>
-            <a:endParaRPr lang="zh-CN" altLang="en-US"/>
           </a:p>
         </p:txBody>
       </p:sp>
@@ -36466,7 +35806,6 @@
               <a:rPr lang="zh-CN" altLang="en-US"/>
               <a:t>适于建立系统体系结构及其所有细节的文档，并且它还提供了用于表达需求和用于测试的语言。</a:t>
             </a:r>
-            <a:endParaRPr lang="zh-CN" altLang="en-US"/>
           </a:p>
         </p:txBody>
       </p:sp>
@@ -36706,7 +36045,6 @@
               <a:rPr lang="en-US" altLang="zh-CN"/>
               <a:t>UML</a:t>
             </a:r>
-            <a:endParaRPr lang="en-US" altLang="zh-CN"/>
           </a:p>
         </p:txBody>
       </p:sp>
@@ -36742,7 +36080,6 @@
               <a:rPr lang="zh-CN" altLang="en-US"/>
               <a:t>：</a:t>
             </a:r>
-            <a:endParaRPr lang="zh-CN" altLang="en-US"/>
           </a:p>
           <a:p>
             <a:pPr marL="457200" lvl="1" indent="0" algn="l">
@@ -36752,7 +36089,6 @@
               <a:rPr lang="zh-CN" altLang="en-US"/>
               <a:t>企业信息系统</a:t>
             </a:r>
-            <a:endParaRPr lang="zh-CN" altLang="en-US"/>
           </a:p>
           <a:p>
             <a:pPr marL="457200" lvl="1" indent="0" algn="l">
@@ -36762,7 +36098,6 @@
               <a:rPr lang="zh-CN" altLang="en-US"/>
               <a:t>银行与金融服务</a:t>
             </a:r>
-            <a:endParaRPr lang="zh-CN" altLang="en-US"/>
           </a:p>
           <a:p>
             <a:pPr marL="457200" lvl="1" indent="0" algn="l">
@@ -36772,7 +36107,6 @@
               <a:rPr lang="zh-CN" altLang="en-US"/>
               <a:t>电信</a:t>
             </a:r>
-            <a:endParaRPr lang="zh-CN" altLang="en-US"/>
           </a:p>
           <a:p>
             <a:pPr marL="457200" lvl="1" indent="0" algn="l">
@@ -36782,7 +36116,6 @@
               <a:rPr lang="zh-CN" altLang="en-US"/>
               <a:t>运输</a:t>
             </a:r>
-            <a:endParaRPr lang="zh-CN" altLang="en-US"/>
           </a:p>
           <a:p>
             <a:pPr marL="457200" lvl="1" indent="0" algn="l">
@@ -36800,7 +36133,6 @@
               <a:rPr lang="zh-CN" altLang="en-US"/>
               <a:t>航天</a:t>
             </a:r>
-            <a:endParaRPr lang="zh-CN" altLang="en-US"/>
           </a:p>
           <a:p>
             <a:pPr marL="457200" lvl="1" indent="0" algn="l">
@@ -36810,7 +36142,6 @@
               <a:rPr lang="zh-CN" altLang="en-US"/>
               <a:t>零售</a:t>
             </a:r>
-            <a:endParaRPr lang="zh-CN" altLang="en-US"/>
           </a:p>
           <a:p>
             <a:pPr marL="457200" lvl="1" indent="0" algn="l">
@@ -36820,7 +36151,6 @@
               <a:rPr lang="zh-CN" altLang="en-US"/>
               <a:t>医疗电子</a:t>
             </a:r>
-            <a:endParaRPr lang="zh-CN" altLang="en-US"/>
           </a:p>
           <a:p>
             <a:pPr marL="457200" lvl="1" indent="0" algn="l">
@@ -36830,7 +36160,6 @@
               <a:rPr lang="zh-CN" altLang="en-US"/>
               <a:t>科学</a:t>
             </a:r>
-            <a:endParaRPr lang="zh-CN" altLang="en-US"/>
           </a:p>
           <a:p>
             <a:pPr marL="457200" lvl="1" indent="0" algn="l">
@@ -36848,7 +36177,6 @@
               <a:rPr lang="zh-CN" altLang="en-US"/>
               <a:t>的分布式服务</a:t>
             </a:r>
-            <a:endParaRPr lang="zh-CN" altLang="en-US"/>
           </a:p>
         </p:txBody>
       </p:sp>
@@ -37336,97 +36664,97 @@
 </file>
 
 <file path=ppt/tags/tag1.xml><?xml version="1.0" encoding="utf-8"?>
-<p:tagLst xmlns:p="http://schemas.openxmlformats.org/presentationml/2006/main">
+<p:tagLst xmlns:a="http://schemas.openxmlformats.org/drawingml/2006/main" xmlns:r="http://schemas.openxmlformats.org/officeDocument/2006/relationships" xmlns:p="http://schemas.openxmlformats.org/presentationml/2006/main">
   <p:tag name="PA" val="v3.0.1"/>
 </p:tagLst>
 </file>
 
 <file path=ppt/tags/tag10.xml><?xml version="1.0" encoding="utf-8"?>
-<p:tagLst xmlns:p="http://schemas.openxmlformats.org/presentationml/2006/main">
+<p:tagLst xmlns:a="http://schemas.openxmlformats.org/drawingml/2006/main" xmlns:r="http://schemas.openxmlformats.org/officeDocument/2006/relationships" xmlns:p="http://schemas.openxmlformats.org/presentationml/2006/main">
   <p:tag name="PA" val="v3.0.1"/>
 </p:tagLst>
 </file>
 
 <file path=ppt/tags/tag11.xml><?xml version="1.0" encoding="utf-8"?>
-<p:tagLst xmlns:p="http://schemas.openxmlformats.org/presentationml/2006/main">
+<p:tagLst xmlns:a="http://schemas.openxmlformats.org/drawingml/2006/main" xmlns:r="http://schemas.openxmlformats.org/officeDocument/2006/relationships" xmlns:p="http://schemas.openxmlformats.org/presentationml/2006/main">
   <p:tag name="PA" val="v3.0.1"/>
 </p:tagLst>
 </file>
 
 <file path=ppt/tags/tag12.xml><?xml version="1.0" encoding="utf-8"?>
-<p:tagLst xmlns:p="http://schemas.openxmlformats.org/presentationml/2006/main">
+<p:tagLst xmlns:a="http://schemas.openxmlformats.org/drawingml/2006/main" xmlns:r="http://schemas.openxmlformats.org/officeDocument/2006/relationships" xmlns:p="http://schemas.openxmlformats.org/presentationml/2006/main">
   <p:tag name="PA" val="v3.0.1"/>
 </p:tagLst>
 </file>
 
 <file path=ppt/tags/tag13.xml><?xml version="1.0" encoding="utf-8"?>
-<p:tagLst xmlns:p="http://schemas.openxmlformats.org/presentationml/2006/main">
+<p:tagLst xmlns:a="http://schemas.openxmlformats.org/drawingml/2006/main" xmlns:r="http://schemas.openxmlformats.org/officeDocument/2006/relationships" xmlns:p="http://schemas.openxmlformats.org/presentationml/2006/main">
   <p:tag name="PA" val="v3.0.1"/>
 </p:tagLst>
 </file>
 
 <file path=ppt/tags/tag14.xml><?xml version="1.0" encoding="utf-8"?>
-<p:tagLst xmlns:p="http://schemas.openxmlformats.org/presentationml/2006/main">
+<p:tagLst xmlns:a="http://schemas.openxmlformats.org/drawingml/2006/main" xmlns:r="http://schemas.openxmlformats.org/officeDocument/2006/relationships" xmlns:p="http://schemas.openxmlformats.org/presentationml/2006/main">
   <p:tag name="PA" val="v3.0.1"/>
 </p:tagLst>
 </file>
 
 <file path=ppt/tags/tag15.xml><?xml version="1.0" encoding="utf-8"?>
-<p:tagLst xmlns:p="http://schemas.openxmlformats.org/presentationml/2006/main">
+<p:tagLst xmlns:a="http://schemas.openxmlformats.org/drawingml/2006/main" xmlns:r="http://schemas.openxmlformats.org/officeDocument/2006/relationships" xmlns:p="http://schemas.openxmlformats.org/presentationml/2006/main">
   <p:tag name="PA" val="v3.0.1"/>
 </p:tagLst>
 </file>
 
 <file path=ppt/tags/tag16.xml><?xml version="1.0" encoding="utf-8"?>
-<p:tagLst xmlns:p="http://schemas.openxmlformats.org/presentationml/2006/main">
+<p:tagLst xmlns:a="http://schemas.openxmlformats.org/drawingml/2006/main" xmlns:r="http://schemas.openxmlformats.org/officeDocument/2006/relationships" xmlns:p="http://schemas.openxmlformats.org/presentationml/2006/main">
   <p:tag name="PA" val="v3.0.1"/>
 </p:tagLst>
 </file>
 
 <file path=ppt/tags/tag2.xml><?xml version="1.0" encoding="utf-8"?>
-<p:tagLst xmlns:p="http://schemas.openxmlformats.org/presentationml/2006/main">
+<p:tagLst xmlns:a="http://schemas.openxmlformats.org/drawingml/2006/main" xmlns:r="http://schemas.openxmlformats.org/officeDocument/2006/relationships" xmlns:p="http://schemas.openxmlformats.org/presentationml/2006/main">
   <p:tag name="PA" val="v3.0.1"/>
 </p:tagLst>
 </file>
 
 <file path=ppt/tags/tag3.xml><?xml version="1.0" encoding="utf-8"?>
-<p:tagLst xmlns:p="http://schemas.openxmlformats.org/presentationml/2006/main">
+<p:tagLst xmlns:a="http://schemas.openxmlformats.org/drawingml/2006/main" xmlns:r="http://schemas.openxmlformats.org/officeDocument/2006/relationships" xmlns:p="http://schemas.openxmlformats.org/presentationml/2006/main">
   <p:tag name="PA" val="v3.0.1"/>
 </p:tagLst>
 </file>
 
 <file path=ppt/tags/tag4.xml><?xml version="1.0" encoding="utf-8"?>
-<p:tagLst xmlns:p="http://schemas.openxmlformats.org/presentationml/2006/main">
+<p:tagLst xmlns:a="http://schemas.openxmlformats.org/drawingml/2006/main" xmlns:r="http://schemas.openxmlformats.org/officeDocument/2006/relationships" xmlns:p="http://schemas.openxmlformats.org/presentationml/2006/main">
   <p:tag name="PA" val="v3.0.1"/>
 </p:tagLst>
 </file>
 
 <file path=ppt/tags/tag5.xml><?xml version="1.0" encoding="utf-8"?>
-<p:tagLst xmlns:p="http://schemas.openxmlformats.org/presentationml/2006/main">
+<p:tagLst xmlns:a="http://schemas.openxmlformats.org/drawingml/2006/main" xmlns:r="http://schemas.openxmlformats.org/officeDocument/2006/relationships" xmlns:p="http://schemas.openxmlformats.org/presentationml/2006/main">
   <p:tag name="PA" val="v3.0.1"/>
 </p:tagLst>
 </file>
 
 <file path=ppt/tags/tag6.xml><?xml version="1.0" encoding="utf-8"?>
-<p:tagLst xmlns:p="http://schemas.openxmlformats.org/presentationml/2006/main">
+<p:tagLst xmlns:a="http://schemas.openxmlformats.org/drawingml/2006/main" xmlns:r="http://schemas.openxmlformats.org/officeDocument/2006/relationships" xmlns:p="http://schemas.openxmlformats.org/presentationml/2006/main">
   <p:tag name="PA" val="v3.0.1"/>
 </p:tagLst>
 </file>
 
 <file path=ppt/tags/tag7.xml><?xml version="1.0" encoding="utf-8"?>
-<p:tagLst xmlns:p="http://schemas.openxmlformats.org/presentationml/2006/main">
+<p:tagLst xmlns:a="http://schemas.openxmlformats.org/drawingml/2006/main" xmlns:r="http://schemas.openxmlformats.org/officeDocument/2006/relationships" xmlns:p="http://schemas.openxmlformats.org/presentationml/2006/main">
   <p:tag name="PA" val="v3.0.1"/>
 </p:tagLst>
 </file>
 
 <file path=ppt/tags/tag8.xml><?xml version="1.0" encoding="utf-8"?>
-<p:tagLst xmlns:p="http://schemas.openxmlformats.org/presentationml/2006/main">
+<p:tagLst xmlns:a="http://schemas.openxmlformats.org/drawingml/2006/main" xmlns:r="http://schemas.openxmlformats.org/officeDocument/2006/relationships" xmlns:p="http://schemas.openxmlformats.org/presentationml/2006/main">
   <p:tag name="PA" val="v3.0.1"/>
 </p:tagLst>
 </file>
 
 <file path=ppt/tags/tag9.xml><?xml version="1.0" encoding="utf-8"?>
-<p:tagLst xmlns:p="http://schemas.openxmlformats.org/presentationml/2006/main">
+<p:tagLst xmlns:a="http://schemas.openxmlformats.org/drawingml/2006/main" xmlns:r="http://schemas.openxmlformats.org/officeDocument/2006/relationships" xmlns:p="http://schemas.openxmlformats.org/presentationml/2006/main">
   <p:tag name="PA" val="v3.0.1"/>
 </p:tagLst>
 </file>
@@ -37682,6 +37010,8 @@
       </a:bgFillStyleLst>
     </a:fmtScheme>
   </a:themeElements>
+  <a:objectDefaults/>
+  <a:extraClrSchemeLst/>
   <a:extLst>
     <a:ext uri="{05A4C25C-085E-4340-85A3-A5531E510DB2}">
       <thm15:themeFamily xmlns:thm15="http://schemas.microsoft.com/office/thememl/2012/main" name="Office Theme" id="{62F939B6-93AF-4DB8-9C6B-D6C7DFDC589F}" vid="{4A3C46E8-61CC-4603-A589-7422A47A8E4A}"/>
@@ -37941,6 +37271,8 @@
       </a:bgFillStyleLst>
     </a:fmtScheme>
   </a:themeElements>
+  <a:objectDefaults/>
+  <a:extraClrSchemeLst/>
   <a:extLst>
     <a:ext uri="{05A4C25C-085E-4340-85A3-A5531E510DB2}">
       <thm15:themeFamily xmlns:thm15="http://schemas.microsoft.com/office/thememl/2012/main" name="Office Theme" id="{62F939B6-93AF-4DB8-9C6B-D6C7DFDC589F}" vid="{4A3C46E8-61CC-4603-A589-7422A47A8E4A}"/>

--- a/非受控文档/过程文档/UML概述/UML概述（新）.pptx
+++ b/非受控文档/过程文档/UML概述/UML概述（新）.pptx
@@ -5,7 +5,7 @@
     <p:sldMasterId id="2147483648" r:id="rId1"/>
   </p:sldMasterIdLst>
   <p:notesMasterIdLst>
-    <p:notesMasterId r:id="rId78"/>
+    <p:notesMasterId r:id="rId79"/>
   </p:notesMasterIdLst>
   <p:sldIdLst>
     <p:sldId id="256" r:id="rId2"/>
@@ -83,7 +83,8 @@
     <p:sldId id="445" r:id="rId74"/>
     <p:sldId id="446" r:id="rId75"/>
     <p:sldId id="447" r:id="rId76"/>
-    <p:sldId id="279" r:id="rId77"/>
+    <p:sldId id="448" r:id="rId77"/>
+    <p:sldId id="279" r:id="rId78"/>
   </p:sldIdLst>
   <p:sldSz cx="12192000" cy="6858000"/>
   <p:notesSz cx="6858000" cy="9144000"/>
@@ -283,7 +284,7 @@
           <a:p>
             <a:fld id="{959EEDEB-74DD-4590-ADB0-3BDFBC7AA6C1}" type="datetimeFigureOut">
               <a:rPr lang="zh-CN" altLang="en-US" smtClean="0"/>
-              <a:t>2018/10/14</a:t>
+              <a:t>2018/10/18</a:t>
             </a:fld>
             <a:endParaRPr lang="zh-CN" altLang="en-US"/>
           </a:p>
@@ -674,7 +675,7 @@
           <a:p>
             <a:fld id="{698485DF-3FAB-45E9-A642-7745AB3E3AFD}" type="datetimeFigureOut">
               <a:rPr lang="zh-CN" altLang="en-US" smtClean="0"/>
-              <a:t>2018/10/14</a:t>
+              <a:t>2018/10/18</a:t>
             </a:fld>
             <a:endParaRPr lang="zh-CN" altLang="en-US"/>
           </a:p>
@@ -837,7 +838,7 @@
           <a:p>
             <a:fld id="{698485DF-3FAB-45E9-A642-7745AB3E3AFD}" type="datetimeFigureOut">
               <a:rPr lang="zh-CN" altLang="en-US" smtClean="0"/>
-              <a:t>2018/10/14</a:t>
+              <a:t>2018/10/18</a:t>
             </a:fld>
             <a:endParaRPr lang="zh-CN" altLang="en-US"/>
           </a:p>
@@ -1010,7 +1011,7 @@
           <a:p>
             <a:fld id="{698485DF-3FAB-45E9-A642-7745AB3E3AFD}" type="datetimeFigureOut">
               <a:rPr lang="zh-CN" altLang="en-US" smtClean="0"/>
-              <a:t>2018/10/14</a:t>
+              <a:t>2018/10/18</a:t>
             </a:fld>
             <a:endParaRPr lang="zh-CN" altLang="en-US"/>
           </a:p>
@@ -1122,7 +1123,7 @@
           <a:p>
             <a:fld id="{698485DF-3FAB-45E9-A642-7745AB3E3AFD}" type="datetimeFigureOut">
               <a:rPr lang="zh-CN" altLang="en-US" smtClean="0"/>
-              <a:t>2018/10/14</a:t>
+              <a:t>2018/10/18</a:t>
             </a:fld>
             <a:endParaRPr lang="zh-CN" altLang="en-US"/>
           </a:p>
@@ -2086,7 +2087,7 @@
           <a:p>
             <a:fld id="{698485DF-3FAB-45E9-A642-7745AB3E3AFD}" type="datetimeFigureOut">
               <a:rPr lang="zh-CN" altLang="en-US" smtClean="0"/>
-              <a:t>2018/10/14</a:t>
+              <a:t>2018/10/18</a:t>
             </a:fld>
             <a:endParaRPr lang="zh-CN" altLang="en-US"/>
           </a:p>
@@ -2326,7 +2327,7 @@
           <a:p>
             <a:fld id="{698485DF-3FAB-45E9-A642-7745AB3E3AFD}" type="datetimeFigureOut">
               <a:rPr lang="zh-CN" altLang="en-US" smtClean="0"/>
-              <a:t>2018/10/14</a:t>
+              <a:t>2018/10/18</a:t>
             </a:fld>
             <a:endParaRPr lang="zh-CN" altLang="en-US"/>
           </a:p>
@@ -2550,7 +2551,7 @@
           <a:p>
             <a:fld id="{698485DF-3FAB-45E9-A642-7745AB3E3AFD}" type="datetimeFigureOut">
               <a:rPr lang="zh-CN" altLang="en-US" smtClean="0"/>
-              <a:t>2018/10/14</a:t>
+              <a:t>2018/10/18</a:t>
             </a:fld>
             <a:endParaRPr lang="zh-CN" altLang="en-US"/>
           </a:p>
@@ -2909,7 +2910,7 @@
           <a:p>
             <a:fld id="{698485DF-3FAB-45E9-A642-7745AB3E3AFD}" type="datetimeFigureOut">
               <a:rPr lang="zh-CN" altLang="en-US" smtClean="0"/>
-              <a:t>2018/10/14</a:t>
+              <a:t>2018/10/18</a:t>
             </a:fld>
             <a:endParaRPr lang="zh-CN" altLang="en-US"/>
           </a:p>
@@ -3021,7 +3022,7 @@
           <a:p>
             <a:fld id="{698485DF-3FAB-45E9-A642-7745AB3E3AFD}" type="datetimeFigureOut">
               <a:rPr lang="zh-CN" altLang="en-US" smtClean="0"/>
-              <a:t>2018/10/14</a:t>
+              <a:t>2018/10/18</a:t>
             </a:fld>
             <a:endParaRPr lang="zh-CN" altLang="en-US"/>
           </a:p>
@@ -3111,7 +3112,7 @@
           <a:p>
             <a:fld id="{698485DF-3FAB-45E9-A642-7745AB3E3AFD}" type="datetimeFigureOut">
               <a:rPr lang="zh-CN" altLang="en-US" smtClean="0"/>
-              <a:t>2018/10/14</a:t>
+              <a:t>2018/10/18</a:t>
             </a:fld>
             <a:endParaRPr lang="zh-CN" altLang="en-US"/>
           </a:p>
@@ -3381,7 +3382,7 @@
           <a:p>
             <a:fld id="{698485DF-3FAB-45E9-A642-7745AB3E3AFD}" type="datetimeFigureOut">
               <a:rPr lang="zh-CN" altLang="en-US" smtClean="0"/>
-              <a:t>2018/10/14</a:t>
+              <a:t>2018/10/18</a:t>
             </a:fld>
             <a:endParaRPr lang="zh-CN" altLang="en-US"/>
           </a:p>
@@ -3628,7 +3629,7 @@
           <a:p>
             <a:fld id="{698485DF-3FAB-45E9-A642-7745AB3E3AFD}" type="datetimeFigureOut">
               <a:rPr lang="zh-CN" altLang="en-US" smtClean="0"/>
-              <a:t>2018/10/14</a:t>
+              <a:t>2018/10/18</a:t>
             </a:fld>
             <a:endParaRPr lang="zh-CN" altLang="en-US"/>
           </a:p>
@@ -3834,7 +3835,7 @@
           <a:p>
             <a:fld id="{698485DF-3FAB-45E9-A642-7745AB3E3AFD}" type="datetimeFigureOut">
               <a:rPr lang="zh-CN" altLang="en-US" smtClean="0"/>
-              <a:t>2018/10/14</a:t>
+              <a:t>2018/10/18</a:t>
             </a:fld>
             <a:endParaRPr lang="zh-CN" altLang="en-US"/>
           </a:p>
@@ -13561,9 +13562,9 @@
         <p:grpSpPr>
           <a:xfrm>
             <a:off x="7884160" y="5488940"/>
-            <a:ext cx="3889375" cy="727710"/>
+            <a:ext cx="3889375" cy="1032510"/>
             <a:chOff x="12416" y="8644"/>
-            <a:chExt cx="6125" cy="1146"/>
+            <a:chExt cx="6125" cy="1626"/>
           </a:xfrm>
         </p:grpSpPr>
         <p:sp>
@@ -13899,7 +13900,7 @@
           <p:spPr>
             <a:xfrm>
               <a:off x="13979" y="8767"/>
-              <a:ext cx="4562" cy="822"/>
+              <a:ext cx="4562" cy="1503"/>
             </a:xfrm>
             <a:prstGeom prst="rect">
               <a:avLst/>
@@ -13933,7 +13934,7 @@
                   <a:latin typeface="微软雅黑" panose="020B0503020204020204" pitchFamily="34" charset="-122"/>
                   <a:ea typeface="微软雅黑" panose="020B0503020204020204" pitchFamily="34" charset="-122"/>
                 </a:rPr>
-                <a:t>及小组评价</a:t>
+                <a:t>、小组评价及参考资料</a:t>
               </a:r>
               <a:endParaRPr lang="zh-CN" sz="2800" dirty="0">
                 <a:solidFill>
@@ -20722,26 +20723,34 @@
           <a:p>
             <a:pPr lvl="1" algn="l"/>
             <a:r>
-              <a:rPr lang="en-US" altLang="zh-CN"/>
+              <a:rPr lang="en-US" altLang="zh-CN" dirty="0"/>
               <a:t>UML</a:t>
             </a:r>
             <a:r>
-              <a:rPr lang="zh-CN" altLang="en-US"/>
+              <a:rPr lang="zh-CN" altLang="en-US" dirty="0"/>
               <a:t>是一种</a:t>
             </a:r>
             <a:r>
-              <a:rPr lang="zh-CN"/>
-              <a:t>能够描述问题、描述解决方案、起到沟通作用的语言。通俗地说，它是一种用文本、图形和符号的集合来描述现实生活中各类食物、活动及其之间关系的语言。</a:t>
+              <a:rPr lang="zh-CN" dirty="0"/>
+              <a:t>能够描述问题、描述解决方案、起到沟通作用的语言。通俗地说，它是一种用文本、图形和符号的集合来描述现实生活中各类</a:t>
+            </a:r>
+            <a:r>
+              <a:rPr lang="zh-CN" altLang="en-US" dirty="0"/>
+              <a:t>事物</a:t>
+            </a:r>
+            <a:r>
+              <a:rPr lang="zh-CN" dirty="0"/>
+              <a:t>、活动及其之间关系的语言。</a:t>
             </a:r>
           </a:p>
           <a:p>
             <a:pPr lvl="1" algn="l"/>
             <a:r>
-              <a:rPr lang="en-US" altLang="zh-CN"/>
+              <a:rPr lang="en-US" altLang="zh-CN" dirty="0"/>
               <a:t>UML</a:t>
             </a:r>
             <a:r>
-              <a:rPr lang="zh-CN" altLang="en-US"/>
+              <a:rPr lang="zh-CN" altLang="en-US" dirty="0"/>
               <a:t>是一种很好的工具，可以贯穿软件开发阶段周期中的每一个阶段，它最适用于数据建模、业务建模、对象建模和组件建模。</a:t>
             </a:r>
           </a:p>
@@ -31133,7 +31142,7 @@
           <a:lstStyle/>
           <a:p>
             <a:r>
-              <a:rPr lang="zh-CN" altLang="en-US"/>
+              <a:rPr lang="zh-CN" altLang="en-US" dirty="0"/>
               <a:t>建模的重要性</a:t>
             </a:r>
           </a:p>
@@ -31155,19 +31164,19 @@
           <a:lstStyle/>
           <a:p>
             <a:r>
-              <a:rPr lang="zh-CN">
+              <a:rPr lang="zh-CN" dirty="0">
                 <a:sym typeface="+mn-ea"/>
               </a:rPr>
               <a:t>第一：模型是什么？</a:t>
             </a:r>
-            <a:endParaRPr lang="zh-CN" altLang="en-US"/>
+            <a:endParaRPr lang="zh-CN" altLang="en-US" dirty="0"/>
           </a:p>
           <a:p>
             <a:pPr marL="0" indent="0">
               <a:buNone/>
             </a:pPr>
             <a:r>
-              <a:rPr lang="zh-CN">
+              <a:rPr lang="zh-CN" dirty="0">
                 <a:sym typeface="+mn-ea"/>
               </a:rPr>
               <a:t>                模型是对现实的简化。</a:t>
@@ -31178,7 +31187,7 @@
               <a:buNone/>
             </a:pPr>
             <a:r>
-              <a:rPr lang="zh-CN">
+              <a:rPr lang="zh-CN" dirty="0">
                 <a:sym typeface="+mn-ea"/>
               </a:rPr>
               <a:t>   第二：为什么要建模？（重要性）</a:t>
@@ -31189,10 +31198,22 @@
               <a:buNone/>
             </a:pPr>
             <a:r>
-              <a:rPr lang="zh-CN">
+              <a:rPr lang="zh-CN" dirty="0">
                 <a:sym typeface="+mn-ea"/>
               </a:rPr>
-              <a:t>                建模是为了能够更好地理解正开发的系统。</a:t>
+              <a:t>                建模是为了能够更好地理解正</a:t>
+            </a:r>
+            <a:r>
+              <a:rPr lang="zh-CN" altLang="en-US" dirty="0">
+                <a:sym typeface="+mn-ea"/>
+              </a:rPr>
+              <a:t>在</a:t>
+            </a:r>
+            <a:r>
+              <a:rPr lang="zh-CN" dirty="0">
+                <a:sym typeface="+mn-ea"/>
+              </a:rPr>
+              <a:t>开发的系统。</a:t>
             </a:r>
           </a:p>
           <a:p>
@@ -31200,7 +31221,7 @@
               <a:buNone/>
             </a:pPr>
             <a:r>
-              <a:rPr lang="zh-CN">
+              <a:rPr lang="zh-CN" dirty="0">
                 <a:sym typeface="+mn-ea"/>
               </a:rPr>
               <a:t>                因为不能完整地理解一个复杂的系统，所以要对它建模。</a:t>
@@ -31210,7 +31231,7 @@
             <a:pPr marL="0" indent="0">
               <a:buNone/>
             </a:pPr>
-            <a:endParaRPr lang="zh-CN"/>
+            <a:endParaRPr lang="zh-CN" dirty="0"/>
           </a:p>
         </p:txBody>
       </p:sp>
@@ -35257,6 +35278,259 @@
 </file>
 
 <file path=ppt/slides/slide76.xml><?xml version="1.0" encoding="utf-8"?>
+<p:sld xmlns:a="http://schemas.openxmlformats.org/drawingml/2006/main" xmlns:r="http://schemas.openxmlformats.org/officeDocument/2006/relationships" xmlns:p="http://schemas.openxmlformats.org/presentationml/2006/main">
+  <p:cSld>
+    <p:spTree>
+      <p:nvGrpSpPr>
+        <p:cNvPr id="1" name=""/>
+        <p:cNvGrpSpPr/>
+        <p:nvPr/>
+      </p:nvGrpSpPr>
+      <p:grpSpPr>
+        <a:xfrm>
+          <a:off x="0" y="0"/>
+          <a:ext cx="0" cy="0"/>
+          <a:chOff x="0" y="0"/>
+          <a:chExt cx="0" cy="0"/>
+        </a:xfrm>
+      </p:grpSpPr>
+      <p:sp>
+        <p:nvSpPr>
+          <p:cNvPr id="2" name="标题 1"/>
+          <p:cNvSpPr>
+            <a:spLocks noGrp="1"/>
+          </p:cNvSpPr>
+          <p:nvPr>
+            <p:ph type="title"/>
+          </p:nvPr>
+        </p:nvSpPr>
+        <p:spPr>
+          <a:xfrm>
+            <a:off x="838200" y="365125"/>
+            <a:ext cx="10515600" cy="1325563"/>
+          </a:xfrm>
+        </p:spPr>
+        <p:txBody>
+          <a:bodyPr/>
+          <a:lstStyle/>
+          <a:p>
+            <a:pPr algn="ctr"/>
+            <a:r>
+              <a:rPr lang="zh-CN" altLang="en-US" dirty="0"/>
+              <a:t>参考资料</a:t>
+            </a:r>
+            <a:endParaRPr lang="zh-CN" dirty="0"/>
+          </a:p>
+        </p:txBody>
+      </p:sp>
+      <p:sp>
+        <p:nvSpPr>
+          <p:cNvPr id="3" name="内容占位符 2"/>
+          <p:cNvSpPr>
+            <a:spLocks noGrp="1"/>
+          </p:cNvSpPr>
+          <p:nvPr>
+            <p:ph idx="1"/>
+          </p:nvPr>
+        </p:nvSpPr>
+        <p:spPr>
+          <a:xfrm>
+            <a:off x="838200" y="1810385"/>
+            <a:ext cx="10515600" cy="4351338"/>
+          </a:xfrm>
+        </p:spPr>
+        <p:txBody>
+          <a:bodyPr>
+            <a:normAutofit/>
+          </a:bodyPr>
+          <a:lstStyle/>
+          <a:p>
+            <a:pPr marL="0" indent="0">
+              <a:buNone/>
+            </a:pPr>
+            <a:r>
+              <a:rPr lang="en-US" altLang="zh-CN" dirty="0">
+                <a:latin typeface="+mn-ea"/>
+                <a:cs typeface="+mn-ea"/>
+              </a:rPr>
+              <a:t>《UML2</a:t>
+            </a:r>
+            <a:r>
+              <a:rPr lang="zh-CN" altLang="en-US" dirty="0">
+                <a:latin typeface="+mn-ea"/>
+                <a:cs typeface="+mn-ea"/>
+              </a:rPr>
+              <a:t>基础、建模与设计教程</a:t>
+            </a:r>
+            <a:r>
+              <a:rPr lang="en-US" altLang="zh-CN" dirty="0">
+                <a:latin typeface="+mn-ea"/>
+                <a:cs typeface="+mn-ea"/>
+              </a:rPr>
+              <a:t>》</a:t>
+            </a:r>
+          </a:p>
+          <a:p>
+            <a:pPr marL="0" indent="0">
+              <a:buNone/>
+            </a:pPr>
+            <a:r>
+              <a:rPr lang="en-US" altLang="zh-CN" dirty="0">
+                <a:latin typeface="+mn-ea"/>
+                <a:cs typeface="+mn-ea"/>
+              </a:rPr>
+              <a:t>《UML</a:t>
+            </a:r>
+            <a:r>
+              <a:rPr lang="zh-CN" altLang="en-US" dirty="0">
+                <a:latin typeface="+mn-ea"/>
+                <a:cs typeface="+mn-ea"/>
+              </a:rPr>
+              <a:t>用户指南</a:t>
+            </a:r>
+            <a:r>
+              <a:rPr lang="en-US" altLang="zh-CN" dirty="0">
+                <a:latin typeface="+mn-ea"/>
+                <a:cs typeface="+mn-ea"/>
+              </a:rPr>
+              <a:t>》</a:t>
+            </a:r>
+          </a:p>
+          <a:p>
+            <a:pPr marL="0" indent="0">
+              <a:buNone/>
+            </a:pPr>
+            <a:r>
+              <a:rPr lang="en-US" altLang="zh-CN" dirty="0">
+                <a:latin typeface="+mn-ea"/>
+                <a:cs typeface="+mn-ea"/>
+              </a:rPr>
+              <a:t>PPT</a:t>
+            </a:r>
+            <a:r>
+              <a:rPr lang="zh-CN" altLang="en-US">
+                <a:latin typeface="+mn-ea"/>
+                <a:cs typeface="+mn-ea"/>
+              </a:rPr>
+              <a:t>中图片来源网络</a:t>
+            </a:r>
+            <a:endParaRPr lang="zh-CN" dirty="0">
+              <a:latin typeface="+mn-ea"/>
+              <a:cs typeface="+mn-ea"/>
+            </a:endParaRPr>
+          </a:p>
+        </p:txBody>
+      </p:sp>
+      <p:sp>
+        <p:nvSpPr>
+          <p:cNvPr id="4" name="Freeform 5"/>
+          <p:cNvSpPr/>
+          <p:nvPr/>
+        </p:nvSpPr>
+        <p:spPr bwMode="auto">
+          <a:xfrm flipH="1">
+            <a:off x="0" y="-13281"/>
+            <a:ext cx="409433" cy="832147"/>
+          </a:xfrm>
+          <a:custGeom>
+            <a:avLst/>
+            <a:gdLst>
+              <a:gd name="T0" fmla="*/ 1462 w 2332"/>
+              <a:gd name="T1" fmla="*/ 0 h 3907"/>
+              <a:gd name="T2" fmla="*/ 2332 w 2332"/>
+              <a:gd name="T3" fmla="*/ 0 h 3907"/>
+              <a:gd name="T4" fmla="*/ 2332 w 2332"/>
+              <a:gd name="T5" fmla="*/ 3907 h 3907"/>
+              <a:gd name="T6" fmla="*/ 0 w 2332"/>
+              <a:gd name="T7" fmla="*/ 2595 h 3907"/>
+              <a:gd name="T8" fmla="*/ 1462 w 2332"/>
+              <a:gd name="T9" fmla="*/ 0 h 3907"/>
+            </a:gdLst>
+            <a:ahLst/>
+            <a:cxnLst>
+              <a:cxn ang="0">
+                <a:pos x="T0" y="T1"/>
+              </a:cxn>
+              <a:cxn ang="0">
+                <a:pos x="T2" y="T3"/>
+              </a:cxn>
+              <a:cxn ang="0">
+                <a:pos x="T4" y="T5"/>
+              </a:cxn>
+              <a:cxn ang="0">
+                <a:pos x="T6" y="T7"/>
+              </a:cxn>
+              <a:cxn ang="0">
+                <a:pos x="T8" y="T9"/>
+              </a:cxn>
+            </a:cxnLst>
+            <a:rect l="0" t="0" r="r" b="b"/>
+            <a:pathLst>
+              <a:path w="2332" h="3907">
+                <a:moveTo>
+                  <a:pt x="1462" y="0"/>
+                </a:moveTo>
+                <a:lnTo>
+                  <a:pt x="2332" y="0"/>
+                </a:lnTo>
+                <a:lnTo>
+                  <a:pt x="2332" y="3907"/>
+                </a:lnTo>
+                <a:lnTo>
+                  <a:pt x="0" y="2595"/>
+                </a:lnTo>
+                <a:lnTo>
+                  <a:pt x="1462" y="0"/>
+                </a:lnTo>
+                <a:close/>
+              </a:path>
+            </a:pathLst>
+          </a:custGeom>
+          <a:solidFill>
+            <a:srgbClr val="002B41"/>
+          </a:solidFill>
+          <a:ln w="28575">
+            <a:noFill/>
+          </a:ln>
+          <a:effectLst>
+            <a:outerShdw blurRad="254000" dist="127000" dir="2700000" algn="tl" rotWithShape="0">
+              <a:prstClr val="black">
+                <a:alpha val="40000"/>
+              </a:prstClr>
+            </a:outerShdw>
+          </a:effectLst>
+        </p:spPr>
+        <p:txBody>
+          <a:bodyPr anchor="ctr"/>
+          <a:lstStyle/>
+          <a:p>
+            <a:pPr algn="ctr"/>
+            <a:endParaRPr lang="zh-CN" altLang="en-US" sz="2000">
+              <a:solidFill>
+                <a:schemeClr val="bg1">
+                  <a:lumMod val="95000"/>
+                </a:schemeClr>
+              </a:solidFill>
+              <a:latin typeface="Calibri" panose="020F0502020204030204" pitchFamily="34" charset="0"/>
+              <a:ea typeface="宋体" panose="02010600030101010101" pitchFamily="2" charset="-122"/>
+            </a:endParaRPr>
+          </a:p>
+        </p:txBody>
+      </p:sp>
+    </p:spTree>
+    <p:extLst>
+      <p:ext uri="{BB962C8B-B14F-4D97-AF65-F5344CB8AC3E}">
+        <p14:creationId xmlns:p14="http://schemas.microsoft.com/office/powerpoint/2010/main" val="616533518"/>
+      </p:ext>
+    </p:extLst>
+  </p:cSld>
+  <p:clrMapOvr>
+    <a:masterClrMapping/>
+  </p:clrMapOvr>
+</p:sld>
+</file>
+
+<file path=ppt/slides/slide77.xml><?xml version="1.0" encoding="utf-8"?>
 <p:sld xmlns:a="http://schemas.openxmlformats.org/drawingml/2006/main" xmlns:r="http://schemas.openxmlformats.org/officeDocument/2006/relationships" xmlns:p="http://schemas.openxmlformats.org/presentationml/2006/main">
   <p:cSld>
     <p:bg>

--- a/非受控文档/过程文档/UML概述/UML概述（新）.pptx
+++ b/非受控文档/过程文档/UML概述/UML概述（新）.pptx
@@ -284,7 +284,7 @@
           <a:p>
             <a:fld id="{959EEDEB-74DD-4590-ADB0-3BDFBC7AA6C1}" type="datetimeFigureOut">
               <a:rPr lang="zh-CN" altLang="en-US" smtClean="0"/>
-              <a:t>2018/10/18</a:t>
+              <a:t>2018/10/19</a:t>
             </a:fld>
             <a:endParaRPr lang="zh-CN" altLang="en-US"/>
           </a:p>
@@ -675,7 +675,7 @@
           <a:p>
             <a:fld id="{698485DF-3FAB-45E9-A642-7745AB3E3AFD}" type="datetimeFigureOut">
               <a:rPr lang="zh-CN" altLang="en-US" smtClean="0"/>
-              <a:t>2018/10/18</a:t>
+              <a:t>2018/10/19</a:t>
             </a:fld>
             <a:endParaRPr lang="zh-CN" altLang="en-US"/>
           </a:p>
@@ -838,7 +838,7 @@
           <a:p>
             <a:fld id="{698485DF-3FAB-45E9-A642-7745AB3E3AFD}" type="datetimeFigureOut">
               <a:rPr lang="zh-CN" altLang="en-US" smtClean="0"/>
-              <a:t>2018/10/18</a:t>
+              <a:t>2018/10/19</a:t>
             </a:fld>
             <a:endParaRPr lang="zh-CN" altLang="en-US"/>
           </a:p>
@@ -1011,7 +1011,7 @@
           <a:p>
             <a:fld id="{698485DF-3FAB-45E9-A642-7745AB3E3AFD}" type="datetimeFigureOut">
               <a:rPr lang="zh-CN" altLang="en-US" smtClean="0"/>
-              <a:t>2018/10/18</a:t>
+              <a:t>2018/10/19</a:t>
             </a:fld>
             <a:endParaRPr lang="zh-CN" altLang="en-US"/>
           </a:p>
@@ -1123,7 +1123,7 @@
           <a:p>
             <a:fld id="{698485DF-3FAB-45E9-A642-7745AB3E3AFD}" type="datetimeFigureOut">
               <a:rPr lang="zh-CN" altLang="en-US" smtClean="0"/>
-              <a:t>2018/10/18</a:t>
+              <a:t>2018/10/19</a:t>
             </a:fld>
             <a:endParaRPr lang="zh-CN" altLang="en-US"/>
           </a:p>
@@ -2087,7 +2087,7 @@
           <a:p>
             <a:fld id="{698485DF-3FAB-45E9-A642-7745AB3E3AFD}" type="datetimeFigureOut">
               <a:rPr lang="zh-CN" altLang="en-US" smtClean="0"/>
-              <a:t>2018/10/18</a:t>
+              <a:t>2018/10/19</a:t>
             </a:fld>
             <a:endParaRPr lang="zh-CN" altLang="en-US"/>
           </a:p>
@@ -2327,7 +2327,7 @@
           <a:p>
             <a:fld id="{698485DF-3FAB-45E9-A642-7745AB3E3AFD}" type="datetimeFigureOut">
               <a:rPr lang="zh-CN" altLang="en-US" smtClean="0"/>
-              <a:t>2018/10/18</a:t>
+              <a:t>2018/10/19</a:t>
             </a:fld>
             <a:endParaRPr lang="zh-CN" altLang="en-US"/>
           </a:p>
@@ -2551,7 +2551,7 @@
           <a:p>
             <a:fld id="{698485DF-3FAB-45E9-A642-7745AB3E3AFD}" type="datetimeFigureOut">
               <a:rPr lang="zh-CN" altLang="en-US" smtClean="0"/>
-              <a:t>2018/10/18</a:t>
+              <a:t>2018/10/19</a:t>
             </a:fld>
             <a:endParaRPr lang="zh-CN" altLang="en-US"/>
           </a:p>
@@ -2910,7 +2910,7 @@
           <a:p>
             <a:fld id="{698485DF-3FAB-45E9-A642-7745AB3E3AFD}" type="datetimeFigureOut">
               <a:rPr lang="zh-CN" altLang="en-US" smtClean="0"/>
-              <a:t>2018/10/18</a:t>
+              <a:t>2018/10/19</a:t>
             </a:fld>
             <a:endParaRPr lang="zh-CN" altLang="en-US"/>
           </a:p>
@@ -3022,7 +3022,7 @@
           <a:p>
             <a:fld id="{698485DF-3FAB-45E9-A642-7745AB3E3AFD}" type="datetimeFigureOut">
               <a:rPr lang="zh-CN" altLang="en-US" smtClean="0"/>
-              <a:t>2018/10/18</a:t>
+              <a:t>2018/10/19</a:t>
             </a:fld>
             <a:endParaRPr lang="zh-CN" altLang="en-US"/>
           </a:p>
@@ -3112,7 +3112,7 @@
           <a:p>
             <a:fld id="{698485DF-3FAB-45E9-A642-7745AB3E3AFD}" type="datetimeFigureOut">
               <a:rPr lang="zh-CN" altLang="en-US" smtClean="0"/>
-              <a:t>2018/10/18</a:t>
+              <a:t>2018/10/19</a:t>
             </a:fld>
             <a:endParaRPr lang="zh-CN" altLang="en-US"/>
           </a:p>
@@ -3382,7 +3382,7 @@
           <a:p>
             <a:fld id="{698485DF-3FAB-45E9-A642-7745AB3E3AFD}" type="datetimeFigureOut">
               <a:rPr lang="zh-CN" altLang="en-US" smtClean="0"/>
-              <a:t>2018/10/18</a:t>
+              <a:t>2018/10/19</a:t>
             </a:fld>
             <a:endParaRPr lang="zh-CN" altLang="en-US"/>
           </a:p>
@@ -3629,7 +3629,7 @@
           <a:p>
             <a:fld id="{698485DF-3FAB-45E9-A642-7745AB3E3AFD}" type="datetimeFigureOut">
               <a:rPr lang="zh-CN" altLang="en-US" smtClean="0"/>
-              <a:t>2018/10/18</a:t>
+              <a:t>2018/10/19</a:t>
             </a:fld>
             <a:endParaRPr lang="zh-CN" altLang="en-US"/>
           </a:p>
@@ -3835,7 +3835,7 @@
           <a:p>
             <a:fld id="{698485DF-3FAB-45E9-A642-7745AB3E3AFD}" type="datetimeFigureOut">
               <a:rPr lang="zh-CN" altLang="en-US" smtClean="0"/>
-              <a:t>2018/10/18</a:t>
+              <a:t>2018/10/19</a:t>
             </a:fld>
             <a:endParaRPr lang="zh-CN" altLang="en-US"/>
           </a:p>
@@ -34306,7 +34306,7 @@
         <p:spPr>
           <a:xfrm>
             <a:off x="4323048" y="3333989"/>
-            <a:ext cx="3545903" cy="583565"/>
+            <a:ext cx="3545903" cy="1077218"/>
           </a:xfrm>
           <a:prstGeom prst="rect">
             <a:avLst/>
@@ -34343,7 +34343,7 @@
                 <a:latin typeface="微软雅黑" panose="020B0503020204020204" pitchFamily="34" charset="-122"/>
                 <a:ea typeface="微软雅黑" panose="020B0503020204020204" pitchFamily="34" charset="-122"/>
               </a:rPr>
-              <a:t>及小组评价</a:t>
+              <a:t>、小组评价及 参考资料</a:t>
             </a:r>
             <a:endParaRPr lang="zh-CN" sz="3200" dirty="0">
               <a:solidFill>

--- a/非受控文档/过程文档/UML概述/UML概述（新）.pptx
+++ b/非受控文档/过程文档/UML概述/UML概述（新）.pptx
@@ -5,7 +5,7 @@
     <p:sldMasterId id="2147483648" r:id="rId1"/>
   </p:sldMasterIdLst>
   <p:notesMasterIdLst>
-    <p:notesMasterId r:id="rId79"/>
+    <p:notesMasterId r:id="rId80"/>
   </p:notesMasterIdLst>
   <p:sldIdLst>
     <p:sldId id="256" r:id="rId2"/>
@@ -83,8 +83,9 @@
     <p:sldId id="445" r:id="rId74"/>
     <p:sldId id="446" r:id="rId75"/>
     <p:sldId id="447" r:id="rId76"/>
-    <p:sldId id="448" r:id="rId77"/>
-    <p:sldId id="279" r:id="rId78"/>
+    <p:sldId id="449" r:id="rId77"/>
+    <p:sldId id="448" r:id="rId78"/>
+    <p:sldId id="279" r:id="rId79"/>
   </p:sldIdLst>
   <p:sldSz cx="12192000" cy="6858000"/>
   <p:notesSz cx="6858000" cy="9144000"/>
@@ -30466,7 +30467,7 @@
           <a:lstStyle/>
           <a:p>
             <a:r>
-              <a:rPr lang="zh-CN" altLang="en-US" sz="2400"/>
+              <a:rPr lang="zh-CN" altLang="en-US" sz="2400" dirty="0"/>
               <a:t>维护的目的是确保已经发行的软件系统可以持续满足客户的需求。维护可以有以下几种情况：修复错误、增加或变更功能，以及因为平台改变所做的调整。</a:t>
             </a:r>
           </a:p>
@@ -33435,13 +33436,13 @@
               <a:buNone/>
             </a:pPr>
             <a:r>
-              <a:rPr lang="zh-CN" altLang="en-US" sz="2000" b="1">
+              <a:rPr lang="zh-CN" altLang="en-US" sz="2000" b="1" dirty="0">
                 <a:latin typeface="+mn-ea"/>
                 <a:cs typeface="+mn-ea"/>
               </a:rPr>
               <a:t>1 对系统的词汇建模</a:t>
             </a:r>
-            <a:endParaRPr lang="zh-CN" altLang="en-US" sz="2000">
+            <a:endParaRPr lang="zh-CN" altLang="en-US" sz="2000" dirty="0">
               <a:latin typeface="+mn-ea"/>
               <a:cs typeface="+mn-ea"/>
             </a:endParaRPr>
@@ -33451,7 +33452,7 @@
               <a:buNone/>
             </a:pPr>
             <a:r>
-              <a:rPr lang="zh-CN" altLang="en-US" sz="2000">
+              <a:rPr lang="zh-CN" altLang="en-US" sz="2000" dirty="0">
                 <a:latin typeface="+mn-ea"/>
                 <a:cs typeface="+mn-ea"/>
               </a:rPr>
@@ -33463,7 +33464,7 @@
               <a:buNone/>
             </a:pPr>
             <a:r>
-              <a:rPr lang="zh-CN" altLang="en-US" sz="2000">
+              <a:rPr lang="zh-CN" altLang="en-US" sz="2000" dirty="0">
                 <a:latin typeface="+mn-ea"/>
                 <a:cs typeface="+mn-ea"/>
               </a:rPr>
@@ -33475,7 +33476,7 @@
               <a:buNone/>
             </a:pPr>
             <a:r>
-              <a:rPr lang="zh-CN" altLang="en-US" sz="2000">
+              <a:rPr lang="zh-CN" altLang="en-US" sz="2000" dirty="0">
                 <a:latin typeface="+mn-ea"/>
                 <a:cs typeface="+mn-ea"/>
               </a:rPr>
@@ -33487,7 +33488,7 @@
               <a:buNone/>
             </a:pPr>
             <a:r>
-              <a:rPr lang="zh-CN" altLang="en-US" sz="2000" b="1">
+              <a:rPr lang="zh-CN" altLang="en-US" sz="2000" b="1" dirty="0">
                 <a:latin typeface="+mn-ea"/>
                 <a:cs typeface="+mn-ea"/>
               </a:rPr>
@@ -33499,7 +33500,7 @@
               <a:buNone/>
             </a:pPr>
             <a:r>
-              <a:rPr lang="zh-CN" altLang="en-US" sz="2000">
+              <a:rPr lang="zh-CN" altLang="en-US" sz="2000" dirty="0">
                 <a:latin typeface="+mn-ea"/>
                 <a:cs typeface="+mn-ea"/>
               </a:rPr>
@@ -33511,7 +33512,7 @@
               <a:buNone/>
             </a:pPr>
             <a:r>
-              <a:rPr lang="zh-CN" altLang="en-US" sz="2000">
+              <a:rPr lang="zh-CN" altLang="en-US" sz="2000" dirty="0">
                 <a:latin typeface="+mn-ea"/>
                 <a:cs typeface="+mn-ea"/>
               </a:rPr>
@@ -33523,7 +33524,7 @@
               <a:buNone/>
             </a:pPr>
             <a:r>
-              <a:rPr lang="zh-CN" altLang="en-US" sz="2000">
+              <a:rPr lang="zh-CN" altLang="en-US" sz="2000" dirty="0">
                 <a:latin typeface="+mn-ea"/>
                 <a:cs typeface="+mn-ea"/>
               </a:rPr>
@@ -33535,12 +33536,32 @@
               <a:buNone/>
             </a:pPr>
             <a:r>
-              <a:rPr lang="zh-CN" altLang="en-US" sz="2000">
+              <a:rPr lang="zh-CN" altLang="en-US" sz="2000" dirty="0">
                 <a:latin typeface="+mn-ea"/>
                 <a:cs typeface="+mn-ea"/>
               </a:rPr>
               <a:t>D、考虑这些类的相互协作方式，相应的重新分配他们的职责，是协作中没有哪个类的职责过多或过少</a:t>
             </a:r>
+            <a:endParaRPr lang="en-US" altLang="zh-CN" sz="2000" dirty="0">
+              <a:latin typeface="+mn-ea"/>
+              <a:cs typeface="+mn-ea"/>
+            </a:endParaRPr>
+          </a:p>
+          <a:p>
+            <a:pPr marL="0" indent="0" algn="r">
+              <a:buNone/>
+            </a:pPr>
+            <a:r>
+              <a:rPr lang="en-US" altLang="zh-CN" sz="2000" dirty="0">
+                <a:latin typeface="+mn-ea"/>
+                <a:cs typeface="+mn-ea"/>
+              </a:rPr>
+              <a:t>【2】</a:t>
+            </a:r>
+            <a:endParaRPr lang="zh-CN" altLang="en-US" sz="2000" dirty="0">
+              <a:latin typeface="+mn-ea"/>
+              <a:cs typeface="+mn-ea"/>
+            </a:endParaRPr>
           </a:p>
         </p:txBody>
       </p:sp>
@@ -33718,12 +33739,12 @@
         <p:spPr>
           <a:xfrm>
             <a:off x="838200" y="1506855"/>
-            <a:ext cx="10515600" cy="4655185"/>
+            <a:ext cx="10515600" cy="5124764"/>
           </a:xfrm>
         </p:spPr>
         <p:txBody>
           <a:bodyPr>
-            <a:normAutofit fontScale="90000" lnSpcReduction="10000"/>
+            <a:normAutofit fontScale="92500" lnSpcReduction="20000"/>
           </a:bodyPr>
           <a:lstStyle/>
           <a:p>
@@ -33731,66 +33752,86 @@
               <a:buNone/>
             </a:pPr>
             <a:r>
-              <a:rPr>
+              <a:rPr dirty="0" err="1">
                 <a:latin typeface="+mn-ea"/>
                 <a:cs typeface="+mn-ea"/>
               </a:rPr>
               <a:t>对最终用户或者实现这来说，各个类都应该映射到某个有幸的或者概念性的抽象。一个结构良好的类，应满足如下条件</a:t>
             </a:r>
+            <a:endParaRPr dirty="0">
+              <a:latin typeface="+mn-ea"/>
+              <a:cs typeface="+mn-ea"/>
+            </a:endParaRPr>
           </a:p>
           <a:p>
             <a:pPr marL="0" indent="0">
               <a:buNone/>
             </a:pPr>
             <a:r>
-              <a:rPr>
+              <a:rPr dirty="0" err="1">
                 <a:latin typeface="+mn-ea"/>
                 <a:cs typeface="+mn-ea"/>
               </a:rPr>
               <a:t>A、为取自问题域或者解域的词汇中的事物提供明确的抽象</a:t>
             </a:r>
+            <a:endParaRPr dirty="0">
+              <a:latin typeface="+mn-ea"/>
+              <a:cs typeface="+mn-ea"/>
+            </a:endParaRPr>
           </a:p>
           <a:p>
             <a:pPr marL="0" indent="0">
               <a:buNone/>
             </a:pPr>
             <a:r>
-              <a:rPr>
+              <a:rPr dirty="0" err="1">
                 <a:latin typeface="+mn-ea"/>
                 <a:cs typeface="+mn-ea"/>
               </a:rPr>
               <a:t>B、嵌入一个小的、明确定义的职责集，并且能很好的实现它们</a:t>
             </a:r>
+            <a:endParaRPr dirty="0">
+              <a:latin typeface="+mn-ea"/>
+              <a:cs typeface="+mn-ea"/>
+            </a:endParaRPr>
           </a:p>
           <a:p>
             <a:pPr marL="0" indent="0">
               <a:buNone/>
             </a:pPr>
             <a:r>
-              <a:rPr>
+              <a:rPr dirty="0" err="1">
                 <a:latin typeface="+mn-ea"/>
                 <a:cs typeface="+mn-ea"/>
               </a:rPr>
               <a:t>C、把抽象的规约和它的实现清楚地分开</a:t>
             </a:r>
+            <a:endParaRPr dirty="0">
+              <a:latin typeface="+mn-ea"/>
+              <a:cs typeface="+mn-ea"/>
+            </a:endParaRPr>
           </a:p>
           <a:p>
             <a:pPr marL="0" indent="0">
               <a:buNone/>
             </a:pPr>
             <a:r>
-              <a:rPr>
+              <a:rPr dirty="0" err="1">
                 <a:latin typeface="+mn-ea"/>
                 <a:cs typeface="+mn-ea"/>
               </a:rPr>
               <a:t>D、简单而且可理解，并具有可适应性和可扩展性</a:t>
             </a:r>
+            <a:endParaRPr dirty="0">
+              <a:latin typeface="+mn-ea"/>
+              <a:cs typeface="+mn-ea"/>
+            </a:endParaRPr>
           </a:p>
           <a:p>
             <a:pPr marL="0" indent="0">
               <a:buNone/>
             </a:pPr>
-            <a:endParaRPr>
+            <a:endParaRPr dirty="0">
               <a:latin typeface="+mn-ea"/>
               <a:cs typeface="+mn-ea"/>
             </a:endParaRPr>
@@ -33800,48 +33841,80 @@
               <a:buNone/>
             </a:pPr>
             <a:r>
-              <a:rPr>
+              <a:rPr dirty="0" err="1">
                 <a:latin typeface="+mn-ea"/>
                 <a:cs typeface="+mn-ea"/>
               </a:rPr>
               <a:t>当用UML绘制一个类时，要遵循如下策略</a:t>
             </a:r>
+            <a:endParaRPr dirty="0">
+              <a:latin typeface="+mn-ea"/>
+              <a:cs typeface="+mn-ea"/>
+            </a:endParaRPr>
           </a:p>
           <a:p>
             <a:pPr marL="0" indent="0">
               <a:buNone/>
             </a:pPr>
             <a:r>
-              <a:rPr>
+              <a:rPr dirty="0" err="1">
                 <a:latin typeface="+mn-ea"/>
                 <a:cs typeface="+mn-ea"/>
               </a:rPr>
               <a:t>A、仅显示在该类的语境中对于理解抽象较为重要的类的特性</a:t>
             </a:r>
+            <a:endParaRPr dirty="0">
+              <a:latin typeface="+mn-ea"/>
+              <a:cs typeface="+mn-ea"/>
+            </a:endParaRPr>
           </a:p>
           <a:p>
             <a:pPr marL="0" indent="0">
               <a:buNone/>
             </a:pPr>
             <a:r>
-              <a:rPr>
+              <a:rPr dirty="0" err="1">
                 <a:latin typeface="+mn-ea"/>
                 <a:cs typeface="+mn-ea"/>
               </a:rPr>
               <a:t>B、按属性和操作的种类进行分组，以更好地组织其长列表</a:t>
             </a:r>
+            <a:endParaRPr dirty="0">
+              <a:latin typeface="+mn-ea"/>
+              <a:cs typeface="+mn-ea"/>
+            </a:endParaRPr>
           </a:p>
           <a:p>
             <a:pPr marL="0" indent="0">
               <a:buNone/>
             </a:pPr>
             <a:r>
-              <a:rPr>
+              <a:rPr dirty="0" err="1">
                 <a:latin typeface="+mn-ea"/>
                 <a:cs typeface="+mn-ea"/>
               </a:rPr>
               <a:t>C、把相关的类显示在同一个类图中</a:t>
             </a:r>
+            <a:endParaRPr lang="en-US" altLang="zh-CN" dirty="0">
+              <a:latin typeface="+mn-ea"/>
+              <a:cs typeface="+mn-ea"/>
+            </a:endParaRPr>
+          </a:p>
+          <a:p>
+            <a:pPr marL="0" indent="0" algn="r">
+              <a:buNone/>
+            </a:pPr>
+            <a:r>
+              <a:rPr lang="en-US" altLang="zh-CN" dirty="0">
+                <a:latin typeface="+mn-ea"/>
+                <a:cs typeface="+mn-ea"/>
+              </a:rPr>
+              <a:t>【2】</a:t>
+            </a:r>
+            <a:endParaRPr dirty="0">
+              <a:latin typeface="+mn-ea"/>
+              <a:cs typeface="+mn-ea"/>
+            </a:endParaRPr>
           </a:p>
         </p:txBody>
       </p:sp>
@@ -34420,74 +34493,6 @@
       </p:sp>
       <p:sp>
         <p:nvSpPr>
-          <p:cNvPr id="3" name="内容占位符 2"/>
-          <p:cNvSpPr>
-            <a:spLocks noGrp="1"/>
-          </p:cNvSpPr>
-          <p:nvPr>
-            <p:ph idx="1"/>
-          </p:nvPr>
-        </p:nvSpPr>
-        <p:spPr>
-          <a:xfrm>
-            <a:off x="838200" y="1810385"/>
-            <a:ext cx="10515600" cy="4351338"/>
-          </a:xfrm>
-        </p:spPr>
-        <p:txBody>
-          <a:bodyPr>
-            <a:normAutofit/>
-          </a:bodyPr>
-          <a:lstStyle/>
-          <a:p>
-            <a:pPr marL="0" indent="0">
-              <a:buNone/>
-            </a:pPr>
-            <a:r>
-              <a:rPr lang="zh-CN" dirty="0">
-                <a:latin typeface="+mn-ea"/>
-                <a:cs typeface="+mn-ea"/>
-              </a:rPr>
-              <a:t>问题一：什么是CRC卡？</a:t>
-            </a:r>
-          </a:p>
-          <a:p>
-            <a:pPr marL="0" indent="0">
-              <a:buNone/>
-            </a:pPr>
-            <a:r>
-              <a:rPr lang="zh-CN" dirty="0">
-                <a:latin typeface="+mn-ea"/>
-                <a:cs typeface="+mn-ea"/>
-              </a:rPr>
-              <a:t>问题二：简述面向对象开发的过程。</a:t>
-            </a:r>
-          </a:p>
-          <a:p>
-            <a:pPr marL="0" indent="0">
-              <a:buNone/>
-            </a:pPr>
-            <a:endParaRPr lang="zh-CN" dirty="0">
-              <a:latin typeface="+mn-ea"/>
-              <a:cs typeface="+mn-ea"/>
-            </a:endParaRPr>
-          </a:p>
-          <a:p>
-            <a:pPr marL="0" indent="0">
-              <a:buNone/>
-            </a:pPr>
-            <a:r>
-              <a:rPr lang="zh-CN" dirty="0">
-                <a:latin typeface="+mn-ea"/>
-                <a:cs typeface="+mn-ea"/>
-              </a:rPr>
-              <a:t>开放题：在我们生活中有什么可以利用建模来解决问题，并谈谈你对建模的理解。</a:t>
-            </a:r>
-          </a:p>
-        </p:txBody>
-      </p:sp>
-      <p:sp>
-        <p:nvSpPr>
           <p:cNvPr id="4" name="Freeform 5"/>
           <p:cNvSpPr/>
           <p:nvPr/>
@@ -34582,11 +34587,462 @@
           </a:p>
         </p:txBody>
       </p:sp>
+      <p:sp>
+        <p:nvSpPr>
+          <p:cNvPr id="5" name="文本框 4">
+            <a:extLst>
+              <a:ext uri="{FF2B5EF4-FFF2-40B4-BE49-F238E27FC236}">
+                <a16:creationId xmlns:a16="http://schemas.microsoft.com/office/drawing/2014/main" id="{B8A74E08-269B-4C19-BA1C-122738C6575F}"/>
+              </a:ext>
+            </a:extLst>
+          </p:cNvPr>
+          <p:cNvSpPr txBox="1"/>
+          <p:nvPr/>
+        </p:nvSpPr>
+        <p:spPr>
+          <a:xfrm>
+            <a:off x="1207364" y="1819921"/>
+            <a:ext cx="4199137" cy="523220"/>
+          </a:xfrm>
+          <a:prstGeom prst="rect">
+            <a:avLst/>
+          </a:prstGeom>
+          <a:noFill/>
+        </p:spPr>
+        <p:txBody>
+          <a:bodyPr wrap="square" rtlCol="0">
+            <a:spAutoFit/>
+          </a:bodyPr>
+          <a:lstStyle/>
+          <a:p>
+            <a:r>
+              <a:rPr lang="zh-CN" altLang="en-US" sz="2800" dirty="0"/>
+              <a:t>问题一：什么是</a:t>
+            </a:r>
+            <a:r>
+              <a:rPr lang="en-US" altLang="zh-CN" sz="2800" dirty="0"/>
+              <a:t>CRC</a:t>
+            </a:r>
+            <a:r>
+              <a:rPr lang="zh-CN" altLang="en-US" sz="2800" dirty="0"/>
+              <a:t>卡？</a:t>
+            </a:r>
+          </a:p>
+        </p:txBody>
+      </p:sp>
+      <p:sp>
+        <p:nvSpPr>
+          <p:cNvPr id="6" name="文本框 5">
+            <a:extLst>
+              <a:ext uri="{FF2B5EF4-FFF2-40B4-BE49-F238E27FC236}">
+                <a16:creationId xmlns:a16="http://schemas.microsoft.com/office/drawing/2014/main" id="{8718E7CD-FFC1-4AC8-8FBC-6022A1F39FC7}"/>
+              </a:ext>
+            </a:extLst>
+          </p:cNvPr>
+          <p:cNvSpPr txBox="1"/>
+          <p:nvPr/>
+        </p:nvSpPr>
+        <p:spPr>
+          <a:xfrm>
+            <a:off x="2598889" y="2574525"/>
+            <a:ext cx="6994222" cy="1200329"/>
+          </a:xfrm>
+          <a:prstGeom prst="rect">
+            <a:avLst/>
+          </a:prstGeom>
+          <a:noFill/>
+        </p:spPr>
+        <p:txBody>
+          <a:bodyPr wrap="none" rtlCol="0">
+            <a:spAutoFit/>
+          </a:bodyPr>
+          <a:lstStyle/>
+          <a:p>
+            <a:r>
+              <a:rPr lang="zh-CN" altLang="zh-CN" dirty="0">
+                <a:latin typeface="+mn-ea"/>
+                <a:cs typeface="+mn-ea"/>
+              </a:rPr>
+              <a:t>CRC卡是一个标准索引卡集合，每一张卡片表示一个类。</a:t>
+            </a:r>
+          </a:p>
+          <a:p>
+            <a:r>
+              <a:rPr lang="zh-CN" altLang="zh-CN" dirty="0">
+                <a:latin typeface="+mn-ea"/>
+                <a:cs typeface="+mn-ea"/>
+              </a:rPr>
+              <a:t>        Class-Responsibility-Collaborator</a:t>
+            </a:r>
+          </a:p>
+          <a:p>
+            <a:r>
+              <a:rPr lang="zh-CN" altLang="zh-CN" dirty="0">
+                <a:latin typeface="+mn-ea"/>
+                <a:cs typeface="+mn-ea"/>
+              </a:rPr>
+              <a:t>       类名在最上方，类的职责在左侧，类的协作关系放在右侧。</a:t>
+            </a:r>
+          </a:p>
+          <a:p>
+            <a:endParaRPr lang="zh-CN" altLang="en-US" dirty="0"/>
+          </a:p>
+        </p:txBody>
+      </p:sp>
+      <p:sp>
+        <p:nvSpPr>
+          <p:cNvPr id="7" name="文本框 6">
+            <a:extLst>
+              <a:ext uri="{FF2B5EF4-FFF2-40B4-BE49-F238E27FC236}">
+                <a16:creationId xmlns:a16="http://schemas.microsoft.com/office/drawing/2014/main" id="{173535DE-E204-43FB-88B6-B6B735348A4C}"/>
+              </a:ext>
+            </a:extLst>
+          </p:cNvPr>
+          <p:cNvSpPr txBox="1"/>
+          <p:nvPr/>
+        </p:nvSpPr>
+        <p:spPr>
+          <a:xfrm>
+            <a:off x="1207364" y="3774854"/>
+            <a:ext cx="5730553" cy="523220"/>
+          </a:xfrm>
+          <a:prstGeom prst="rect">
+            <a:avLst/>
+          </a:prstGeom>
+          <a:noFill/>
+        </p:spPr>
+        <p:txBody>
+          <a:bodyPr wrap="square" rtlCol="0">
+            <a:spAutoFit/>
+          </a:bodyPr>
+          <a:lstStyle/>
+          <a:p>
+            <a:r>
+              <a:rPr lang="zh-CN" altLang="en-US" sz="2800" dirty="0"/>
+              <a:t>问题二：简述面向对象开发过程。</a:t>
+            </a:r>
+          </a:p>
+        </p:txBody>
+      </p:sp>
+      <p:sp>
+        <p:nvSpPr>
+          <p:cNvPr id="8" name="文本框 7">
+            <a:extLst>
+              <a:ext uri="{FF2B5EF4-FFF2-40B4-BE49-F238E27FC236}">
+                <a16:creationId xmlns:a16="http://schemas.microsoft.com/office/drawing/2014/main" id="{86E21F39-4DB8-4A04-8443-0FCFABE371CB}"/>
+              </a:ext>
+            </a:extLst>
+          </p:cNvPr>
+          <p:cNvSpPr txBox="1"/>
+          <p:nvPr/>
+        </p:nvSpPr>
+        <p:spPr>
+          <a:xfrm>
+            <a:off x="2598889" y="4514860"/>
+            <a:ext cx="6878806" cy="1754326"/>
+          </a:xfrm>
+          <a:prstGeom prst="rect">
+            <a:avLst/>
+          </a:prstGeom>
+          <a:noFill/>
+        </p:spPr>
+        <p:txBody>
+          <a:bodyPr wrap="none" rtlCol="0">
+            <a:spAutoFit/>
+          </a:bodyPr>
+          <a:lstStyle/>
+          <a:p>
+            <a:r>
+              <a:rPr lang="zh-CN" altLang="zh-CN" dirty="0">
+                <a:latin typeface="+mn-ea"/>
+                <a:cs typeface="+mn-ea"/>
+              </a:rPr>
+              <a:t>《UML2基础、建模与设计教程》p22</a:t>
+            </a:r>
+          </a:p>
+          <a:p>
+            <a:r>
+              <a:rPr lang="zh-CN" altLang="zh-CN" dirty="0">
+                <a:latin typeface="+mn-ea"/>
+                <a:cs typeface="+mn-ea"/>
+              </a:rPr>
+              <a:t>         A、系统调查和需求分析，分析问题并求解</a:t>
+            </a:r>
+          </a:p>
+          <a:p>
+            <a:r>
+              <a:rPr lang="zh-CN" altLang="zh-CN" dirty="0">
+                <a:latin typeface="+mn-ea"/>
+                <a:cs typeface="+mn-ea"/>
+              </a:rPr>
+              <a:t>         B、整理问题：对第一阶段的结果进一步抽象、归类整理</a:t>
+            </a:r>
+          </a:p>
+          <a:p>
+            <a:r>
+              <a:rPr lang="zh-CN" altLang="zh-CN" dirty="0">
+                <a:latin typeface="+mn-ea"/>
+                <a:cs typeface="+mn-ea"/>
+              </a:rPr>
+              <a:t>         C、程序实现</a:t>
+            </a:r>
+          </a:p>
+          <a:p>
+            <a:r>
+              <a:rPr lang="zh-CN" altLang="zh-CN" dirty="0">
+                <a:latin typeface="+mn-ea"/>
+                <a:cs typeface="+mn-ea"/>
+              </a:rPr>
+              <a:t>         </a:t>
+            </a:r>
+            <a:r>
+              <a:rPr lang="en-US" altLang="zh-CN" dirty="0">
+                <a:latin typeface="+mn-ea"/>
+                <a:cs typeface="+mn-ea"/>
+              </a:rPr>
+              <a:t>D</a:t>
+            </a:r>
+            <a:r>
+              <a:rPr lang="zh-CN" altLang="en-US" dirty="0">
+                <a:latin typeface="+mn-ea"/>
+                <a:cs typeface="+mn-ea"/>
+              </a:rPr>
+              <a:t>、</a:t>
+            </a:r>
+            <a:r>
+              <a:rPr lang="zh-CN" altLang="zh-CN" dirty="0">
+                <a:latin typeface="+mn-ea"/>
+                <a:cs typeface="+mn-ea"/>
+              </a:rPr>
+              <a:t>系统测试</a:t>
+            </a:r>
+          </a:p>
+          <a:p>
+            <a:endParaRPr lang="zh-CN" altLang="en-US" dirty="0"/>
+          </a:p>
+        </p:txBody>
+      </p:sp>
     </p:spTree>
   </p:cSld>
   <p:clrMapOvr>
     <a:masterClrMapping/>
   </p:clrMapOvr>
+  <p:timing>
+    <p:tnLst>
+      <p:par>
+        <p:cTn id="1" dur="indefinite" restart="never" nodeType="tmRoot">
+          <p:childTnLst>
+            <p:seq concurrent="1" nextAc="seek">
+              <p:cTn id="2" dur="indefinite" nodeType="mainSeq">
+                <p:childTnLst>
+                  <p:par>
+                    <p:cTn id="3" fill="hold">
+                      <p:stCondLst>
+                        <p:cond delay="indefinite"/>
+                      </p:stCondLst>
+                      <p:childTnLst>
+                        <p:par>
+                          <p:cTn id="4" fill="hold">
+                            <p:stCondLst>
+                              <p:cond delay="0"/>
+                            </p:stCondLst>
+                            <p:childTnLst>
+                              <p:par>
+                                <p:cTn id="5" presetID="1" presetClass="entr" presetSubtype="0" fill="hold" grpId="0" nodeType="clickEffect">
+                                  <p:stCondLst>
+                                    <p:cond delay="0"/>
+                                  </p:stCondLst>
+                                  <p:childTnLst>
+                                    <p:set>
+                                      <p:cBhvr>
+                                        <p:cTn id="6" dur="1" fill="hold">
+                                          <p:stCondLst>
+                                            <p:cond delay="0"/>
+                                          </p:stCondLst>
+                                        </p:cTn>
+                                        <p:tgtEl>
+                                          <p:spTgt spid="5"/>
+                                        </p:tgtEl>
+                                        <p:attrNameLst>
+                                          <p:attrName>style.visibility</p:attrName>
+                                        </p:attrNameLst>
+                                      </p:cBhvr>
+                                      <p:to>
+                                        <p:strVal val="visible"/>
+                                      </p:to>
+                                    </p:set>
+                                  </p:childTnLst>
+                                </p:cTn>
+                              </p:par>
+                            </p:childTnLst>
+                          </p:cTn>
+                        </p:par>
+                      </p:childTnLst>
+                    </p:cTn>
+                  </p:par>
+                  <p:par>
+                    <p:cTn id="7" fill="hold">
+                      <p:stCondLst>
+                        <p:cond delay="indefinite"/>
+                      </p:stCondLst>
+                      <p:childTnLst>
+                        <p:par>
+                          <p:cTn id="8" fill="hold">
+                            <p:stCondLst>
+                              <p:cond delay="0"/>
+                            </p:stCondLst>
+                            <p:childTnLst>
+                              <p:par>
+                                <p:cTn id="9" presetID="1" presetClass="entr" presetSubtype="0" fill="hold" grpId="0" nodeType="clickEffect">
+                                  <p:stCondLst>
+                                    <p:cond delay="0"/>
+                                  </p:stCondLst>
+                                  <p:childTnLst>
+                                    <p:set>
+                                      <p:cBhvr>
+                                        <p:cTn id="10" dur="1" fill="hold">
+                                          <p:stCondLst>
+                                            <p:cond delay="0"/>
+                                          </p:stCondLst>
+                                        </p:cTn>
+                                        <p:tgtEl>
+                                          <p:spTgt spid="6"/>
+                                        </p:tgtEl>
+                                        <p:attrNameLst>
+                                          <p:attrName>style.visibility</p:attrName>
+                                        </p:attrNameLst>
+                                      </p:cBhvr>
+                                      <p:to>
+                                        <p:strVal val="visible"/>
+                                      </p:to>
+                                    </p:set>
+                                  </p:childTnLst>
+                                </p:cTn>
+                              </p:par>
+                            </p:childTnLst>
+                          </p:cTn>
+                        </p:par>
+                      </p:childTnLst>
+                    </p:cTn>
+                  </p:par>
+                  <p:par>
+                    <p:cTn id="11" fill="hold">
+                      <p:stCondLst>
+                        <p:cond delay="indefinite"/>
+                      </p:stCondLst>
+                      <p:childTnLst>
+                        <p:par>
+                          <p:cTn id="12" fill="hold">
+                            <p:stCondLst>
+                              <p:cond delay="0"/>
+                            </p:stCondLst>
+                            <p:childTnLst>
+                              <p:par>
+                                <p:cTn id="13" presetID="1" presetClass="entr" presetSubtype="0" fill="hold" grpId="0" nodeType="clickEffect">
+                                  <p:stCondLst>
+                                    <p:cond delay="0"/>
+                                  </p:stCondLst>
+                                  <p:childTnLst>
+                                    <p:set>
+                                      <p:cBhvr>
+                                        <p:cTn id="14" dur="1" fill="hold">
+                                          <p:stCondLst>
+                                            <p:cond delay="0"/>
+                                          </p:stCondLst>
+                                        </p:cTn>
+                                        <p:tgtEl>
+                                          <p:spTgt spid="7"/>
+                                        </p:tgtEl>
+                                        <p:attrNameLst>
+                                          <p:attrName>style.visibility</p:attrName>
+                                        </p:attrNameLst>
+                                      </p:cBhvr>
+                                      <p:to>
+                                        <p:strVal val="visible"/>
+                                      </p:to>
+                                    </p:set>
+                                  </p:childTnLst>
+                                </p:cTn>
+                              </p:par>
+                            </p:childTnLst>
+                          </p:cTn>
+                        </p:par>
+                      </p:childTnLst>
+                    </p:cTn>
+                  </p:par>
+                  <p:par>
+                    <p:cTn id="15" fill="hold">
+                      <p:stCondLst>
+                        <p:cond delay="indefinite"/>
+                      </p:stCondLst>
+                      <p:childTnLst>
+                        <p:par>
+                          <p:cTn id="16" fill="hold">
+                            <p:stCondLst>
+                              <p:cond delay="0"/>
+                            </p:stCondLst>
+                            <p:childTnLst>
+                              <p:par>
+                                <p:cTn id="17" presetID="1" presetClass="entr" presetSubtype="0" fill="hold" grpId="0" nodeType="clickEffect">
+                                  <p:stCondLst>
+                                    <p:cond delay="0"/>
+                                  </p:stCondLst>
+                                  <p:childTnLst>
+                                    <p:set>
+                                      <p:cBhvr>
+                                        <p:cTn id="18" dur="1" fill="hold">
+                                          <p:stCondLst>
+                                            <p:cond delay="0"/>
+                                          </p:stCondLst>
+                                        </p:cTn>
+                                        <p:tgtEl>
+                                          <p:spTgt spid="8"/>
+                                        </p:tgtEl>
+                                        <p:attrNameLst>
+                                          <p:attrName>style.visibility</p:attrName>
+                                        </p:attrNameLst>
+                                      </p:cBhvr>
+                                      <p:to>
+                                        <p:strVal val="visible"/>
+                                      </p:to>
+                                    </p:set>
+                                  </p:childTnLst>
+                                </p:cTn>
+                              </p:par>
+                            </p:childTnLst>
+                          </p:cTn>
+                        </p:par>
+                      </p:childTnLst>
+                    </p:cTn>
+                  </p:par>
+                </p:childTnLst>
+              </p:cTn>
+              <p:prevCondLst>
+                <p:cond evt="onPrev" delay="0">
+                  <p:tgtEl>
+                    <p:sldTgt/>
+                  </p:tgtEl>
+                </p:cond>
+              </p:prevCondLst>
+              <p:nextCondLst>
+                <p:cond evt="onNext" delay="0">
+                  <p:tgtEl>
+                    <p:sldTgt/>
+                  </p:tgtEl>
+                </p:cond>
+              </p:nextCondLst>
+            </p:seq>
+          </p:childTnLst>
+        </p:cTn>
+      </p:par>
+    </p:tnLst>
+    <p:bldLst>
+      <p:bldP spid="5" grpId="0"/>
+      <p:bldP spid="6" grpId="0"/>
+      <p:bldP spid="7" grpId="0"/>
+      <p:bldP spid="8" grpId="0"/>
+    </p:bldLst>
+  </p:timing>
 </p:sld>
 </file>
 
@@ -34637,8 +35093,8 @@
           <a:p>
             <a:pPr algn="ctr"/>
             <a:r>
-              <a:rPr lang="zh-CN"/>
-              <a:t>问题的参考答案</a:t>
+              <a:rPr lang="zh-CN" dirty="0"/>
+              <a:t>问题</a:t>
             </a:r>
           </a:p>
         </p:txBody>
@@ -34656,7 +35112,7 @@
         <p:spPr>
           <a:xfrm>
             <a:off x="838200" y="1810385"/>
-            <a:ext cx="10515600" cy="4351338"/>
+            <a:ext cx="10515600" cy="1057102"/>
           </a:xfrm>
         </p:spPr>
         <p:txBody>
@@ -34669,132 +35125,27 @@
               <a:buNone/>
             </a:pPr>
             <a:r>
-              <a:rPr lang="zh-CN">
+              <a:rPr lang="zh-CN" altLang="zh-CN" dirty="0">
                 <a:latin typeface="+mn-ea"/>
                 <a:cs typeface="+mn-ea"/>
               </a:rPr>
-              <a:t>问题一：CRC卡是一个标准索引卡集合，每一张卡片表示一个类。</a:t>
+              <a:t>开放题：在我们生活中有什么可以利用建模来解决问题，并谈谈你对建模的理解。</a:t>
             </a:r>
           </a:p>
           <a:p>
             <a:pPr marL="0" indent="0">
               <a:buNone/>
             </a:pPr>
-            <a:r>
-              <a:rPr lang="zh-CN">
-                <a:latin typeface="+mn-ea"/>
-                <a:cs typeface="+mn-ea"/>
-              </a:rPr>
-              <a:t>        Class-Responsibility-Collaborator</a:t>
-            </a:r>
+            <a:endParaRPr lang="zh-CN" dirty="0">
+              <a:latin typeface="+mn-ea"/>
+              <a:cs typeface="+mn-ea"/>
+            </a:endParaRPr>
           </a:p>
           <a:p>
             <a:pPr marL="0" indent="0">
               <a:buNone/>
             </a:pPr>
-            <a:r>
-              <a:rPr lang="zh-CN">
-                <a:latin typeface="+mn-ea"/>
-                <a:cs typeface="+mn-ea"/>
-              </a:rPr>
-              <a:t>       类名在最上方，类的职责在左侧，类的协作关系放在右侧。</a:t>
-            </a:r>
-          </a:p>
-          <a:p>
-            <a:pPr marL="0" indent="0">
-              <a:buNone/>
-            </a:pPr>
-            <a:r>
-              <a:rPr lang="zh-CN">
-                <a:latin typeface="+mn-ea"/>
-                <a:cs typeface="+mn-ea"/>
-              </a:rPr>
-              <a:t>问题二：《UML2基础、建模与设计教程》p22</a:t>
-            </a:r>
-          </a:p>
-          <a:p>
-            <a:pPr marL="0" indent="0">
-              <a:buNone/>
-            </a:pPr>
-            <a:r>
-              <a:rPr lang="zh-CN">
-                <a:latin typeface="+mn-ea"/>
-                <a:cs typeface="+mn-ea"/>
-              </a:rPr>
-              <a:t>         A、系统调查和需求分析，分析问题并求解</a:t>
-            </a:r>
-          </a:p>
-          <a:p>
-            <a:pPr marL="0" indent="0">
-              <a:buNone/>
-            </a:pPr>
-            <a:r>
-              <a:rPr lang="zh-CN">
-                <a:latin typeface="+mn-ea"/>
-                <a:cs typeface="+mn-ea"/>
-              </a:rPr>
-              <a:t>         B、整理问题：对第一阶段的结果进一步抽象、归类整理</a:t>
-            </a:r>
-          </a:p>
-          <a:p>
-            <a:pPr marL="0" indent="0">
-              <a:buNone/>
-            </a:pPr>
-            <a:r>
-              <a:rPr lang="zh-CN">
-                <a:latin typeface="+mn-ea"/>
-                <a:cs typeface="+mn-ea"/>
-              </a:rPr>
-              <a:t>         C、程序实现</a:t>
-            </a:r>
-          </a:p>
-          <a:p>
-            <a:pPr marL="0" indent="0">
-              <a:buNone/>
-            </a:pPr>
-            <a:r>
-              <a:rPr lang="zh-CN">
-                <a:latin typeface="+mn-ea"/>
-                <a:cs typeface="+mn-ea"/>
-              </a:rPr>
-              <a:t>         </a:t>
-            </a:r>
-            <a:r>
-              <a:rPr lang="en-US" altLang="zh-CN">
-                <a:latin typeface="+mn-ea"/>
-                <a:cs typeface="+mn-ea"/>
-              </a:rPr>
-              <a:t>D</a:t>
-            </a:r>
-            <a:r>
-              <a:rPr lang="zh-CN" altLang="en-US">
-                <a:latin typeface="+mn-ea"/>
-                <a:cs typeface="+mn-ea"/>
-              </a:rPr>
-              <a:t>、</a:t>
-            </a:r>
-            <a:r>
-              <a:rPr lang="zh-CN">
-                <a:latin typeface="+mn-ea"/>
-                <a:cs typeface="+mn-ea"/>
-              </a:rPr>
-              <a:t>系统测试</a:t>
-            </a:r>
-          </a:p>
-          <a:p>
-            <a:pPr marL="0" indent="0">
-              <a:buNone/>
-            </a:pPr>
-            <a:endParaRPr lang="zh-CN">
-              <a:latin typeface="+mn-ea"/>
-              <a:cs typeface="+mn-ea"/>
-            </a:endParaRPr>
-          </a:p>
-          <a:p>
-            <a:pPr marL="0" indent="0">
-              <a:buNone/>
-            </a:pPr>
-            <a:endParaRPr lang="zh-CN">
+            <a:endParaRPr lang="zh-CN" dirty="0">
               <a:latin typeface="+mn-ea"/>
               <a:cs typeface="+mn-ea"/>
             </a:endParaRPr>
@@ -34953,7 +35304,15 @@
             <a:pPr algn="ctr"/>
             <a:r>
               <a:rPr lang="zh-CN" dirty="0"/>
-              <a:t>小组成员分工及评价</a:t>
+              <a:t>小组</a:t>
+            </a:r>
+            <a:r>
+              <a:rPr lang="zh-CN" altLang="en-US" dirty="0"/>
+              <a:t>成员</a:t>
+            </a:r>
+            <a:r>
+              <a:rPr lang="zh-CN" dirty="0"/>
+              <a:t>分工及评价</a:t>
             </a:r>
           </a:p>
         </p:txBody>
@@ -34971,7 +35330,7 @@
         <p:spPr>
           <a:xfrm>
             <a:off x="838200" y="1810385"/>
-            <a:ext cx="10515600" cy="4351338"/>
+            <a:ext cx="10515600" cy="2859269"/>
           </a:xfrm>
         </p:spPr>
         <p:txBody>
@@ -35150,7 +35509,7 @@
                 <a:latin typeface="+mn-ea"/>
                 <a:cs typeface="+mn-ea"/>
               </a:rPr>
-              <a:t>张琦：搜集整理资料。</a:t>
+              <a:t>张琪：搜集整理资料。</a:t>
             </a:r>
             <a:r>
               <a:rPr lang="en-US" altLang="zh-CN" dirty="0">
@@ -35317,9 +35676,20 @@
             <a:pPr algn="ctr"/>
             <a:r>
               <a:rPr lang="zh-CN" altLang="en-US" dirty="0"/>
-              <a:t>参考资料</a:t>
-            </a:r>
-            <a:endParaRPr lang="zh-CN" dirty="0"/>
+              <a:t>此阶段整体</a:t>
+            </a:r>
+            <a:r>
+              <a:rPr lang="zh-CN" dirty="0"/>
+              <a:t>小组</a:t>
+            </a:r>
+            <a:r>
+              <a:rPr lang="zh-CN" altLang="en-US" dirty="0"/>
+              <a:t>成员</a:t>
+            </a:r>
+            <a:r>
+              <a:rPr lang="zh-CN" dirty="0"/>
+              <a:t>分工及评价</a:t>
+            </a:r>
           </a:p>
         </p:txBody>
       </p:sp>
@@ -35336,70 +35706,113 @@
         <p:spPr>
           <a:xfrm>
             <a:off x="838200" y="1810385"/>
-            <a:ext cx="10515600" cy="4351338"/>
+            <a:ext cx="10515600" cy="2859269"/>
           </a:xfrm>
         </p:spPr>
         <p:txBody>
           <a:bodyPr>
-            <a:normAutofit/>
+            <a:normAutofit fontScale="92500" lnSpcReduction="10000"/>
           </a:bodyPr>
           <a:lstStyle/>
           <a:p>
             <a:pPr marL="0" indent="0">
               <a:buNone/>
             </a:pPr>
+            <a:r>
+              <a:rPr lang="zh-CN" altLang="en-US" dirty="0">
+                <a:latin typeface="+mn-ea"/>
+                <a:cs typeface="+mn-ea"/>
+              </a:rPr>
+              <a:t>陈妍蓝：项目工程计划的初步编写，需求工程文档的修改，甘特图，</a:t>
+            </a:r>
             <a:r>
               <a:rPr lang="en-US" altLang="zh-CN" dirty="0">
                 <a:latin typeface="+mn-ea"/>
                 <a:cs typeface="+mn-ea"/>
               </a:rPr>
-              <a:t>《UML2</a:t>
+              <a:t>WBS,OBS</a:t>
             </a:r>
             <a:r>
               <a:rPr lang="zh-CN" altLang="en-US" dirty="0">
                 <a:latin typeface="+mn-ea"/>
                 <a:cs typeface="+mn-ea"/>
               </a:rPr>
-              <a:t>基础、建模与设计教程</a:t>
+              <a:t>图；</a:t>
             </a:r>
             <a:r>
               <a:rPr lang="en-US" altLang="zh-CN" dirty="0">
                 <a:latin typeface="+mn-ea"/>
                 <a:cs typeface="+mn-ea"/>
               </a:rPr>
-              <a:t>》</a:t>
-            </a:r>
+              <a:t>90</a:t>
+            </a:r>
+            <a:r>
+              <a:rPr lang="zh-CN" altLang="en-US" dirty="0">
+                <a:latin typeface="+mn-ea"/>
+                <a:cs typeface="+mn-ea"/>
+              </a:rPr>
+              <a:t>分</a:t>
+            </a:r>
+            <a:endParaRPr lang="en-US" altLang="zh-CN" dirty="0">
+              <a:latin typeface="+mn-ea"/>
+              <a:cs typeface="+mn-ea"/>
+            </a:endParaRPr>
           </a:p>
           <a:p>
             <a:pPr marL="0" indent="0">
               <a:buNone/>
             </a:pPr>
+            <a:r>
+              <a:rPr lang="zh-CN" altLang="en-US" dirty="0">
+                <a:latin typeface="+mn-ea"/>
+                <a:cs typeface="+mn-ea"/>
+              </a:rPr>
+              <a:t>陈遵义：需求工程文档的初步编写；</a:t>
+            </a:r>
             <a:r>
               <a:rPr lang="en-US" altLang="zh-CN" dirty="0">
                 <a:latin typeface="+mn-ea"/>
                 <a:cs typeface="+mn-ea"/>
               </a:rPr>
-              <a:t>《UML</a:t>
+              <a:t>82</a:t>
             </a:r>
             <a:r>
               <a:rPr lang="zh-CN" altLang="en-US" dirty="0">
                 <a:latin typeface="+mn-ea"/>
                 <a:cs typeface="+mn-ea"/>
               </a:rPr>
-              <a:t>用户指南</a:t>
+              <a:t>分</a:t>
+            </a:r>
+            <a:endParaRPr lang="en-US" altLang="zh-CN" dirty="0">
+              <a:latin typeface="+mn-ea"/>
+              <a:cs typeface="+mn-ea"/>
+            </a:endParaRPr>
+          </a:p>
+          <a:p>
+            <a:pPr marL="0" indent="0">
+              <a:buNone/>
+            </a:pPr>
+            <a:r>
+              <a:rPr lang="zh-CN" altLang="en-US" dirty="0">
+                <a:latin typeface="+mn-ea"/>
+                <a:cs typeface="+mn-ea"/>
+              </a:rPr>
+              <a:t>宋翼虎：搜集整理资料，制作</a:t>
             </a:r>
             <a:r>
               <a:rPr lang="en-US" altLang="zh-CN" dirty="0">
                 <a:latin typeface="+mn-ea"/>
                 <a:cs typeface="+mn-ea"/>
               </a:rPr>
-              <a:t>》</a:t>
-            </a:r>
-          </a:p>
-          <a:p>
-            <a:pPr marL="0" indent="0">
-              <a:buNone/>
-            </a:pPr>
+              <a:t>UML</a:t>
+            </a:r>
+            <a:r>
+              <a:rPr lang="zh-CN" altLang="en-US" dirty="0">
+                <a:latin typeface="+mn-ea"/>
+                <a:cs typeface="+mn-ea"/>
+              </a:rPr>
+              <a:t>概述</a:t>
+            </a:r>
             <a:r>
               <a:rPr lang="en-US" altLang="zh-CN" dirty="0">
                 <a:latin typeface="+mn-ea"/>
@@ -35408,11 +35821,113 @@
               <a:t>PPT</a:t>
             </a:r>
             <a:r>
-              <a:rPr lang="zh-CN" altLang="en-US">
+              <a:rPr lang="zh-CN" altLang="en-US" dirty="0">
                 <a:latin typeface="+mn-ea"/>
                 <a:cs typeface="+mn-ea"/>
               </a:rPr>
-              <a:t>中图片来源网络</a:t>
+              <a:t>的大部分内容。</a:t>
+            </a:r>
+            <a:r>
+              <a:rPr lang="en-US" altLang="zh-CN" dirty="0">
+                <a:latin typeface="+mn-ea"/>
+                <a:cs typeface="+mn-ea"/>
+              </a:rPr>
+              <a:t>85</a:t>
+            </a:r>
+            <a:r>
+              <a:rPr lang="zh-CN" altLang="en-US" dirty="0">
+                <a:latin typeface="+mn-ea"/>
+                <a:cs typeface="+mn-ea"/>
+              </a:rPr>
+              <a:t>分</a:t>
+            </a:r>
+            <a:endParaRPr lang="en-US" altLang="zh-CN" dirty="0">
+              <a:latin typeface="+mn-ea"/>
+              <a:cs typeface="+mn-ea"/>
+            </a:endParaRPr>
+          </a:p>
+          <a:p>
+            <a:pPr marL="0" indent="0">
+              <a:buNone/>
+            </a:pPr>
+            <a:r>
+              <a:rPr lang="zh-CN" altLang="en-US" dirty="0">
+                <a:latin typeface="+mn-ea"/>
+                <a:cs typeface="+mn-ea"/>
+              </a:rPr>
+              <a:t>郑巧雁：编写项目章程，搜集整理资料，制作</a:t>
+            </a:r>
+            <a:r>
+              <a:rPr lang="en-US" altLang="zh-CN" dirty="0">
+                <a:latin typeface="+mn-ea"/>
+                <a:cs typeface="+mn-ea"/>
+              </a:rPr>
+              <a:t>PPT</a:t>
+            </a:r>
+            <a:r>
+              <a:rPr lang="zh-CN" altLang="en-US" dirty="0">
+                <a:latin typeface="+mn-ea"/>
+                <a:cs typeface="+mn-ea"/>
+              </a:rPr>
+              <a:t>最后</a:t>
+            </a:r>
+            <a:r>
+              <a:rPr lang="en-US" altLang="zh-CN" dirty="0">
+                <a:latin typeface="+mn-ea"/>
+                <a:cs typeface="+mn-ea"/>
+              </a:rPr>
+              <a:t>10</a:t>
+            </a:r>
+            <a:r>
+              <a:rPr lang="zh-CN" altLang="en-US" dirty="0">
+                <a:latin typeface="+mn-ea"/>
+                <a:cs typeface="+mn-ea"/>
+              </a:rPr>
+              <a:t>页左右的内容。</a:t>
+            </a:r>
+            <a:r>
+              <a:rPr lang="en-US" altLang="zh-CN" dirty="0">
+                <a:latin typeface="+mn-ea"/>
+                <a:cs typeface="+mn-ea"/>
+              </a:rPr>
+              <a:t>81</a:t>
+            </a:r>
+            <a:r>
+              <a:rPr lang="zh-CN" altLang="en-US" dirty="0">
+                <a:latin typeface="+mn-ea"/>
+                <a:cs typeface="+mn-ea"/>
+              </a:rPr>
+              <a:t>分</a:t>
+            </a:r>
+            <a:endParaRPr lang="en-US" altLang="zh-CN" dirty="0">
+              <a:latin typeface="+mn-ea"/>
+              <a:cs typeface="+mn-ea"/>
+            </a:endParaRPr>
+          </a:p>
+          <a:p>
+            <a:pPr marL="0" indent="0">
+              <a:buNone/>
+            </a:pPr>
+            <a:r>
+              <a:rPr lang="zh-CN" altLang="en-US" dirty="0">
+                <a:latin typeface="+mn-ea"/>
+                <a:cs typeface="+mn-ea"/>
+              </a:rPr>
+              <a:t>张琪：编写可行性分析，搜集整理资料。</a:t>
+            </a:r>
+            <a:r>
+              <a:rPr lang="en-US" altLang="zh-CN" dirty="0">
+                <a:latin typeface="+mn-ea"/>
+                <a:cs typeface="+mn-ea"/>
+              </a:rPr>
+              <a:t>75</a:t>
+            </a:r>
+            <a:r>
+              <a:rPr lang="zh-CN" altLang="en-US" dirty="0">
+                <a:latin typeface="+mn-ea"/>
+                <a:cs typeface="+mn-ea"/>
+              </a:rPr>
+              <a:t>分</a:t>
             </a:r>
             <a:endParaRPr lang="zh-CN" dirty="0">
               <a:latin typeface="+mn-ea"/>
@@ -35520,6 +36035,259 @@
     </p:spTree>
     <p:extLst>
       <p:ext uri="{BB962C8B-B14F-4D97-AF65-F5344CB8AC3E}">
+        <p14:creationId xmlns:p14="http://schemas.microsoft.com/office/powerpoint/2010/main" val="2797593213"/>
+      </p:ext>
+    </p:extLst>
+  </p:cSld>
+  <p:clrMapOvr>
+    <a:masterClrMapping/>
+  </p:clrMapOvr>
+</p:sld>
+</file>
+
+<file path=ppt/slides/slide77.xml><?xml version="1.0" encoding="utf-8"?>
+<p:sld xmlns:a="http://schemas.openxmlformats.org/drawingml/2006/main" xmlns:r="http://schemas.openxmlformats.org/officeDocument/2006/relationships" xmlns:p="http://schemas.openxmlformats.org/presentationml/2006/main">
+  <p:cSld>
+    <p:spTree>
+      <p:nvGrpSpPr>
+        <p:cNvPr id="1" name=""/>
+        <p:cNvGrpSpPr/>
+        <p:nvPr/>
+      </p:nvGrpSpPr>
+      <p:grpSpPr>
+        <a:xfrm>
+          <a:off x="0" y="0"/>
+          <a:ext cx="0" cy="0"/>
+          <a:chOff x="0" y="0"/>
+          <a:chExt cx="0" cy="0"/>
+        </a:xfrm>
+      </p:grpSpPr>
+      <p:sp>
+        <p:nvSpPr>
+          <p:cNvPr id="2" name="标题 1"/>
+          <p:cNvSpPr>
+            <a:spLocks noGrp="1"/>
+          </p:cNvSpPr>
+          <p:nvPr>
+            <p:ph type="title"/>
+          </p:nvPr>
+        </p:nvSpPr>
+        <p:spPr>
+          <a:xfrm>
+            <a:off x="838200" y="365125"/>
+            <a:ext cx="10515600" cy="1325563"/>
+          </a:xfrm>
+        </p:spPr>
+        <p:txBody>
+          <a:bodyPr/>
+          <a:lstStyle/>
+          <a:p>
+            <a:pPr algn="ctr"/>
+            <a:r>
+              <a:rPr lang="zh-CN" altLang="en-US" dirty="0"/>
+              <a:t>参考资料</a:t>
+            </a:r>
+            <a:endParaRPr lang="zh-CN" dirty="0"/>
+          </a:p>
+        </p:txBody>
+      </p:sp>
+      <p:sp>
+        <p:nvSpPr>
+          <p:cNvPr id="3" name="内容占位符 2"/>
+          <p:cNvSpPr>
+            <a:spLocks noGrp="1"/>
+          </p:cNvSpPr>
+          <p:nvPr>
+            <p:ph idx="1"/>
+          </p:nvPr>
+        </p:nvSpPr>
+        <p:spPr>
+          <a:xfrm>
+            <a:off x="838200" y="1810385"/>
+            <a:ext cx="10515600" cy="4351338"/>
+          </a:xfrm>
+        </p:spPr>
+        <p:txBody>
+          <a:bodyPr>
+            <a:normAutofit/>
+          </a:bodyPr>
+          <a:lstStyle/>
+          <a:p>
+            <a:pPr marL="0" indent="0">
+              <a:buNone/>
+            </a:pPr>
+            <a:r>
+              <a:rPr lang="en-US" altLang="zh-CN" dirty="0">
+                <a:latin typeface="+mn-ea"/>
+                <a:cs typeface="+mn-ea"/>
+              </a:rPr>
+              <a:t>【1】《UML2</a:t>
+            </a:r>
+            <a:r>
+              <a:rPr lang="zh-CN" altLang="en-US" dirty="0">
+                <a:latin typeface="+mn-ea"/>
+                <a:cs typeface="+mn-ea"/>
+              </a:rPr>
+              <a:t>基础、建模与设计教程</a:t>
+            </a:r>
+            <a:r>
+              <a:rPr lang="en-US" altLang="zh-CN" dirty="0">
+                <a:latin typeface="+mn-ea"/>
+                <a:cs typeface="+mn-ea"/>
+              </a:rPr>
+              <a:t>》</a:t>
+            </a:r>
+          </a:p>
+          <a:p>
+            <a:pPr marL="0" indent="0">
+              <a:buNone/>
+            </a:pPr>
+            <a:r>
+              <a:rPr lang="en-US" altLang="zh-CN" dirty="0">
+                <a:latin typeface="+mn-ea"/>
+                <a:cs typeface="+mn-ea"/>
+              </a:rPr>
+              <a:t>【2】《UML</a:t>
+            </a:r>
+            <a:r>
+              <a:rPr lang="zh-CN" altLang="en-US" dirty="0">
+                <a:latin typeface="+mn-ea"/>
+                <a:cs typeface="+mn-ea"/>
+              </a:rPr>
+              <a:t>用户指南</a:t>
+            </a:r>
+            <a:r>
+              <a:rPr lang="en-US" altLang="zh-CN" dirty="0">
+                <a:latin typeface="+mn-ea"/>
+                <a:cs typeface="+mn-ea"/>
+              </a:rPr>
+              <a:t>》</a:t>
+            </a:r>
+          </a:p>
+          <a:p>
+            <a:pPr marL="0" indent="0">
+              <a:buNone/>
+            </a:pPr>
+            <a:r>
+              <a:rPr lang="en-US" altLang="zh-CN" dirty="0">
+                <a:latin typeface="+mn-ea"/>
+                <a:cs typeface="+mn-ea"/>
+              </a:rPr>
+              <a:t>【3】PPT</a:t>
+            </a:r>
+            <a:r>
+              <a:rPr lang="zh-CN" altLang="en-US" dirty="0">
+                <a:latin typeface="+mn-ea"/>
+                <a:cs typeface="+mn-ea"/>
+              </a:rPr>
+              <a:t>中图片来源网络</a:t>
+            </a:r>
+            <a:endParaRPr lang="zh-CN" dirty="0">
+              <a:latin typeface="+mn-ea"/>
+              <a:cs typeface="+mn-ea"/>
+            </a:endParaRPr>
+          </a:p>
+        </p:txBody>
+      </p:sp>
+      <p:sp>
+        <p:nvSpPr>
+          <p:cNvPr id="4" name="Freeform 5"/>
+          <p:cNvSpPr/>
+          <p:nvPr/>
+        </p:nvSpPr>
+        <p:spPr bwMode="auto">
+          <a:xfrm flipH="1">
+            <a:off x="0" y="-13281"/>
+            <a:ext cx="409433" cy="832147"/>
+          </a:xfrm>
+          <a:custGeom>
+            <a:avLst/>
+            <a:gdLst>
+              <a:gd name="T0" fmla="*/ 1462 w 2332"/>
+              <a:gd name="T1" fmla="*/ 0 h 3907"/>
+              <a:gd name="T2" fmla="*/ 2332 w 2332"/>
+              <a:gd name="T3" fmla="*/ 0 h 3907"/>
+              <a:gd name="T4" fmla="*/ 2332 w 2332"/>
+              <a:gd name="T5" fmla="*/ 3907 h 3907"/>
+              <a:gd name="T6" fmla="*/ 0 w 2332"/>
+              <a:gd name="T7" fmla="*/ 2595 h 3907"/>
+              <a:gd name="T8" fmla="*/ 1462 w 2332"/>
+              <a:gd name="T9" fmla="*/ 0 h 3907"/>
+            </a:gdLst>
+            <a:ahLst/>
+            <a:cxnLst>
+              <a:cxn ang="0">
+                <a:pos x="T0" y="T1"/>
+              </a:cxn>
+              <a:cxn ang="0">
+                <a:pos x="T2" y="T3"/>
+              </a:cxn>
+              <a:cxn ang="0">
+                <a:pos x="T4" y="T5"/>
+              </a:cxn>
+              <a:cxn ang="0">
+                <a:pos x="T6" y="T7"/>
+              </a:cxn>
+              <a:cxn ang="0">
+                <a:pos x="T8" y="T9"/>
+              </a:cxn>
+            </a:cxnLst>
+            <a:rect l="0" t="0" r="r" b="b"/>
+            <a:pathLst>
+              <a:path w="2332" h="3907">
+                <a:moveTo>
+                  <a:pt x="1462" y="0"/>
+                </a:moveTo>
+                <a:lnTo>
+                  <a:pt x="2332" y="0"/>
+                </a:lnTo>
+                <a:lnTo>
+                  <a:pt x="2332" y="3907"/>
+                </a:lnTo>
+                <a:lnTo>
+                  <a:pt x="0" y="2595"/>
+                </a:lnTo>
+                <a:lnTo>
+                  <a:pt x="1462" y="0"/>
+                </a:lnTo>
+                <a:close/>
+              </a:path>
+            </a:pathLst>
+          </a:custGeom>
+          <a:solidFill>
+            <a:srgbClr val="002B41"/>
+          </a:solidFill>
+          <a:ln w="28575">
+            <a:noFill/>
+          </a:ln>
+          <a:effectLst>
+            <a:outerShdw blurRad="254000" dist="127000" dir="2700000" algn="tl" rotWithShape="0">
+              <a:prstClr val="black">
+                <a:alpha val="40000"/>
+              </a:prstClr>
+            </a:outerShdw>
+          </a:effectLst>
+        </p:spPr>
+        <p:txBody>
+          <a:bodyPr anchor="ctr"/>
+          <a:lstStyle/>
+          <a:p>
+            <a:pPr algn="ctr"/>
+            <a:endParaRPr lang="zh-CN" altLang="en-US" sz="2000">
+              <a:solidFill>
+                <a:schemeClr val="bg1">
+                  <a:lumMod val="95000"/>
+                </a:schemeClr>
+              </a:solidFill>
+              <a:latin typeface="Calibri" panose="020F0502020204030204" pitchFamily="34" charset="0"/>
+              <a:ea typeface="宋体" panose="02010600030101010101" pitchFamily="2" charset="-122"/>
+            </a:endParaRPr>
+          </a:p>
+        </p:txBody>
+      </p:sp>
+    </p:spTree>
+    <p:extLst>
+      <p:ext uri="{BB962C8B-B14F-4D97-AF65-F5344CB8AC3E}">
         <p14:creationId xmlns:p14="http://schemas.microsoft.com/office/powerpoint/2010/main" val="616533518"/>
       </p:ext>
     </p:extLst>
@@ -35530,7 +36298,7 @@
 </p:sld>
 </file>
 
-<file path=ppt/slides/slide77.xml><?xml version="1.0" encoding="utf-8"?>
+<file path=ppt/slides/slide78.xml><?xml version="1.0" encoding="utf-8"?>
 <p:sld xmlns:a="http://schemas.openxmlformats.org/drawingml/2006/main" xmlns:r="http://schemas.openxmlformats.org/officeDocument/2006/relationships" xmlns:p="http://schemas.openxmlformats.org/presentationml/2006/main">
   <p:cSld>
     <p:bg>

--- a/非受控文档/过程文档/UML概述/UML概述（新）.pptx
+++ b/非受控文档/过程文档/UML概述/UML概述（新）.pptx
@@ -5,7 +5,7 @@
     <p:sldMasterId id="2147483648" r:id="rId1"/>
   </p:sldMasterIdLst>
   <p:notesMasterIdLst>
-    <p:notesMasterId r:id="rId80"/>
+    <p:notesMasterId r:id="rId79"/>
   </p:notesMasterIdLst>
   <p:sldIdLst>
     <p:sldId id="256" r:id="rId2"/>
@@ -82,10 +82,9 @@
     <p:sldId id="444" r:id="rId73"/>
     <p:sldId id="445" r:id="rId74"/>
     <p:sldId id="446" r:id="rId75"/>
-    <p:sldId id="447" r:id="rId76"/>
-    <p:sldId id="449" r:id="rId77"/>
-    <p:sldId id="448" r:id="rId78"/>
-    <p:sldId id="279" r:id="rId79"/>
+    <p:sldId id="449" r:id="rId76"/>
+    <p:sldId id="448" r:id="rId77"/>
+    <p:sldId id="279" r:id="rId78"/>
   </p:sldIdLst>
   <p:sldSz cx="12192000" cy="6858000"/>
   <p:notesSz cx="6858000" cy="9144000"/>
@@ -285,7 +284,7 @@
           <a:p>
             <a:fld id="{959EEDEB-74DD-4590-ADB0-3BDFBC7AA6C1}" type="datetimeFigureOut">
               <a:rPr lang="zh-CN" altLang="en-US" smtClean="0"/>
-              <a:t>2018/10/19</a:t>
+              <a:t>2018/10/21</a:t>
             </a:fld>
             <a:endParaRPr lang="zh-CN" altLang="en-US"/>
           </a:p>
@@ -676,7 +675,7 @@
           <a:p>
             <a:fld id="{698485DF-3FAB-45E9-A642-7745AB3E3AFD}" type="datetimeFigureOut">
               <a:rPr lang="zh-CN" altLang="en-US" smtClean="0"/>
-              <a:t>2018/10/19</a:t>
+              <a:t>2018/10/21</a:t>
             </a:fld>
             <a:endParaRPr lang="zh-CN" altLang="en-US"/>
           </a:p>
@@ -839,7 +838,7 @@
           <a:p>
             <a:fld id="{698485DF-3FAB-45E9-A642-7745AB3E3AFD}" type="datetimeFigureOut">
               <a:rPr lang="zh-CN" altLang="en-US" smtClean="0"/>
-              <a:t>2018/10/19</a:t>
+              <a:t>2018/10/21</a:t>
             </a:fld>
             <a:endParaRPr lang="zh-CN" altLang="en-US"/>
           </a:p>
@@ -1012,7 +1011,7 @@
           <a:p>
             <a:fld id="{698485DF-3FAB-45E9-A642-7745AB3E3AFD}" type="datetimeFigureOut">
               <a:rPr lang="zh-CN" altLang="en-US" smtClean="0"/>
-              <a:t>2018/10/19</a:t>
+              <a:t>2018/10/21</a:t>
             </a:fld>
             <a:endParaRPr lang="zh-CN" altLang="en-US"/>
           </a:p>
@@ -1124,7 +1123,7 @@
           <a:p>
             <a:fld id="{698485DF-3FAB-45E9-A642-7745AB3E3AFD}" type="datetimeFigureOut">
               <a:rPr lang="zh-CN" altLang="en-US" smtClean="0"/>
-              <a:t>2018/10/19</a:t>
+              <a:t>2018/10/21</a:t>
             </a:fld>
             <a:endParaRPr lang="zh-CN" altLang="en-US"/>
           </a:p>
@@ -2088,7 +2087,7 @@
           <a:p>
             <a:fld id="{698485DF-3FAB-45E9-A642-7745AB3E3AFD}" type="datetimeFigureOut">
               <a:rPr lang="zh-CN" altLang="en-US" smtClean="0"/>
-              <a:t>2018/10/19</a:t>
+              <a:t>2018/10/21</a:t>
             </a:fld>
             <a:endParaRPr lang="zh-CN" altLang="en-US"/>
           </a:p>
@@ -2328,7 +2327,7 @@
           <a:p>
             <a:fld id="{698485DF-3FAB-45E9-A642-7745AB3E3AFD}" type="datetimeFigureOut">
               <a:rPr lang="zh-CN" altLang="en-US" smtClean="0"/>
-              <a:t>2018/10/19</a:t>
+              <a:t>2018/10/21</a:t>
             </a:fld>
             <a:endParaRPr lang="zh-CN" altLang="en-US"/>
           </a:p>
@@ -2552,7 +2551,7 @@
           <a:p>
             <a:fld id="{698485DF-3FAB-45E9-A642-7745AB3E3AFD}" type="datetimeFigureOut">
               <a:rPr lang="zh-CN" altLang="en-US" smtClean="0"/>
-              <a:t>2018/10/19</a:t>
+              <a:t>2018/10/21</a:t>
             </a:fld>
             <a:endParaRPr lang="zh-CN" altLang="en-US"/>
           </a:p>
@@ -2911,7 +2910,7 @@
           <a:p>
             <a:fld id="{698485DF-3FAB-45E9-A642-7745AB3E3AFD}" type="datetimeFigureOut">
               <a:rPr lang="zh-CN" altLang="en-US" smtClean="0"/>
-              <a:t>2018/10/19</a:t>
+              <a:t>2018/10/21</a:t>
             </a:fld>
             <a:endParaRPr lang="zh-CN" altLang="en-US"/>
           </a:p>
@@ -3023,7 +3022,7 @@
           <a:p>
             <a:fld id="{698485DF-3FAB-45E9-A642-7745AB3E3AFD}" type="datetimeFigureOut">
               <a:rPr lang="zh-CN" altLang="en-US" smtClean="0"/>
-              <a:t>2018/10/19</a:t>
+              <a:t>2018/10/21</a:t>
             </a:fld>
             <a:endParaRPr lang="zh-CN" altLang="en-US"/>
           </a:p>
@@ -3113,7 +3112,7 @@
           <a:p>
             <a:fld id="{698485DF-3FAB-45E9-A642-7745AB3E3AFD}" type="datetimeFigureOut">
               <a:rPr lang="zh-CN" altLang="en-US" smtClean="0"/>
-              <a:t>2018/10/19</a:t>
+              <a:t>2018/10/21</a:t>
             </a:fld>
             <a:endParaRPr lang="zh-CN" altLang="en-US"/>
           </a:p>
@@ -3383,7 +3382,7 @@
           <a:p>
             <a:fld id="{698485DF-3FAB-45E9-A642-7745AB3E3AFD}" type="datetimeFigureOut">
               <a:rPr lang="zh-CN" altLang="en-US" smtClean="0"/>
-              <a:t>2018/10/19</a:t>
+              <a:t>2018/10/21</a:t>
             </a:fld>
             <a:endParaRPr lang="zh-CN" altLang="en-US"/>
           </a:p>
@@ -3630,7 +3629,7 @@
           <a:p>
             <a:fld id="{698485DF-3FAB-45E9-A642-7745AB3E3AFD}" type="datetimeFigureOut">
               <a:rPr lang="zh-CN" altLang="en-US" smtClean="0"/>
-              <a:t>2018/10/19</a:t>
+              <a:t>2018/10/21</a:t>
             </a:fld>
             <a:endParaRPr lang="zh-CN" altLang="en-US"/>
           </a:p>
@@ -3836,7 +3835,7 @@
           <a:p>
             <a:fld id="{698485DF-3FAB-45E9-A642-7745AB3E3AFD}" type="datetimeFigureOut">
               <a:rPr lang="zh-CN" altLang="en-US" smtClean="0"/>
-              <a:t>2018/10/19</a:t>
+              <a:t>2018/10/21</a:t>
             </a:fld>
             <a:endParaRPr lang="zh-CN" altLang="en-US"/>
           </a:p>
@@ -35259,14 +35258,6 @@
 <file path=ppt/slides/slide75.xml><?xml version="1.0" encoding="utf-8"?>
 <p:sld xmlns:a="http://schemas.openxmlformats.org/drawingml/2006/main" xmlns:r="http://schemas.openxmlformats.org/officeDocument/2006/relationships" xmlns:p="http://schemas.openxmlformats.org/presentationml/2006/main">
   <p:cSld>
-    <p:bg>
-      <p:bgPr>
-        <a:solidFill>
-          <a:srgbClr val="F1F1F1"/>
-        </a:solidFill>
-        <a:effectLst/>
-      </p:bgPr>
-    </p:bg>
     <p:spTree>
       <p:nvGrpSpPr>
         <p:cNvPr id="1" name=""/>
@@ -35303,6 +35294,10 @@
           <a:p>
             <a:pPr algn="ctr"/>
             <a:r>
+              <a:rPr lang="zh-CN" altLang="en-US" dirty="0"/>
+              <a:t>此阶段整体</a:t>
+            </a:r>
+            <a:r>
               <a:rPr lang="zh-CN" dirty="0"/>
               <a:t>小组</a:t>
             </a:r>
@@ -35335,7 +35330,7 @@
         </p:spPr>
         <p:txBody>
           <a:bodyPr>
-            <a:normAutofit/>
+            <a:normAutofit fontScale="92500" lnSpcReduction="10000"/>
           </a:bodyPr>
           <a:lstStyle/>
           <a:p>
@@ -35347,14 +35342,28 @@
                 <a:latin typeface="+mn-ea"/>
                 <a:cs typeface="+mn-ea"/>
               </a:rPr>
-              <a:t>陈妍蓝：搜集整理资料。</a:t>
+              <a:t>陈妍蓝：项目工程计划的初步编写，需求工程文档的修改，甘特图，</a:t>
             </a:r>
             <a:r>
               <a:rPr lang="en-US" altLang="zh-CN" dirty="0">
                 <a:latin typeface="+mn-ea"/>
                 <a:cs typeface="+mn-ea"/>
               </a:rPr>
-              <a:t>80</a:t>
+              <a:t>WBS,OBS</a:t>
+            </a:r>
+            <a:r>
+              <a:rPr lang="zh-CN" altLang="en-US" dirty="0">
+                <a:latin typeface="+mn-ea"/>
+                <a:cs typeface="+mn-ea"/>
+              </a:rPr>
+              <a:t>图；</a:t>
+            </a:r>
+            <a:r>
+              <a:rPr lang="en-US" altLang="zh-CN" dirty="0">
+                <a:latin typeface="+mn-ea"/>
+                <a:cs typeface="+mn-ea"/>
+              </a:rPr>
+              <a:t>90</a:t>
             </a:r>
             <a:r>
               <a:rPr lang="zh-CN" altLang="en-US" dirty="0">
@@ -35377,14 +35386,14 @@
                 <a:latin typeface="+mn-ea"/>
                 <a:cs typeface="+mn-ea"/>
               </a:rPr>
-              <a:t>陈遵义：搜集整理资料。</a:t>
+              <a:t>陈遵义：需求工程文档的初步编写；</a:t>
             </a:r>
             <a:r>
               <a:rPr lang="en-US" altLang="zh-CN" dirty="0">
                 <a:latin typeface="+mn-ea"/>
                 <a:cs typeface="+mn-ea"/>
               </a:rPr>
-              <a:t>70</a:t>
+              <a:t>82</a:t>
             </a:r>
             <a:r>
               <a:rPr lang="zh-CN" altLang="en-US" dirty="0">
@@ -35414,6 +35423,20 @@
                 <a:latin typeface="+mn-ea"/>
                 <a:cs typeface="+mn-ea"/>
               </a:rPr>
+              <a:t>UML</a:t>
+            </a:r>
+            <a:r>
+              <a:rPr lang="zh-CN" altLang="en-US" dirty="0">
+                <a:latin typeface="+mn-ea"/>
+                <a:cs typeface="+mn-ea"/>
+              </a:rPr>
+              <a:t>概述</a:t>
+            </a:r>
+            <a:r>
+              <a:rPr lang="en-US" altLang="zh-CN" dirty="0">
+                <a:latin typeface="+mn-ea"/>
+                <a:cs typeface="+mn-ea"/>
+              </a:rPr>
               <a:t>PPT</a:t>
             </a:r>
             <a:r>
@@ -35451,7 +35474,7 @@
                 <a:latin typeface="+mn-ea"/>
                 <a:cs typeface="+mn-ea"/>
               </a:rPr>
-              <a:t>郑巧雁：搜集整理资料，制作</a:t>
+              <a:t>郑巧雁：编写项目章程，搜集整理资料，制作</a:t>
             </a:r>
             <a:r>
               <a:rPr lang="en-US" altLang="zh-CN" dirty="0">
@@ -35486,7 +35509,7 @@
                 <a:latin typeface="+mn-ea"/>
                 <a:cs typeface="+mn-ea"/>
               </a:rPr>
-              <a:t>80</a:t>
+              <a:t>81</a:t>
             </a:r>
             <a:r>
               <a:rPr lang="zh-CN" altLang="en-US" dirty="0">
@@ -35509,14 +35532,14 @@
                 <a:latin typeface="+mn-ea"/>
                 <a:cs typeface="+mn-ea"/>
               </a:rPr>
-              <a:t>张琪：搜集整理资料。</a:t>
+              <a:t>张琪：编写可行性分析，搜集整理资料。</a:t>
             </a:r>
             <a:r>
               <a:rPr lang="en-US" altLang="zh-CN" dirty="0">
                 <a:latin typeface="+mn-ea"/>
                 <a:cs typeface="+mn-ea"/>
               </a:rPr>
-              <a:t>70</a:t>
+              <a:t>75</a:t>
             </a:r>
             <a:r>
               <a:rPr lang="zh-CN" altLang="en-US" dirty="0">
@@ -35629,6 +35652,11 @@
         </p:txBody>
       </p:sp>
     </p:spTree>
+    <p:extLst>
+      <p:ext uri="{BB962C8B-B14F-4D97-AF65-F5344CB8AC3E}">
+        <p14:creationId xmlns:p14="http://schemas.microsoft.com/office/powerpoint/2010/main" val="2797593213"/>
+      </p:ext>
+    </p:extLst>
   </p:cSld>
   <p:clrMapOvr>
     <a:masterClrMapping/>
@@ -35676,20 +35704,9 @@
             <a:pPr algn="ctr"/>
             <a:r>
               <a:rPr lang="zh-CN" altLang="en-US" dirty="0"/>
-              <a:t>此阶段整体</a:t>
-            </a:r>
-            <a:r>
-              <a:rPr lang="zh-CN" dirty="0"/>
-              <a:t>小组</a:t>
-            </a:r>
-            <a:r>
-              <a:rPr lang="zh-CN" altLang="en-US" dirty="0"/>
-              <a:t>成员</a:t>
-            </a:r>
-            <a:r>
-              <a:rPr lang="zh-CN" dirty="0"/>
-              <a:t>分工及评价</a:t>
-            </a:r>
+              <a:t>参考资料</a:t>
+            </a:r>
+            <a:endParaRPr lang="zh-CN" dirty="0"/>
           </a:p>
         </p:txBody>
       </p:sp>
@@ -35706,228 +35723,83 @@
         <p:spPr>
           <a:xfrm>
             <a:off x="838200" y="1810385"/>
-            <a:ext cx="10515600" cy="2859269"/>
+            <a:ext cx="10515600" cy="4351338"/>
           </a:xfrm>
         </p:spPr>
         <p:txBody>
           <a:bodyPr>
-            <a:normAutofit fontScale="92500" lnSpcReduction="10000"/>
+            <a:normAutofit/>
           </a:bodyPr>
           <a:lstStyle/>
           <a:p>
             <a:pPr marL="0" indent="0">
               <a:buNone/>
             </a:pPr>
+            <a:r>
+              <a:rPr lang="en-US" altLang="zh-CN" dirty="0">
+                <a:latin typeface="+mn-ea"/>
+                <a:cs typeface="+mn-ea"/>
+              </a:rPr>
+              <a:t>【1】《UML2</a:t>
+            </a:r>
             <a:r>
               <a:rPr lang="zh-CN" altLang="en-US" dirty="0">
                 <a:latin typeface="+mn-ea"/>
                 <a:cs typeface="+mn-ea"/>
               </a:rPr>
-              <a:t>陈妍蓝：项目工程计划的初步编写，需求工程文档的修改，甘特图，</a:t>
+              <a:t>基础、建模与设计教程</a:t>
             </a:r>
             <a:r>
               <a:rPr lang="en-US" altLang="zh-CN" dirty="0">
                 <a:latin typeface="+mn-ea"/>
                 <a:cs typeface="+mn-ea"/>
               </a:rPr>
-              <a:t>WBS,OBS</a:t>
+              <a:t>》</a:t>
+            </a:r>
+          </a:p>
+          <a:p>
+            <a:pPr marL="0" indent="0">
+              <a:buNone/>
+            </a:pPr>
+            <a:r>
+              <a:rPr lang="en-US" altLang="zh-CN" dirty="0">
+                <a:latin typeface="+mn-ea"/>
+                <a:cs typeface="+mn-ea"/>
+              </a:rPr>
+              <a:t>【2】《UML</a:t>
             </a:r>
             <a:r>
               <a:rPr lang="zh-CN" altLang="en-US" dirty="0">
                 <a:latin typeface="+mn-ea"/>
                 <a:cs typeface="+mn-ea"/>
               </a:rPr>
-              <a:t>图；</a:t>
+              <a:t>用户指南</a:t>
             </a:r>
             <a:r>
               <a:rPr lang="en-US" altLang="zh-CN" dirty="0">
                 <a:latin typeface="+mn-ea"/>
                 <a:cs typeface="+mn-ea"/>
               </a:rPr>
-              <a:t>90</a:t>
+              <a:t>》</a:t>
+            </a:r>
+          </a:p>
+          <a:p>
+            <a:pPr marL="0" indent="0">
+              <a:buNone/>
+            </a:pPr>
+            <a:r>
+              <a:rPr lang="en-US" altLang="zh-CN" dirty="0">
+                <a:latin typeface="+mn-ea"/>
+                <a:cs typeface="+mn-ea"/>
+              </a:rPr>
+              <a:t>【3】PPT</a:t>
             </a:r>
             <a:r>
               <a:rPr lang="zh-CN" altLang="en-US" dirty="0">
                 <a:latin typeface="+mn-ea"/>
                 <a:cs typeface="+mn-ea"/>
               </a:rPr>
-              <a:t>分</a:t>
-            </a:r>
-            <a:endParaRPr lang="en-US" altLang="zh-CN" dirty="0">
-              <a:latin typeface="+mn-ea"/>
-              <a:cs typeface="+mn-ea"/>
-            </a:endParaRPr>
-          </a:p>
-          <a:p>
-            <a:pPr marL="0" indent="0">
-              <a:buNone/>
-            </a:pPr>
-            <a:r>
-              <a:rPr lang="zh-CN" altLang="en-US" dirty="0">
-                <a:latin typeface="+mn-ea"/>
-                <a:cs typeface="+mn-ea"/>
-              </a:rPr>
-              <a:t>陈遵义：需求工程文档的初步编写；</a:t>
-            </a:r>
-            <a:r>
-              <a:rPr lang="en-US" altLang="zh-CN" dirty="0">
-                <a:latin typeface="+mn-ea"/>
-                <a:cs typeface="+mn-ea"/>
-              </a:rPr>
-              <a:t>82</a:t>
-            </a:r>
-            <a:r>
-              <a:rPr lang="zh-CN" altLang="en-US" dirty="0">
-                <a:latin typeface="+mn-ea"/>
-                <a:cs typeface="+mn-ea"/>
-              </a:rPr>
-              <a:t>分</a:t>
-            </a:r>
-            <a:endParaRPr lang="en-US" altLang="zh-CN" dirty="0">
-              <a:latin typeface="+mn-ea"/>
-              <a:cs typeface="+mn-ea"/>
-            </a:endParaRPr>
-          </a:p>
-          <a:p>
-            <a:pPr marL="0" indent="0">
-              <a:buNone/>
-            </a:pPr>
-            <a:r>
-              <a:rPr lang="zh-CN" altLang="en-US" dirty="0">
-                <a:latin typeface="+mn-ea"/>
-                <a:cs typeface="+mn-ea"/>
-              </a:rPr>
-              <a:t>宋翼虎：搜集整理资料，制作</a:t>
-            </a:r>
-            <a:r>
-              <a:rPr lang="en-US" altLang="zh-CN" dirty="0">
-                <a:latin typeface="+mn-ea"/>
-                <a:cs typeface="+mn-ea"/>
-              </a:rPr>
-              <a:t>UML</a:t>
-            </a:r>
-            <a:r>
-              <a:rPr lang="zh-CN" altLang="en-US" dirty="0">
-                <a:latin typeface="+mn-ea"/>
-                <a:cs typeface="+mn-ea"/>
-              </a:rPr>
-              <a:t>概述</a:t>
-            </a:r>
-            <a:r>
-              <a:rPr lang="en-US" altLang="zh-CN" dirty="0">
-                <a:latin typeface="+mn-ea"/>
-                <a:cs typeface="+mn-ea"/>
-              </a:rPr>
-              <a:t>PPT</a:t>
-            </a:r>
-            <a:r>
-              <a:rPr lang="zh-CN" altLang="en-US" dirty="0">
-                <a:latin typeface="+mn-ea"/>
-                <a:cs typeface="+mn-ea"/>
-              </a:rPr>
-              <a:t>的大部分内容。</a:t>
-            </a:r>
-            <a:r>
-              <a:rPr lang="en-US" altLang="zh-CN" dirty="0">
-                <a:latin typeface="+mn-ea"/>
-                <a:cs typeface="+mn-ea"/>
-              </a:rPr>
-              <a:t>85</a:t>
-            </a:r>
-            <a:r>
-              <a:rPr lang="zh-CN" altLang="en-US" dirty="0">
-                <a:latin typeface="+mn-ea"/>
-                <a:cs typeface="+mn-ea"/>
-              </a:rPr>
-              <a:t>分</a:t>
-            </a:r>
-            <a:endParaRPr lang="en-US" altLang="zh-CN" dirty="0">
-              <a:latin typeface="+mn-ea"/>
-              <a:cs typeface="+mn-ea"/>
-            </a:endParaRPr>
-          </a:p>
-          <a:p>
-            <a:pPr marL="0" indent="0">
-              <a:buNone/>
-            </a:pPr>
-            <a:r>
-              <a:rPr lang="zh-CN" altLang="en-US" dirty="0">
-                <a:latin typeface="+mn-ea"/>
-                <a:cs typeface="+mn-ea"/>
-              </a:rPr>
-              <a:t>郑巧雁：编写项目章程，搜集整理资料，制作</a:t>
-            </a:r>
-            <a:r>
-              <a:rPr lang="en-US" altLang="zh-CN" dirty="0">
-                <a:latin typeface="+mn-ea"/>
-                <a:cs typeface="+mn-ea"/>
-              </a:rPr>
-              <a:t>PPT</a:t>
-            </a:r>
-            <a:r>
-              <a:rPr lang="zh-CN" altLang="en-US" dirty="0">
-                <a:latin typeface="+mn-ea"/>
-                <a:cs typeface="+mn-ea"/>
-              </a:rPr>
-              <a:t>最后</a:t>
-            </a:r>
-            <a:r>
-              <a:rPr lang="en-US" altLang="zh-CN" dirty="0">
-                <a:latin typeface="+mn-ea"/>
-                <a:cs typeface="+mn-ea"/>
-              </a:rPr>
-              <a:t>10</a:t>
-            </a:r>
-            <a:r>
-              <a:rPr lang="zh-CN" altLang="en-US" dirty="0">
-                <a:latin typeface="+mn-ea"/>
-                <a:cs typeface="+mn-ea"/>
-              </a:rPr>
-              <a:t>页左右的内容。</a:t>
-            </a:r>
-            <a:r>
-              <a:rPr lang="en-US" altLang="zh-CN" dirty="0">
-                <a:latin typeface="+mn-ea"/>
-                <a:cs typeface="+mn-ea"/>
-              </a:rPr>
-              <a:t>81</a:t>
-            </a:r>
-            <a:r>
-              <a:rPr lang="zh-CN" altLang="en-US" dirty="0">
-                <a:latin typeface="+mn-ea"/>
-                <a:cs typeface="+mn-ea"/>
-              </a:rPr>
-              <a:t>分</a:t>
-            </a:r>
-            <a:endParaRPr lang="en-US" altLang="zh-CN" dirty="0">
-              <a:latin typeface="+mn-ea"/>
-              <a:cs typeface="+mn-ea"/>
-            </a:endParaRPr>
-          </a:p>
-          <a:p>
-            <a:pPr marL="0" indent="0">
-              <a:buNone/>
-            </a:pPr>
-            <a:r>
-              <a:rPr lang="zh-CN" altLang="en-US" dirty="0">
-                <a:latin typeface="+mn-ea"/>
-                <a:cs typeface="+mn-ea"/>
-              </a:rPr>
-              <a:t>张琪：编写可行性分析，搜集整理资料。</a:t>
-            </a:r>
-            <a:r>
-              <a:rPr lang="en-US" altLang="zh-CN" dirty="0">
-                <a:latin typeface="+mn-ea"/>
-                <a:cs typeface="+mn-ea"/>
-              </a:rPr>
-              <a:t>75</a:t>
-            </a:r>
-            <a:r>
-              <a:rPr lang="zh-CN" altLang="en-US" dirty="0">
-                <a:latin typeface="+mn-ea"/>
-                <a:cs typeface="+mn-ea"/>
-              </a:rPr>
-              <a:t>分</a:t>
+              <a:t>中图片来源网络</a:t>
             </a:r>
             <a:endParaRPr lang="zh-CN" dirty="0">
               <a:latin typeface="+mn-ea"/>
@@ -36035,7 +35907,7 @@
     </p:spTree>
     <p:extLst>
       <p:ext uri="{BB962C8B-B14F-4D97-AF65-F5344CB8AC3E}">
-        <p14:creationId xmlns:p14="http://schemas.microsoft.com/office/powerpoint/2010/main" val="2797593213"/>
+        <p14:creationId xmlns:p14="http://schemas.microsoft.com/office/powerpoint/2010/main" val="616533518"/>
       </p:ext>
     </p:extLst>
   </p:cSld>
@@ -36046,259 +35918,6 @@
 </file>
 
 <file path=ppt/slides/slide77.xml><?xml version="1.0" encoding="utf-8"?>
-<p:sld xmlns:a="http://schemas.openxmlformats.org/drawingml/2006/main" xmlns:r="http://schemas.openxmlformats.org/officeDocument/2006/relationships" xmlns:p="http://schemas.openxmlformats.org/presentationml/2006/main">
-  <p:cSld>
-    <p:spTree>
-      <p:nvGrpSpPr>
-        <p:cNvPr id="1" name=""/>
-        <p:cNvGrpSpPr/>
-        <p:nvPr/>
-      </p:nvGrpSpPr>
-      <p:grpSpPr>
-        <a:xfrm>
-          <a:off x="0" y="0"/>
-          <a:ext cx="0" cy="0"/>
-          <a:chOff x="0" y="0"/>
-          <a:chExt cx="0" cy="0"/>
-        </a:xfrm>
-      </p:grpSpPr>
-      <p:sp>
-        <p:nvSpPr>
-          <p:cNvPr id="2" name="标题 1"/>
-          <p:cNvSpPr>
-            <a:spLocks noGrp="1"/>
-          </p:cNvSpPr>
-          <p:nvPr>
-            <p:ph type="title"/>
-          </p:nvPr>
-        </p:nvSpPr>
-        <p:spPr>
-          <a:xfrm>
-            <a:off x="838200" y="365125"/>
-            <a:ext cx="10515600" cy="1325563"/>
-          </a:xfrm>
-        </p:spPr>
-        <p:txBody>
-          <a:bodyPr/>
-          <a:lstStyle/>
-          <a:p>
-            <a:pPr algn="ctr"/>
-            <a:r>
-              <a:rPr lang="zh-CN" altLang="en-US" dirty="0"/>
-              <a:t>参考资料</a:t>
-            </a:r>
-            <a:endParaRPr lang="zh-CN" dirty="0"/>
-          </a:p>
-        </p:txBody>
-      </p:sp>
-      <p:sp>
-        <p:nvSpPr>
-          <p:cNvPr id="3" name="内容占位符 2"/>
-          <p:cNvSpPr>
-            <a:spLocks noGrp="1"/>
-          </p:cNvSpPr>
-          <p:nvPr>
-            <p:ph idx="1"/>
-          </p:nvPr>
-        </p:nvSpPr>
-        <p:spPr>
-          <a:xfrm>
-            <a:off x="838200" y="1810385"/>
-            <a:ext cx="10515600" cy="4351338"/>
-          </a:xfrm>
-        </p:spPr>
-        <p:txBody>
-          <a:bodyPr>
-            <a:normAutofit/>
-          </a:bodyPr>
-          <a:lstStyle/>
-          <a:p>
-            <a:pPr marL="0" indent="0">
-              <a:buNone/>
-            </a:pPr>
-            <a:r>
-              <a:rPr lang="en-US" altLang="zh-CN" dirty="0">
-                <a:latin typeface="+mn-ea"/>
-                <a:cs typeface="+mn-ea"/>
-              </a:rPr>
-              <a:t>【1】《UML2</a:t>
-            </a:r>
-            <a:r>
-              <a:rPr lang="zh-CN" altLang="en-US" dirty="0">
-                <a:latin typeface="+mn-ea"/>
-                <a:cs typeface="+mn-ea"/>
-              </a:rPr>
-              <a:t>基础、建模与设计教程</a:t>
-            </a:r>
-            <a:r>
-              <a:rPr lang="en-US" altLang="zh-CN" dirty="0">
-                <a:latin typeface="+mn-ea"/>
-                <a:cs typeface="+mn-ea"/>
-              </a:rPr>
-              <a:t>》</a:t>
-            </a:r>
-          </a:p>
-          <a:p>
-            <a:pPr marL="0" indent="0">
-              <a:buNone/>
-            </a:pPr>
-            <a:r>
-              <a:rPr lang="en-US" altLang="zh-CN" dirty="0">
-                <a:latin typeface="+mn-ea"/>
-                <a:cs typeface="+mn-ea"/>
-              </a:rPr>
-              <a:t>【2】《UML</a:t>
-            </a:r>
-            <a:r>
-              <a:rPr lang="zh-CN" altLang="en-US" dirty="0">
-                <a:latin typeface="+mn-ea"/>
-                <a:cs typeface="+mn-ea"/>
-              </a:rPr>
-              <a:t>用户指南</a:t>
-            </a:r>
-            <a:r>
-              <a:rPr lang="en-US" altLang="zh-CN" dirty="0">
-                <a:latin typeface="+mn-ea"/>
-                <a:cs typeface="+mn-ea"/>
-              </a:rPr>
-              <a:t>》</a:t>
-            </a:r>
-          </a:p>
-          <a:p>
-            <a:pPr marL="0" indent="0">
-              <a:buNone/>
-            </a:pPr>
-            <a:r>
-              <a:rPr lang="en-US" altLang="zh-CN" dirty="0">
-                <a:latin typeface="+mn-ea"/>
-                <a:cs typeface="+mn-ea"/>
-              </a:rPr>
-              <a:t>【3】PPT</a:t>
-            </a:r>
-            <a:r>
-              <a:rPr lang="zh-CN" altLang="en-US" dirty="0">
-                <a:latin typeface="+mn-ea"/>
-                <a:cs typeface="+mn-ea"/>
-              </a:rPr>
-              <a:t>中图片来源网络</a:t>
-            </a:r>
-            <a:endParaRPr lang="zh-CN" dirty="0">
-              <a:latin typeface="+mn-ea"/>
-              <a:cs typeface="+mn-ea"/>
-            </a:endParaRPr>
-          </a:p>
-        </p:txBody>
-      </p:sp>
-      <p:sp>
-        <p:nvSpPr>
-          <p:cNvPr id="4" name="Freeform 5"/>
-          <p:cNvSpPr/>
-          <p:nvPr/>
-        </p:nvSpPr>
-        <p:spPr bwMode="auto">
-          <a:xfrm flipH="1">
-            <a:off x="0" y="-13281"/>
-            <a:ext cx="409433" cy="832147"/>
-          </a:xfrm>
-          <a:custGeom>
-            <a:avLst/>
-            <a:gdLst>
-              <a:gd name="T0" fmla="*/ 1462 w 2332"/>
-              <a:gd name="T1" fmla="*/ 0 h 3907"/>
-              <a:gd name="T2" fmla="*/ 2332 w 2332"/>
-              <a:gd name="T3" fmla="*/ 0 h 3907"/>
-              <a:gd name="T4" fmla="*/ 2332 w 2332"/>
-              <a:gd name="T5" fmla="*/ 3907 h 3907"/>
-              <a:gd name="T6" fmla="*/ 0 w 2332"/>
-              <a:gd name="T7" fmla="*/ 2595 h 3907"/>
-              <a:gd name="T8" fmla="*/ 1462 w 2332"/>
-              <a:gd name="T9" fmla="*/ 0 h 3907"/>
-            </a:gdLst>
-            <a:ahLst/>
-            <a:cxnLst>
-              <a:cxn ang="0">
-                <a:pos x="T0" y="T1"/>
-              </a:cxn>
-              <a:cxn ang="0">
-                <a:pos x="T2" y="T3"/>
-              </a:cxn>
-              <a:cxn ang="0">
-                <a:pos x="T4" y="T5"/>
-              </a:cxn>
-              <a:cxn ang="0">
-                <a:pos x="T6" y="T7"/>
-              </a:cxn>
-              <a:cxn ang="0">
-                <a:pos x="T8" y="T9"/>
-              </a:cxn>
-            </a:cxnLst>
-            <a:rect l="0" t="0" r="r" b="b"/>
-            <a:pathLst>
-              <a:path w="2332" h="3907">
-                <a:moveTo>
-                  <a:pt x="1462" y="0"/>
-                </a:moveTo>
-                <a:lnTo>
-                  <a:pt x="2332" y="0"/>
-                </a:lnTo>
-                <a:lnTo>
-                  <a:pt x="2332" y="3907"/>
-                </a:lnTo>
-                <a:lnTo>
-                  <a:pt x="0" y="2595"/>
-                </a:lnTo>
-                <a:lnTo>
-                  <a:pt x="1462" y="0"/>
-                </a:lnTo>
-                <a:close/>
-              </a:path>
-            </a:pathLst>
-          </a:custGeom>
-          <a:solidFill>
-            <a:srgbClr val="002B41"/>
-          </a:solidFill>
-          <a:ln w="28575">
-            <a:noFill/>
-          </a:ln>
-          <a:effectLst>
-            <a:outerShdw blurRad="254000" dist="127000" dir="2700000" algn="tl" rotWithShape="0">
-              <a:prstClr val="black">
-                <a:alpha val="40000"/>
-              </a:prstClr>
-            </a:outerShdw>
-          </a:effectLst>
-        </p:spPr>
-        <p:txBody>
-          <a:bodyPr anchor="ctr"/>
-          <a:lstStyle/>
-          <a:p>
-            <a:pPr algn="ctr"/>
-            <a:endParaRPr lang="zh-CN" altLang="en-US" sz="2000">
-              <a:solidFill>
-                <a:schemeClr val="bg1">
-                  <a:lumMod val="95000"/>
-                </a:schemeClr>
-              </a:solidFill>
-              <a:latin typeface="Calibri" panose="020F0502020204030204" pitchFamily="34" charset="0"/>
-              <a:ea typeface="宋体" panose="02010600030101010101" pitchFamily="2" charset="-122"/>
-            </a:endParaRPr>
-          </a:p>
-        </p:txBody>
-      </p:sp>
-    </p:spTree>
-    <p:extLst>
-      <p:ext uri="{BB962C8B-B14F-4D97-AF65-F5344CB8AC3E}">
-        <p14:creationId xmlns:p14="http://schemas.microsoft.com/office/powerpoint/2010/main" val="616533518"/>
-      </p:ext>
-    </p:extLst>
-  </p:cSld>
-  <p:clrMapOvr>
-    <a:masterClrMapping/>
-  </p:clrMapOvr>
-</p:sld>
-</file>
-
-<file path=ppt/slides/slide78.xml><?xml version="1.0" encoding="utf-8"?>
 <p:sld xmlns:a="http://schemas.openxmlformats.org/drawingml/2006/main" xmlns:r="http://schemas.openxmlformats.org/officeDocument/2006/relationships" xmlns:p="http://schemas.openxmlformats.org/presentationml/2006/main">
   <p:cSld>
     <p:bg>
